--- a/Презентация.pptx
+++ b/Презентация.pptx
@@ -1076,7 +1076,7 @@
   <p:cSld>
     <p:spTree>
       <p:nvGrpSpPr>
-        <p:cNvPr id="73" name="Shape 73"/>
+        <p:cNvPr id="76" name="Shape 76"/>
         <p:cNvGrpSpPr/>
         <p:nvPr/>
       </p:nvGrpSpPr>
@@ -1090,7 +1090,7 @@
       </p:grpSpPr>
       <p:sp>
         <p:nvSpPr>
-          <p:cNvPr id="74" name="Google Shape;74;g4a06a4dd5a_0_24:notes"/>
+          <p:cNvPr id="77" name="Google Shape;77;g4a06a4dd5a_0_24:notes"/>
           <p:cNvSpPr/>
           <p:nvPr>
             <p:ph idx="2" type="sldImg"/>
@@ -1125,7 +1125,7 @@
       </p:sp>
       <p:sp>
         <p:nvSpPr>
-          <p:cNvPr id="75" name="Google Shape;75;g4a06a4dd5a_0_24:notes"/>
+          <p:cNvPr id="78" name="Google Shape;78;g4a06a4dd5a_0_24:notes"/>
           <p:cNvSpPr txBox="1"/>
           <p:nvPr>
             <p:ph idx="1" type="body"/>
@@ -1175,7 +1175,7 @@
   <p:cSld>
     <p:spTree>
       <p:nvGrpSpPr>
-        <p:cNvPr id="79" name="Shape 79"/>
+        <p:cNvPr id="84" name="Shape 84"/>
         <p:cNvGrpSpPr/>
         <p:nvPr/>
       </p:nvGrpSpPr>
@@ -1189,7 +1189,7 @@
       </p:grpSpPr>
       <p:sp>
         <p:nvSpPr>
-          <p:cNvPr id="80" name="Google Shape;80;g4a06a4dd5a_0_32:notes"/>
+          <p:cNvPr id="85" name="Google Shape;85;g4a06a4dd5a_0_32:notes"/>
           <p:cNvSpPr/>
           <p:nvPr>
             <p:ph idx="2" type="sldImg"/>
@@ -1224,7 +1224,7 @@
       </p:sp>
       <p:sp>
         <p:nvSpPr>
-          <p:cNvPr id="81" name="Google Shape;81;g4a06a4dd5a_0_32:notes"/>
+          <p:cNvPr id="86" name="Google Shape;86;g4a06a4dd5a_0_32:notes"/>
           <p:cNvSpPr txBox="1"/>
           <p:nvPr>
             <p:ph idx="1" type="body"/>
@@ -1274,7 +1274,7 @@
   <p:cSld>
     <p:spTree>
       <p:nvGrpSpPr>
-        <p:cNvPr id="85" name="Shape 85"/>
+        <p:cNvPr id="92" name="Shape 92"/>
         <p:cNvGrpSpPr/>
         <p:nvPr/>
       </p:nvGrpSpPr>
@@ -1288,7 +1288,7 @@
       </p:grpSpPr>
       <p:sp>
         <p:nvSpPr>
-          <p:cNvPr id="86" name="Google Shape;86;g4a06a4dd5a_0_40:notes"/>
+          <p:cNvPr id="93" name="Google Shape;93;g4a06a4dd5a_0_40:notes"/>
           <p:cNvSpPr/>
           <p:nvPr>
             <p:ph idx="2" type="sldImg"/>
@@ -1323,7 +1323,7 @@
       </p:sp>
       <p:sp>
         <p:nvSpPr>
-          <p:cNvPr id="87" name="Google Shape;87;g4a06a4dd5a_0_40:notes"/>
+          <p:cNvPr id="94" name="Google Shape;94;g4a06a4dd5a_0_40:notes"/>
           <p:cNvSpPr txBox="1"/>
           <p:nvPr>
             <p:ph idx="1" type="body"/>
@@ -1373,7 +1373,7 @@
   <p:cSld>
     <p:spTree>
       <p:nvGrpSpPr>
-        <p:cNvPr id="91" name="Shape 91"/>
+        <p:cNvPr id="100" name="Shape 100"/>
         <p:cNvGrpSpPr/>
         <p:nvPr/>
       </p:nvGrpSpPr>
@@ -1387,7 +1387,7 @@
       </p:grpSpPr>
       <p:sp>
         <p:nvSpPr>
-          <p:cNvPr id="92" name="Google Shape;92;g4a06a4dd5a_0_46:notes"/>
+          <p:cNvPr id="101" name="Google Shape;101;g4a06a4dd5a_0_46:notes"/>
           <p:cNvSpPr/>
           <p:nvPr>
             <p:ph idx="2" type="sldImg"/>
@@ -1422,7 +1422,7 @@
       </p:sp>
       <p:sp>
         <p:nvSpPr>
-          <p:cNvPr id="93" name="Google Shape;93;g4a06a4dd5a_0_46:notes"/>
+          <p:cNvPr id="102" name="Google Shape;102;g4a06a4dd5a_0_46:notes"/>
           <p:cNvSpPr txBox="1"/>
           <p:nvPr>
             <p:ph idx="1" type="body"/>
@@ -7171,16 +7171,69 @@
           <a:chExt cx="0" cy="0"/>
         </a:xfrm>
       </p:grpSpPr>
+      <p:pic>
+        <p:nvPicPr>
+          <p:cNvPr id="72" name="Google Shape;72;p16"/>
+          <p:cNvPicPr preferRelativeResize="0"/>
+          <p:nvPr/>
+        </p:nvPicPr>
+        <p:blipFill rotWithShape="1">
+          <a:blip r:embed="rId3">
+            <a:alphaModFix/>
+          </a:blip>
+          <a:srcRect b="24440" l="19772" r="19910" t="18867"/>
+          <a:stretch/>
+        </p:blipFill>
+        <p:spPr>
+          <a:xfrm>
+            <a:off x="1802875" y="216825"/>
+            <a:ext cx="5439274" cy="4089974"/>
+          </a:xfrm>
+          <a:prstGeom prst="rect">
+            <a:avLst/>
+          </a:prstGeom>
+          <a:noFill/>
+          <a:ln>
+            <a:noFill/>
+          </a:ln>
+        </p:spPr>
+      </p:pic>
+      <p:cxnSp>
+        <p:nvCxnSpPr>
+          <p:cNvPr id="73" name="Google Shape;73;p16"/>
+          <p:cNvCxnSpPr/>
+          <p:nvPr/>
+        </p:nvCxnSpPr>
+        <p:spPr>
+          <a:xfrm flipH="1" rot="10800000">
+            <a:off x="1593125" y="2007725"/>
+            <a:ext cx="1329300" cy="320700"/>
+          </a:xfrm>
+          <a:prstGeom prst="straightConnector1">
+            <a:avLst/>
+          </a:prstGeom>
+          <a:noFill/>
+          <a:ln cap="flat" cmpd="sng" w="9525">
+            <a:solidFill>
+              <a:schemeClr val="dk2"/>
+            </a:solidFill>
+            <a:prstDash val="solid"/>
+            <a:round/>
+            <a:headEnd len="med" w="med" type="none"/>
+            <a:tailEnd len="med" w="med" type="triangle"/>
+          </a:ln>
+        </p:spPr>
+      </p:cxnSp>
       <p:sp>
         <p:nvSpPr>
-          <p:cNvPr id="72" name="Google Shape;72;p16"/>
+          <p:cNvPr id="74" name="Google Shape;74;p16"/>
           <p:cNvSpPr txBox="1"/>
           <p:nvPr/>
         </p:nvSpPr>
         <p:spPr>
           <a:xfrm>
-            <a:off x="635550" y="150350"/>
-            <a:ext cx="7872900" cy="3622200"/>
+            <a:off x="367650" y="2168175"/>
+            <a:ext cx="1329300" cy="678600"/>
           </a:xfrm>
           <a:prstGeom prst="rect">
             <a:avLst/>
@@ -7203,101 +7256,40 @@
               <a:spcAft>
                 <a:spcPts val="0"/>
               </a:spcAft>
-              <a:buClr>
-                <a:schemeClr val="dk1"/>
-              </a:buClr>
-              <a:buSzPts val="1100"/>
-              <a:buFont typeface="Arial"/>
               <a:buNone/>
             </a:pPr>
             <a:r>
-              <a:rPr lang="ru">
-                <a:solidFill>
-                  <a:srgbClr val="CC7832"/>
-                </a:solidFill>
-                <a:highlight>
-                  <a:srgbClr val="2B2B2B"/>
-                </a:highlight>
-                <a:latin typeface="Courier New"/>
-                <a:ea typeface="Courier New"/>
-                <a:cs typeface="Courier New"/>
-                <a:sym typeface="Courier New"/>
-              </a:rPr>
-              <a:t>def </a:t>
+              <a:rPr lang="ru"/>
+              <a:t>Содержимое файла</a:t>
             </a:r>
-            <a:r>
-              <a:rPr lang="ru">
-                <a:solidFill>
-                  <a:srgbClr val="FFC66D"/>
-                </a:solidFill>
-                <a:highlight>
-                  <a:srgbClr val="2B2B2B"/>
-                </a:highlight>
-                <a:latin typeface="Courier New"/>
-                <a:ea typeface="Courier New"/>
-                <a:cs typeface="Courier New"/>
-                <a:sym typeface="Courier New"/>
-              </a:rPr>
-              <a:t>open</a:t>
-            </a:r>
-            <a:r>
-              <a:rPr lang="ru">
-                <a:solidFill>
-                  <a:srgbClr val="A9B7C6"/>
-                </a:solidFill>
-                <a:highlight>
-                  <a:srgbClr val="2B2B2B"/>
-                </a:highlight>
-                <a:latin typeface="Courier New"/>
-                <a:ea typeface="Courier New"/>
-                <a:cs typeface="Courier New"/>
-                <a:sym typeface="Courier New"/>
-              </a:rPr>
-              <a:t>(</a:t>
-            </a:r>
-            <a:r>
-              <a:rPr lang="ru">
-                <a:solidFill>
-                  <a:srgbClr val="94558D"/>
-                </a:solidFill>
-                <a:highlight>
-                  <a:srgbClr val="2B2B2B"/>
-                </a:highlight>
-                <a:latin typeface="Courier New"/>
-                <a:ea typeface="Courier New"/>
-                <a:cs typeface="Courier New"/>
-                <a:sym typeface="Courier New"/>
-              </a:rPr>
-              <a:t>self</a:t>
-            </a:r>
-            <a:r>
-              <a:rPr lang="ru">
-                <a:solidFill>
-                  <a:srgbClr val="A9B7C6"/>
-                </a:solidFill>
-                <a:highlight>
-                  <a:srgbClr val="2B2B2B"/>
-                </a:highlight>
-                <a:latin typeface="Courier New"/>
-                <a:ea typeface="Courier New"/>
-                <a:cs typeface="Courier New"/>
-                <a:sym typeface="Courier New"/>
-              </a:rPr>
-              <a:t>):</a:t>
-            </a:r>
-            <a:endParaRPr>
-              <a:solidFill>
-                <a:srgbClr val="A9B7C6"/>
-              </a:solidFill>
-              <a:highlight>
-                <a:srgbClr val="2B2B2B"/>
-              </a:highlight>
-              <a:latin typeface="Courier New"/>
-              <a:ea typeface="Courier New"/>
-              <a:cs typeface="Courier New"/>
-              <a:sym typeface="Courier New"/>
-            </a:endParaRPr>
+            <a:endParaRPr/>
           </a:p>
+        </p:txBody>
+      </p:sp>
+      <p:sp>
+        <p:nvSpPr>
+          <p:cNvPr id="75" name="Google Shape;75;p16"/>
+          <p:cNvSpPr txBox="1"/>
+          <p:nvPr/>
+        </p:nvSpPr>
+        <p:spPr>
+          <a:xfrm>
+            <a:off x="3936500" y="4392100"/>
+            <a:ext cx="1055700" cy="499500"/>
+          </a:xfrm>
+          <a:prstGeom prst="rect">
+            <a:avLst/>
+          </a:prstGeom>
+          <a:noFill/>
+          <a:ln>
+            <a:noFill/>
+          </a:ln>
+        </p:spPr>
+        <p:txBody>
+          <a:bodyPr anchorCtr="0" anchor="t" bIns="91425" lIns="91425" spcFirstLastPara="1" rIns="91425" wrap="square" tIns="91425">
+            <a:noAutofit/>
+          </a:bodyPr>
+          <a:lstStyle/>
           <a:p>
             <a:pPr indent="0" lvl="0" marL="0" rtl="0" algn="l">
               <a:spcBef>
@@ -7306,1784 +7298,11 @@
               <a:spcAft>
                 <a:spcPts val="0"/>
               </a:spcAft>
-              <a:buClr>
-                <a:schemeClr val="dk1"/>
-              </a:buClr>
-              <a:buSzPts val="1100"/>
-              <a:buFont typeface="Arial"/>
               <a:buNone/>
             </a:pPr>
             <a:r>
-              <a:rPr lang="ru">
-                <a:solidFill>
-                  <a:srgbClr val="A9B7C6"/>
-                </a:solidFill>
-                <a:highlight>
-                  <a:srgbClr val="2B2B2B"/>
-                </a:highlight>
-                <a:latin typeface="Courier New"/>
-                <a:ea typeface="Courier New"/>
-                <a:cs typeface="Courier New"/>
-                <a:sym typeface="Courier New"/>
-              </a:rPr>
-              <a:t>   text = </a:t>
-            </a:r>
-            <a:r>
-              <a:rPr lang="ru">
-                <a:solidFill>
-                  <a:srgbClr val="94558D"/>
-                </a:solidFill>
-                <a:highlight>
-                  <a:srgbClr val="2B2B2B"/>
-                </a:highlight>
-                <a:latin typeface="Courier New"/>
-                <a:ea typeface="Courier New"/>
-                <a:cs typeface="Courier New"/>
-                <a:sym typeface="Courier New"/>
-              </a:rPr>
-              <a:t>self</a:t>
-            </a:r>
-            <a:r>
-              <a:rPr lang="ru">
-                <a:solidFill>
-                  <a:srgbClr val="A9B7C6"/>
-                </a:solidFill>
-                <a:highlight>
-                  <a:srgbClr val="2B2B2B"/>
-                </a:highlight>
-                <a:latin typeface="Courier New"/>
-                <a:ea typeface="Courier New"/>
-                <a:cs typeface="Courier New"/>
-                <a:sym typeface="Courier New"/>
-              </a:rPr>
-              <a:t>.lineEdit.text()</a:t>
-            </a:r>
-            <a:endParaRPr>
-              <a:solidFill>
-                <a:srgbClr val="A9B7C6"/>
-              </a:solidFill>
-              <a:highlight>
-                <a:srgbClr val="2B2B2B"/>
-              </a:highlight>
-              <a:latin typeface="Courier New"/>
-              <a:ea typeface="Courier New"/>
-              <a:cs typeface="Courier New"/>
-              <a:sym typeface="Courier New"/>
-            </a:endParaRPr>
-          </a:p>
-          <a:p>
-            <a:pPr indent="0" lvl="0" marL="0" rtl="0" algn="l">
-              <a:spcBef>
-                <a:spcPts val="0"/>
-              </a:spcBef>
-              <a:spcAft>
-                <a:spcPts val="0"/>
-              </a:spcAft>
-              <a:buClr>
-                <a:schemeClr val="dk1"/>
-              </a:buClr>
-              <a:buSzPts val="1100"/>
-              <a:buFont typeface="Arial"/>
-              <a:buNone/>
-            </a:pPr>
-            <a:r>
-              <a:rPr lang="ru">
-                <a:solidFill>
-                  <a:srgbClr val="A9B7C6"/>
-                </a:solidFill>
-                <a:highlight>
-                  <a:srgbClr val="2B2B2B"/>
-                </a:highlight>
-                <a:latin typeface="Courier New"/>
-                <a:ea typeface="Courier New"/>
-                <a:cs typeface="Courier New"/>
-                <a:sym typeface="Courier New"/>
-              </a:rPr>
-              <a:t>   </a:t>
-            </a:r>
-            <a:r>
-              <a:rPr lang="ru">
-                <a:solidFill>
-                  <a:srgbClr val="CC7832"/>
-                </a:solidFill>
-                <a:highlight>
-                  <a:srgbClr val="2B2B2B"/>
-                </a:highlight>
-                <a:latin typeface="Courier New"/>
-                <a:ea typeface="Courier New"/>
-                <a:cs typeface="Courier New"/>
-                <a:sym typeface="Courier New"/>
-              </a:rPr>
-              <a:t>if </a:t>
-            </a:r>
-            <a:r>
-              <a:rPr lang="ru">
-                <a:solidFill>
-                  <a:srgbClr val="A9B7C6"/>
-                </a:solidFill>
-                <a:highlight>
-                  <a:srgbClr val="2B2B2B"/>
-                </a:highlight>
-                <a:latin typeface="Courier New"/>
-                <a:ea typeface="Courier New"/>
-                <a:cs typeface="Courier New"/>
-                <a:sym typeface="Courier New"/>
-              </a:rPr>
-              <a:t>os.path.isdir(text):</a:t>
-            </a:r>
-            <a:endParaRPr>
-              <a:solidFill>
-                <a:srgbClr val="A9B7C6"/>
-              </a:solidFill>
-              <a:highlight>
-                <a:srgbClr val="2B2B2B"/>
-              </a:highlight>
-              <a:latin typeface="Courier New"/>
-              <a:ea typeface="Courier New"/>
-              <a:cs typeface="Courier New"/>
-              <a:sym typeface="Courier New"/>
-            </a:endParaRPr>
-          </a:p>
-          <a:p>
-            <a:pPr indent="0" lvl="0" marL="0" rtl="0" algn="l">
-              <a:spcBef>
-                <a:spcPts val="0"/>
-              </a:spcBef>
-              <a:spcAft>
-                <a:spcPts val="0"/>
-              </a:spcAft>
-              <a:buClr>
-                <a:schemeClr val="dk1"/>
-              </a:buClr>
-              <a:buSzPts val="1100"/>
-              <a:buFont typeface="Arial"/>
-              <a:buNone/>
-            </a:pPr>
-            <a:r>
-              <a:rPr lang="ru">
-                <a:solidFill>
-                  <a:srgbClr val="A9B7C6"/>
-                </a:solidFill>
-                <a:highlight>
-                  <a:srgbClr val="2B2B2B"/>
-                </a:highlight>
-                <a:latin typeface="Courier New"/>
-                <a:ea typeface="Courier New"/>
-                <a:cs typeface="Courier New"/>
-                <a:sym typeface="Courier New"/>
-              </a:rPr>
-              <a:t>       files = os.listdir(text)</a:t>
-            </a:r>
-            <a:endParaRPr>
-              <a:solidFill>
-                <a:srgbClr val="A9B7C6"/>
-              </a:solidFill>
-              <a:highlight>
-                <a:srgbClr val="2B2B2B"/>
-              </a:highlight>
-              <a:latin typeface="Courier New"/>
-              <a:ea typeface="Courier New"/>
-              <a:cs typeface="Courier New"/>
-              <a:sym typeface="Courier New"/>
-            </a:endParaRPr>
-          </a:p>
-          <a:p>
-            <a:pPr indent="0" lvl="0" marL="0" rtl="0" algn="l">
-              <a:spcBef>
-                <a:spcPts val="0"/>
-              </a:spcBef>
-              <a:spcAft>
-                <a:spcPts val="0"/>
-              </a:spcAft>
-              <a:buClr>
-                <a:schemeClr val="dk1"/>
-              </a:buClr>
-              <a:buSzPts val="1100"/>
-              <a:buFont typeface="Arial"/>
-              <a:buNone/>
-            </a:pPr>
-            <a:r>
-              <a:rPr lang="ru">
-                <a:solidFill>
-                  <a:srgbClr val="A9B7C6"/>
-                </a:solidFill>
-                <a:highlight>
-                  <a:srgbClr val="2B2B2B"/>
-                </a:highlight>
-                <a:latin typeface="Courier New"/>
-                <a:ea typeface="Courier New"/>
-                <a:cs typeface="Courier New"/>
-                <a:sym typeface="Courier New"/>
-              </a:rPr>
-              <a:t>       </a:t>
-            </a:r>
-            <a:r>
-              <a:rPr lang="ru">
-                <a:solidFill>
-                  <a:srgbClr val="94558D"/>
-                </a:solidFill>
-                <a:highlight>
-                  <a:srgbClr val="2B2B2B"/>
-                </a:highlight>
-                <a:latin typeface="Courier New"/>
-                <a:ea typeface="Courier New"/>
-                <a:cs typeface="Courier New"/>
-                <a:sym typeface="Courier New"/>
-              </a:rPr>
-              <a:t>self</a:t>
-            </a:r>
-            <a:r>
-              <a:rPr lang="ru">
-                <a:solidFill>
-                  <a:srgbClr val="A9B7C6"/>
-                </a:solidFill>
-                <a:highlight>
-                  <a:srgbClr val="2B2B2B"/>
-                </a:highlight>
-                <a:latin typeface="Courier New"/>
-                <a:ea typeface="Courier New"/>
-                <a:cs typeface="Courier New"/>
-                <a:sym typeface="Courier New"/>
-              </a:rPr>
-              <a:t>.label_2.setText(</a:t>
-            </a:r>
-            <a:r>
-              <a:rPr lang="ru">
-                <a:solidFill>
-                  <a:srgbClr val="6A8759"/>
-                </a:solidFill>
-                <a:highlight>
-                  <a:srgbClr val="2B2B2B"/>
-                </a:highlight>
-                <a:latin typeface="Courier New"/>
-                <a:ea typeface="Courier New"/>
-                <a:cs typeface="Courier New"/>
-                <a:sym typeface="Courier New"/>
-              </a:rPr>
-              <a:t>'</a:t>
-            </a:r>
-            <a:r>
-              <a:rPr lang="ru">
-                <a:solidFill>
-                  <a:srgbClr val="CC7832"/>
-                </a:solidFill>
-                <a:highlight>
-                  <a:srgbClr val="2B2B2B"/>
-                </a:highlight>
-                <a:latin typeface="Courier New"/>
-                <a:ea typeface="Courier New"/>
-                <a:cs typeface="Courier New"/>
-                <a:sym typeface="Courier New"/>
-              </a:rPr>
-              <a:t>\n</a:t>
-            </a:r>
-            <a:r>
-              <a:rPr lang="ru">
-                <a:solidFill>
-                  <a:srgbClr val="6A8759"/>
-                </a:solidFill>
-                <a:highlight>
-                  <a:srgbClr val="2B2B2B"/>
-                </a:highlight>
-                <a:latin typeface="Courier New"/>
-                <a:ea typeface="Courier New"/>
-                <a:cs typeface="Courier New"/>
-                <a:sym typeface="Courier New"/>
-              </a:rPr>
-              <a:t>'</a:t>
-            </a:r>
-            <a:r>
-              <a:rPr lang="ru">
-                <a:solidFill>
-                  <a:srgbClr val="A9B7C6"/>
-                </a:solidFill>
-                <a:highlight>
-                  <a:srgbClr val="2B2B2B"/>
-                </a:highlight>
-                <a:latin typeface="Courier New"/>
-                <a:ea typeface="Courier New"/>
-                <a:cs typeface="Courier New"/>
-                <a:sym typeface="Courier New"/>
-              </a:rPr>
-              <a:t>.join(files))</a:t>
-            </a:r>
-            <a:endParaRPr>
-              <a:solidFill>
-                <a:srgbClr val="A9B7C6"/>
-              </a:solidFill>
-              <a:highlight>
-                <a:srgbClr val="2B2B2B"/>
-              </a:highlight>
-              <a:latin typeface="Courier New"/>
-              <a:ea typeface="Courier New"/>
-              <a:cs typeface="Courier New"/>
-              <a:sym typeface="Courier New"/>
-            </a:endParaRPr>
-          </a:p>
-          <a:p>
-            <a:pPr indent="0" lvl="0" marL="0" rtl="0" algn="l">
-              <a:spcBef>
-                <a:spcPts val="0"/>
-              </a:spcBef>
-              <a:spcAft>
-                <a:spcPts val="0"/>
-              </a:spcAft>
-              <a:buClr>
-                <a:schemeClr val="dk1"/>
-              </a:buClr>
-              <a:buSzPts val="1100"/>
-              <a:buFont typeface="Arial"/>
-              <a:buNone/>
-            </a:pPr>
-            <a:r>
-              <a:rPr lang="ru">
-                <a:solidFill>
-                  <a:srgbClr val="A9B7C6"/>
-                </a:solidFill>
-                <a:highlight>
-                  <a:srgbClr val="2B2B2B"/>
-                </a:highlight>
-                <a:latin typeface="Courier New"/>
-                <a:ea typeface="Courier New"/>
-                <a:cs typeface="Courier New"/>
-                <a:sym typeface="Courier New"/>
-              </a:rPr>
-              <a:t>       </a:t>
-            </a:r>
-            <a:r>
-              <a:rPr lang="ru">
-                <a:solidFill>
-                  <a:srgbClr val="94558D"/>
-                </a:solidFill>
-                <a:highlight>
-                  <a:srgbClr val="2B2B2B"/>
-                </a:highlight>
-                <a:latin typeface="Courier New"/>
-                <a:ea typeface="Courier New"/>
-                <a:cs typeface="Courier New"/>
-                <a:sym typeface="Courier New"/>
-              </a:rPr>
-              <a:t>self</a:t>
-            </a:r>
-            <a:r>
-              <a:rPr lang="ru">
-                <a:solidFill>
-                  <a:srgbClr val="A9B7C6"/>
-                </a:solidFill>
-                <a:highlight>
-                  <a:srgbClr val="2B2B2B"/>
-                </a:highlight>
-                <a:latin typeface="Courier New"/>
-                <a:ea typeface="Courier New"/>
-                <a:cs typeface="Courier New"/>
-                <a:sym typeface="Courier New"/>
-              </a:rPr>
-              <a:t>.label_2.adjustSize()</a:t>
-            </a:r>
-            <a:endParaRPr>
-              <a:solidFill>
-                <a:srgbClr val="A9B7C6"/>
-              </a:solidFill>
-              <a:highlight>
-                <a:srgbClr val="2B2B2B"/>
-              </a:highlight>
-              <a:latin typeface="Courier New"/>
-              <a:ea typeface="Courier New"/>
-              <a:cs typeface="Courier New"/>
-              <a:sym typeface="Courier New"/>
-            </a:endParaRPr>
-          </a:p>
-          <a:p>
-            <a:pPr indent="0" lvl="0" marL="0" rtl="0" algn="l">
-              <a:spcBef>
-                <a:spcPts val="0"/>
-              </a:spcBef>
-              <a:spcAft>
-                <a:spcPts val="0"/>
-              </a:spcAft>
-              <a:buClr>
-                <a:schemeClr val="dk1"/>
-              </a:buClr>
-              <a:buSzPts val="1100"/>
-              <a:buFont typeface="Arial"/>
-              <a:buNone/>
-            </a:pPr>
-            <a:r>
-              <a:rPr lang="ru">
-                <a:solidFill>
-                  <a:srgbClr val="A9B7C6"/>
-                </a:solidFill>
-                <a:highlight>
-                  <a:srgbClr val="2B2B2B"/>
-                </a:highlight>
-                <a:latin typeface="Courier New"/>
-                <a:ea typeface="Courier New"/>
-                <a:cs typeface="Courier New"/>
-                <a:sym typeface="Courier New"/>
-              </a:rPr>
-              <a:t>       </a:t>
-            </a:r>
-            <a:r>
-              <a:rPr lang="ru">
-                <a:solidFill>
-                  <a:srgbClr val="94558D"/>
-                </a:solidFill>
-                <a:highlight>
-                  <a:srgbClr val="2B2B2B"/>
-                </a:highlight>
-                <a:latin typeface="Courier New"/>
-                <a:ea typeface="Courier New"/>
-                <a:cs typeface="Courier New"/>
-                <a:sym typeface="Courier New"/>
-              </a:rPr>
-              <a:t>self</a:t>
-            </a:r>
-            <a:r>
-              <a:rPr lang="ru">
-                <a:solidFill>
-                  <a:srgbClr val="A9B7C6"/>
-                </a:solidFill>
-                <a:highlight>
-                  <a:srgbClr val="2B2B2B"/>
-                </a:highlight>
-                <a:latin typeface="Courier New"/>
-                <a:ea typeface="Courier New"/>
-                <a:cs typeface="Courier New"/>
-                <a:sym typeface="Courier New"/>
-              </a:rPr>
-              <a:t>.sizeLabel.setText(human_read_format(os.path.getsize(text)))</a:t>
-            </a:r>
-            <a:endParaRPr>
-              <a:solidFill>
-                <a:srgbClr val="A9B7C6"/>
-              </a:solidFill>
-              <a:highlight>
-                <a:srgbClr val="2B2B2B"/>
-              </a:highlight>
-              <a:latin typeface="Courier New"/>
-              <a:ea typeface="Courier New"/>
-              <a:cs typeface="Courier New"/>
-              <a:sym typeface="Courier New"/>
-            </a:endParaRPr>
-          </a:p>
-          <a:p>
-            <a:pPr indent="0" lvl="0" marL="0" rtl="0" algn="l">
-              <a:spcBef>
-                <a:spcPts val="0"/>
-              </a:spcBef>
-              <a:spcAft>
-                <a:spcPts val="0"/>
-              </a:spcAft>
-              <a:buClr>
-                <a:schemeClr val="dk1"/>
-              </a:buClr>
-              <a:buSzPts val="1100"/>
-              <a:buFont typeface="Arial"/>
-              <a:buNone/>
-            </a:pPr>
-            <a:r>
-              <a:rPr lang="ru">
-                <a:solidFill>
-                  <a:srgbClr val="A9B7C6"/>
-                </a:solidFill>
-                <a:highlight>
-                  <a:srgbClr val="2B2B2B"/>
-                </a:highlight>
-                <a:latin typeface="Courier New"/>
-                <a:ea typeface="Courier New"/>
-                <a:cs typeface="Courier New"/>
-                <a:sym typeface="Courier New"/>
-              </a:rPr>
-              <a:t>   </a:t>
-            </a:r>
-            <a:r>
-              <a:rPr lang="ru">
-                <a:solidFill>
-                  <a:srgbClr val="CC7832"/>
-                </a:solidFill>
-                <a:highlight>
-                  <a:srgbClr val="2B2B2B"/>
-                </a:highlight>
-                <a:latin typeface="Courier New"/>
-                <a:ea typeface="Courier New"/>
-                <a:cs typeface="Courier New"/>
-                <a:sym typeface="Courier New"/>
-              </a:rPr>
-              <a:t>elif </a:t>
-            </a:r>
-            <a:r>
-              <a:rPr lang="ru">
-                <a:solidFill>
-                  <a:srgbClr val="A9B7C6"/>
-                </a:solidFill>
-                <a:highlight>
-                  <a:srgbClr val="2B2B2B"/>
-                </a:highlight>
-                <a:latin typeface="Courier New"/>
-                <a:ea typeface="Courier New"/>
-                <a:cs typeface="Courier New"/>
-                <a:sym typeface="Courier New"/>
-              </a:rPr>
-              <a:t>os.path.isfile(text):</a:t>
-            </a:r>
-            <a:endParaRPr>
-              <a:solidFill>
-                <a:srgbClr val="A9B7C6"/>
-              </a:solidFill>
-              <a:highlight>
-                <a:srgbClr val="2B2B2B"/>
-              </a:highlight>
-              <a:latin typeface="Courier New"/>
-              <a:ea typeface="Courier New"/>
-              <a:cs typeface="Courier New"/>
-              <a:sym typeface="Courier New"/>
-            </a:endParaRPr>
-          </a:p>
-          <a:p>
-            <a:pPr indent="0" lvl="0" marL="0" rtl="0" algn="l">
-              <a:spcBef>
-                <a:spcPts val="0"/>
-              </a:spcBef>
-              <a:spcAft>
-                <a:spcPts val="0"/>
-              </a:spcAft>
-              <a:buClr>
-                <a:schemeClr val="dk1"/>
-              </a:buClr>
-              <a:buSzPts val="1100"/>
-              <a:buFont typeface="Arial"/>
-              <a:buNone/>
-            </a:pPr>
-            <a:r>
-              <a:rPr lang="ru">
-                <a:solidFill>
-                  <a:srgbClr val="A9B7C6"/>
-                </a:solidFill>
-                <a:highlight>
-                  <a:srgbClr val="2B2B2B"/>
-                </a:highlight>
-                <a:latin typeface="Courier New"/>
-                <a:ea typeface="Courier New"/>
-                <a:cs typeface="Courier New"/>
-                <a:sym typeface="Courier New"/>
-              </a:rPr>
-              <a:t>       </a:t>
-            </a:r>
-            <a:r>
-              <a:rPr lang="ru">
-                <a:solidFill>
-                  <a:srgbClr val="CC7832"/>
-                </a:solidFill>
-                <a:highlight>
-                  <a:srgbClr val="2B2B2B"/>
-                </a:highlight>
-                <a:latin typeface="Courier New"/>
-                <a:ea typeface="Courier New"/>
-                <a:cs typeface="Courier New"/>
-                <a:sym typeface="Courier New"/>
-              </a:rPr>
-              <a:t>if </a:t>
-            </a:r>
-            <a:r>
-              <a:rPr lang="ru">
-                <a:solidFill>
-                  <a:srgbClr val="A9B7C6"/>
-                </a:solidFill>
-                <a:highlight>
-                  <a:srgbClr val="2B2B2B"/>
-                </a:highlight>
-                <a:latin typeface="Courier New"/>
-                <a:ea typeface="Courier New"/>
-                <a:cs typeface="Courier New"/>
-                <a:sym typeface="Courier New"/>
-              </a:rPr>
-              <a:t>text.split(</a:t>
-            </a:r>
-            <a:r>
-              <a:rPr lang="ru">
-                <a:solidFill>
-                  <a:srgbClr val="6A8759"/>
-                </a:solidFill>
-                <a:highlight>
-                  <a:srgbClr val="2B2B2B"/>
-                </a:highlight>
-                <a:latin typeface="Courier New"/>
-                <a:ea typeface="Courier New"/>
-                <a:cs typeface="Courier New"/>
-                <a:sym typeface="Courier New"/>
-              </a:rPr>
-              <a:t>'.'</a:t>
-            </a:r>
-            <a:r>
-              <a:rPr lang="ru">
-                <a:solidFill>
-                  <a:srgbClr val="A9B7C6"/>
-                </a:solidFill>
-                <a:highlight>
-                  <a:srgbClr val="2B2B2B"/>
-                </a:highlight>
-                <a:latin typeface="Courier New"/>
-                <a:ea typeface="Courier New"/>
-                <a:cs typeface="Courier New"/>
-                <a:sym typeface="Courier New"/>
-              </a:rPr>
-              <a:t>)[</a:t>
-            </a:r>
-            <a:r>
-              <a:rPr lang="ru">
-                <a:solidFill>
-                  <a:srgbClr val="6897BB"/>
-                </a:solidFill>
-                <a:highlight>
-                  <a:srgbClr val="2B2B2B"/>
-                </a:highlight>
-                <a:latin typeface="Courier New"/>
-                <a:ea typeface="Courier New"/>
-                <a:cs typeface="Courier New"/>
-                <a:sym typeface="Courier New"/>
-              </a:rPr>
-              <a:t>1</a:t>
-            </a:r>
-            <a:r>
-              <a:rPr lang="ru">
-                <a:solidFill>
-                  <a:srgbClr val="A9B7C6"/>
-                </a:solidFill>
-                <a:highlight>
-                  <a:srgbClr val="2B2B2B"/>
-                </a:highlight>
-                <a:latin typeface="Courier New"/>
-                <a:ea typeface="Courier New"/>
-                <a:cs typeface="Courier New"/>
-                <a:sym typeface="Courier New"/>
-              </a:rPr>
-              <a:t>] </a:t>
-            </a:r>
-            <a:r>
-              <a:rPr lang="ru">
-                <a:solidFill>
-                  <a:srgbClr val="CC7832"/>
-                </a:solidFill>
-                <a:highlight>
-                  <a:srgbClr val="2B2B2B"/>
-                </a:highlight>
-                <a:latin typeface="Courier New"/>
-                <a:ea typeface="Courier New"/>
-                <a:cs typeface="Courier New"/>
-                <a:sym typeface="Courier New"/>
-              </a:rPr>
-              <a:t>in </a:t>
-            </a:r>
-            <a:r>
-              <a:rPr lang="ru">
-                <a:solidFill>
-                  <a:srgbClr val="A9B7C6"/>
-                </a:solidFill>
-                <a:highlight>
-                  <a:srgbClr val="2B2B2B"/>
-                </a:highlight>
-                <a:latin typeface="Courier New"/>
-                <a:ea typeface="Courier New"/>
-                <a:cs typeface="Courier New"/>
-                <a:sym typeface="Courier New"/>
-              </a:rPr>
-              <a:t>[</a:t>
-            </a:r>
-            <a:r>
-              <a:rPr lang="ru">
-                <a:solidFill>
-                  <a:srgbClr val="6A8759"/>
-                </a:solidFill>
-                <a:highlight>
-                  <a:srgbClr val="2B2B2B"/>
-                </a:highlight>
-                <a:latin typeface="Courier New"/>
-                <a:ea typeface="Courier New"/>
-                <a:cs typeface="Courier New"/>
-                <a:sym typeface="Courier New"/>
-              </a:rPr>
-              <a:t>'jpg'</a:t>
-            </a:r>
-            <a:r>
-              <a:rPr lang="ru">
-                <a:solidFill>
-                  <a:srgbClr val="CC7832"/>
-                </a:solidFill>
-                <a:highlight>
-                  <a:srgbClr val="2B2B2B"/>
-                </a:highlight>
-                <a:latin typeface="Courier New"/>
-                <a:ea typeface="Courier New"/>
-                <a:cs typeface="Courier New"/>
-                <a:sym typeface="Courier New"/>
-              </a:rPr>
-              <a:t>, </a:t>
-            </a:r>
-            <a:r>
-              <a:rPr lang="ru">
-                <a:solidFill>
-                  <a:srgbClr val="6A8759"/>
-                </a:solidFill>
-                <a:highlight>
-                  <a:srgbClr val="2B2B2B"/>
-                </a:highlight>
-                <a:latin typeface="Courier New"/>
-                <a:ea typeface="Courier New"/>
-                <a:cs typeface="Courier New"/>
-                <a:sym typeface="Courier New"/>
-              </a:rPr>
-              <a:t>'png'</a:t>
-            </a:r>
-            <a:r>
-              <a:rPr lang="ru">
-                <a:solidFill>
-                  <a:srgbClr val="CC7832"/>
-                </a:solidFill>
-                <a:highlight>
-                  <a:srgbClr val="2B2B2B"/>
-                </a:highlight>
-                <a:latin typeface="Courier New"/>
-                <a:ea typeface="Courier New"/>
-                <a:cs typeface="Courier New"/>
-                <a:sym typeface="Courier New"/>
-              </a:rPr>
-              <a:t>, </a:t>
-            </a:r>
-            <a:r>
-              <a:rPr lang="ru">
-                <a:solidFill>
-                  <a:srgbClr val="6A8759"/>
-                </a:solidFill>
-                <a:highlight>
-                  <a:srgbClr val="2B2B2B"/>
-                </a:highlight>
-                <a:latin typeface="Courier New"/>
-                <a:ea typeface="Courier New"/>
-                <a:cs typeface="Courier New"/>
-                <a:sym typeface="Courier New"/>
-              </a:rPr>
-              <a:t>'bmp'</a:t>
-            </a:r>
-            <a:r>
-              <a:rPr lang="ru">
-                <a:solidFill>
-                  <a:srgbClr val="A9B7C6"/>
-                </a:solidFill>
-                <a:highlight>
-                  <a:srgbClr val="2B2B2B"/>
-                </a:highlight>
-                <a:latin typeface="Courier New"/>
-                <a:ea typeface="Courier New"/>
-                <a:cs typeface="Courier New"/>
-                <a:sym typeface="Courier New"/>
-              </a:rPr>
-              <a:t>]:</a:t>
-            </a:r>
-            <a:endParaRPr>
-              <a:solidFill>
-                <a:srgbClr val="A9B7C6"/>
-              </a:solidFill>
-              <a:highlight>
-                <a:srgbClr val="2B2B2B"/>
-              </a:highlight>
-              <a:latin typeface="Courier New"/>
-              <a:ea typeface="Courier New"/>
-              <a:cs typeface="Courier New"/>
-              <a:sym typeface="Courier New"/>
-            </a:endParaRPr>
-          </a:p>
-          <a:p>
-            <a:pPr indent="0" lvl="0" marL="0" rtl="0" algn="l">
-              <a:spcBef>
-                <a:spcPts val="0"/>
-              </a:spcBef>
-              <a:spcAft>
-                <a:spcPts val="0"/>
-              </a:spcAft>
-              <a:buClr>
-                <a:schemeClr val="dk1"/>
-              </a:buClr>
-              <a:buSzPts val="1100"/>
-              <a:buFont typeface="Arial"/>
-              <a:buNone/>
-            </a:pPr>
-            <a:r>
-              <a:rPr lang="ru">
-                <a:solidFill>
-                  <a:srgbClr val="A9B7C6"/>
-                </a:solidFill>
-                <a:highlight>
-                  <a:srgbClr val="2B2B2B"/>
-                </a:highlight>
-                <a:latin typeface="Courier New"/>
-                <a:ea typeface="Courier New"/>
-                <a:cs typeface="Courier New"/>
-                <a:sym typeface="Courier New"/>
-              </a:rPr>
-              <a:t>           pixmap = QPixmap(text)</a:t>
-            </a:r>
-            <a:endParaRPr>
-              <a:solidFill>
-                <a:srgbClr val="A9B7C6"/>
-              </a:solidFill>
-              <a:highlight>
-                <a:srgbClr val="2B2B2B"/>
-              </a:highlight>
-              <a:latin typeface="Courier New"/>
-              <a:ea typeface="Courier New"/>
-              <a:cs typeface="Courier New"/>
-              <a:sym typeface="Courier New"/>
-            </a:endParaRPr>
-          </a:p>
-          <a:p>
-            <a:pPr indent="0" lvl="0" marL="0" rtl="0" algn="l">
-              <a:spcBef>
-                <a:spcPts val="0"/>
-              </a:spcBef>
-              <a:spcAft>
-                <a:spcPts val="0"/>
-              </a:spcAft>
-              <a:buClr>
-                <a:schemeClr val="dk1"/>
-              </a:buClr>
-              <a:buSzPts val="1100"/>
-              <a:buFont typeface="Arial"/>
-              <a:buNone/>
-            </a:pPr>
-            <a:r>
-              <a:rPr lang="ru">
-                <a:solidFill>
-                  <a:srgbClr val="A9B7C6"/>
-                </a:solidFill>
-                <a:highlight>
-                  <a:srgbClr val="2B2B2B"/>
-                </a:highlight>
-                <a:latin typeface="Courier New"/>
-                <a:ea typeface="Courier New"/>
-                <a:cs typeface="Courier New"/>
-                <a:sym typeface="Courier New"/>
-              </a:rPr>
-              <a:t>           </a:t>
-            </a:r>
-            <a:r>
-              <a:rPr lang="ru">
-                <a:solidFill>
-                  <a:srgbClr val="94558D"/>
-                </a:solidFill>
-                <a:highlight>
-                  <a:srgbClr val="2B2B2B"/>
-                </a:highlight>
-                <a:latin typeface="Courier New"/>
-                <a:ea typeface="Courier New"/>
-                <a:cs typeface="Courier New"/>
-                <a:sym typeface="Courier New"/>
-              </a:rPr>
-              <a:t>self</a:t>
-            </a:r>
-            <a:r>
-              <a:rPr lang="ru">
-                <a:solidFill>
-                  <a:srgbClr val="A9B7C6"/>
-                </a:solidFill>
-                <a:highlight>
-                  <a:srgbClr val="2B2B2B"/>
-                </a:highlight>
-                <a:latin typeface="Courier New"/>
-                <a:ea typeface="Courier New"/>
-                <a:cs typeface="Courier New"/>
-                <a:sym typeface="Courier New"/>
-              </a:rPr>
-              <a:t>.label_2.setPixmap(pixmap)</a:t>
-            </a:r>
-            <a:endParaRPr>
-              <a:solidFill>
-                <a:srgbClr val="A9B7C6"/>
-              </a:solidFill>
-              <a:highlight>
-                <a:srgbClr val="2B2B2B"/>
-              </a:highlight>
-              <a:latin typeface="Courier New"/>
-              <a:ea typeface="Courier New"/>
-              <a:cs typeface="Courier New"/>
-              <a:sym typeface="Courier New"/>
-            </a:endParaRPr>
-          </a:p>
-          <a:p>
-            <a:pPr indent="0" lvl="0" marL="0" rtl="0" algn="l">
-              <a:spcBef>
-                <a:spcPts val="0"/>
-              </a:spcBef>
-              <a:spcAft>
-                <a:spcPts val="0"/>
-              </a:spcAft>
-              <a:buClr>
-                <a:schemeClr val="dk1"/>
-              </a:buClr>
-              <a:buSzPts val="1100"/>
-              <a:buFont typeface="Arial"/>
-              <a:buNone/>
-            </a:pPr>
-            <a:r>
-              <a:rPr lang="ru">
-                <a:solidFill>
-                  <a:srgbClr val="A9B7C6"/>
-                </a:solidFill>
-                <a:highlight>
-                  <a:srgbClr val="2B2B2B"/>
-                </a:highlight>
-                <a:latin typeface="Courier New"/>
-                <a:ea typeface="Courier New"/>
-                <a:cs typeface="Courier New"/>
-                <a:sym typeface="Courier New"/>
-              </a:rPr>
-              <a:t>           </a:t>
-            </a:r>
-            <a:r>
-              <a:rPr lang="ru">
-                <a:solidFill>
-                  <a:srgbClr val="94558D"/>
-                </a:solidFill>
-                <a:highlight>
-                  <a:srgbClr val="2B2B2B"/>
-                </a:highlight>
-                <a:latin typeface="Courier New"/>
-                <a:ea typeface="Courier New"/>
-                <a:cs typeface="Courier New"/>
-                <a:sym typeface="Courier New"/>
-              </a:rPr>
-              <a:t>self</a:t>
-            </a:r>
-            <a:r>
-              <a:rPr lang="ru">
-                <a:solidFill>
-                  <a:srgbClr val="A9B7C6"/>
-                </a:solidFill>
-                <a:highlight>
-                  <a:srgbClr val="2B2B2B"/>
-                </a:highlight>
-                <a:latin typeface="Courier New"/>
-                <a:ea typeface="Courier New"/>
-                <a:cs typeface="Courier New"/>
-                <a:sym typeface="Courier New"/>
-              </a:rPr>
-              <a:t>.label_2.resize(pixmap.width()</a:t>
-            </a:r>
-            <a:r>
-              <a:rPr lang="ru">
-                <a:solidFill>
-                  <a:srgbClr val="CC7832"/>
-                </a:solidFill>
-                <a:highlight>
-                  <a:srgbClr val="2B2B2B"/>
-                </a:highlight>
-                <a:latin typeface="Courier New"/>
-                <a:ea typeface="Courier New"/>
-                <a:cs typeface="Courier New"/>
-                <a:sym typeface="Courier New"/>
-              </a:rPr>
-              <a:t>, </a:t>
-            </a:r>
-            <a:r>
-              <a:rPr lang="ru">
-                <a:solidFill>
-                  <a:srgbClr val="A9B7C6"/>
-                </a:solidFill>
-                <a:highlight>
-                  <a:srgbClr val="2B2B2B"/>
-                </a:highlight>
-                <a:latin typeface="Courier New"/>
-                <a:ea typeface="Courier New"/>
-                <a:cs typeface="Courier New"/>
-                <a:sym typeface="Courier New"/>
-              </a:rPr>
-              <a:t>pixmap.height())</a:t>
-            </a:r>
-            <a:endParaRPr>
-              <a:solidFill>
-                <a:srgbClr val="A9B7C6"/>
-              </a:solidFill>
-              <a:highlight>
-                <a:srgbClr val="2B2B2B"/>
-              </a:highlight>
-              <a:latin typeface="Courier New"/>
-              <a:ea typeface="Courier New"/>
-              <a:cs typeface="Courier New"/>
-              <a:sym typeface="Courier New"/>
-            </a:endParaRPr>
-          </a:p>
-          <a:p>
-            <a:pPr indent="0" lvl="0" marL="0" rtl="0" algn="l">
-              <a:spcBef>
-                <a:spcPts val="0"/>
-              </a:spcBef>
-              <a:spcAft>
-                <a:spcPts val="0"/>
-              </a:spcAft>
-              <a:buClr>
-                <a:schemeClr val="dk1"/>
-              </a:buClr>
-              <a:buSzPts val="1100"/>
-              <a:buFont typeface="Arial"/>
-              <a:buNone/>
-            </a:pPr>
-            <a:r>
-              <a:rPr lang="ru">
-                <a:solidFill>
-                  <a:srgbClr val="A9B7C6"/>
-                </a:solidFill>
-                <a:highlight>
-                  <a:srgbClr val="2B2B2B"/>
-                </a:highlight>
-                <a:latin typeface="Courier New"/>
-                <a:ea typeface="Courier New"/>
-                <a:cs typeface="Courier New"/>
-                <a:sym typeface="Courier New"/>
-              </a:rPr>
-              <a:t>       </a:t>
-            </a:r>
-            <a:r>
-              <a:rPr lang="ru">
-                <a:solidFill>
-                  <a:srgbClr val="CC7832"/>
-                </a:solidFill>
-                <a:highlight>
-                  <a:srgbClr val="2B2B2B"/>
-                </a:highlight>
-                <a:latin typeface="Courier New"/>
-                <a:ea typeface="Courier New"/>
-                <a:cs typeface="Courier New"/>
-                <a:sym typeface="Courier New"/>
-              </a:rPr>
-              <a:t>elif </a:t>
-            </a:r>
-            <a:r>
-              <a:rPr lang="ru">
-                <a:solidFill>
-                  <a:srgbClr val="A9B7C6"/>
-                </a:solidFill>
-                <a:highlight>
-                  <a:srgbClr val="2B2B2B"/>
-                </a:highlight>
-                <a:latin typeface="Courier New"/>
-                <a:ea typeface="Courier New"/>
-                <a:cs typeface="Courier New"/>
-                <a:sym typeface="Courier New"/>
-              </a:rPr>
-              <a:t>text.split(</a:t>
-            </a:r>
-            <a:r>
-              <a:rPr lang="ru">
-                <a:solidFill>
-                  <a:srgbClr val="6A8759"/>
-                </a:solidFill>
-                <a:highlight>
-                  <a:srgbClr val="2B2B2B"/>
-                </a:highlight>
-                <a:latin typeface="Courier New"/>
-                <a:ea typeface="Courier New"/>
-                <a:cs typeface="Courier New"/>
-                <a:sym typeface="Courier New"/>
-              </a:rPr>
-              <a:t>'.'</a:t>
-            </a:r>
-            <a:r>
-              <a:rPr lang="ru">
-                <a:solidFill>
-                  <a:srgbClr val="A9B7C6"/>
-                </a:solidFill>
-                <a:highlight>
-                  <a:srgbClr val="2B2B2B"/>
-                </a:highlight>
-                <a:latin typeface="Courier New"/>
-                <a:ea typeface="Courier New"/>
-                <a:cs typeface="Courier New"/>
-                <a:sym typeface="Courier New"/>
-              </a:rPr>
-              <a:t>)[</a:t>
-            </a:r>
-            <a:r>
-              <a:rPr lang="ru">
-                <a:solidFill>
-                  <a:srgbClr val="6897BB"/>
-                </a:solidFill>
-                <a:highlight>
-                  <a:srgbClr val="2B2B2B"/>
-                </a:highlight>
-                <a:latin typeface="Courier New"/>
-                <a:ea typeface="Courier New"/>
-                <a:cs typeface="Courier New"/>
-                <a:sym typeface="Courier New"/>
-              </a:rPr>
-              <a:t>1</a:t>
-            </a:r>
-            <a:r>
-              <a:rPr lang="ru">
-                <a:solidFill>
-                  <a:srgbClr val="A9B7C6"/>
-                </a:solidFill>
-                <a:highlight>
-                  <a:srgbClr val="2B2B2B"/>
-                </a:highlight>
-                <a:latin typeface="Courier New"/>
-                <a:ea typeface="Courier New"/>
-                <a:cs typeface="Courier New"/>
-                <a:sym typeface="Courier New"/>
-              </a:rPr>
-              <a:t>] == </a:t>
-            </a:r>
-            <a:r>
-              <a:rPr lang="ru">
-                <a:solidFill>
-                  <a:srgbClr val="6A8759"/>
-                </a:solidFill>
-                <a:highlight>
-                  <a:srgbClr val="2B2B2B"/>
-                </a:highlight>
-                <a:latin typeface="Courier New"/>
-                <a:ea typeface="Courier New"/>
-                <a:cs typeface="Courier New"/>
-                <a:sym typeface="Courier New"/>
-              </a:rPr>
-              <a:t>'txt'</a:t>
-            </a:r>
-            <a:r>
-              <a:rPr lang="ru">
-                <a:solidFill>
-                  <a:srgbClr val="A9B7C6"/>
-                </a:solidFill>
-                <a:highlight>
-                  <a:srgbClr val="2B2B2B"/>
-                </a:highlight>
-                <a:latin typeface="Courier New"/>
-                <a:ea typeface="Courier New"/>
-                <a:cs typeface="Courier New"/>
-                <a:sym typeface="Courier New"/>
-              </a:rPr>
-              <a:t>:</a:t>
-            </a:r>
-            <a:endParaRPr>
-              <a:solidFill>
-                <a:srgbClr val="A9B7C6"/>
-              </a:solidFill>
-              <a:highlight>
-                <a:srgbClr val="2B2B2B"/>
-              </a:highlight>
-              <a:latin typeface="Courier New"/>
-              <a:ea typeface="Courier New"/>
-              <a:cs typeface="Courier New"/>
-              <a:sym typeface="Courier New"/>
-            </a:endParaRPr>
-          </a:p>
-          <a:p>
-            <a:pPr indent="0" lvl="0" marL="0" rtl="0" algn="l">
-              <a:spcBef>
-                <a:spcPts val="0"/>
-              </a:spcBef>
-              <a:spcAft>
-                <a:spcPts val="0"/>
-              </a:spcAft>
-              <a:buClr>
-                <a:schemeClr val="dk1"/>
-              </a:buClr>
-              <a:buSzPts val="1100"/>
-              <a:buFont typeface="Arial"/>
-              <a:buNone/>
-            </a:pPr>
-            <a:r>
-              <a:rPr lang="ru">
-                <a:solidFill>
-                  <a:srgbClr val="A9B7C6"/>
-                </a:solidFill>
-                <a:highlight>
-                  <a:srgbClr val="2B2B2B"/>
-                </a:highlight>
-                <a:latin typeface="Courier New"/>
-                <a:ea typeface="Courier New"/>
-                <a:cs typeface="Courier New"/>
-                <a:sym typeface="Courier New"/>
-              </a:rPr>
-              <a:t>           f = </a:t>
-            </a:r>
-            <a:r>
-              <a:rPr lang="ru">
-                <a:solidFill>
-                  <a:srgbClr val="8888C6"/>
-                </a:solidFill>
-                <a:highlight>
-                  <a:srgbClr val="2B2B2B"/>
-                </a:highlight>
-                <a:latin typeface="Courier New"/>
-                <a:ea typeface="Courier New"/>
-                <a:cs typeface="Courier New"/>
-                <a:sym typeface="Courier New"/>
-              </a:rPr>
-              <a:t>open</a:t>
-            </a:r>
-            <a:r>
-              <a:rPr lang="ru">
-                <a:solidFill>
-                  <a:srgbClr val="A9B7C6"/>
-                </a:solidFill>
-                <a:highlight>
-                  <a:srgbClr val="2B2B2B"/>
-                </a:highlight>
-                <a:latin typeface="Courier New"/>
-                <a:ea typeface="Courier New"/>
-                <a:cs typeface="Courier New"/>
-                <a:sym typeface="Courier New"/>
-              </a:rPr>
-              <a:t>(text</a:t>
-            </a:r>
-            <a:r>
-              <a:rPr lang="ru">
-                <a:solidFill>
-                  <a:srgbClr val="CC7832"/>
-                </a:solidFill>
-                <a:highlight>
-                  <a:srgbClr val="2B2B2B"/>
-                </a:highlight>
-                <a:latin typeface="Courier New"/>
-                <a:ea typeface="Courier New"/>
-                <a:cs typeface="Courier New"/>
-                <a:sym typeface="Courier New"/>
-              </a:rPr>
-              <a:t>, </a:t>
-            </a:r>
-            <a:r>
-              <a:rPr lang="ru">
-                <a:solidFill>
-                  <a:srgbClr val="6A8759"/>
-                </a:solidFill>
-                <a:highlight>
-                  <a:srgbClr val="2B2B2B"/>
-                </a:highlight>
-                <a:latin typeface="Courier New"/>
-                <a:ea typeface="Courier New"/>
-                <a:cs typeface="Courier New"/>
-                <a:sym typeface="Courier New"/>
-              </a:rPr>
-              <a:t>'r'</a:t>
-            </a:r>
-            <a:r>
-              <a:rPr lang="ru">
-                <a:solidFill>
-                  <a:srgbClr val="A9B7C6"/>
-                </a:solidFill>
-                <a:highlight>
-                  <a:srgbClr val="2B2B2B"/>
-                </a:highlight>
-                <a:latin typeface="Courier New"/>
-                <a:ea typeface="Courier New"/>
-                <a:cs typeface="Courier New"/>
-                <a:sym typeface="Courier New"/>
-              </a:rPr>
-              <a:t>)</a:t>
-            </a:r>
-            <a:endParaRPr>
-              <a:solidFill>
-                <a:srgbClr val="A9B7C6"/>
-              </a:solidFill>
-              <a:highlight>
-                <a:srgbClr val="2B2B2B"/>
-              </a:highlight>
-              <a:latin typeface="Courier New"/>
-              <a:ea typeface="Courier New"/>
-              <a:cs typeface="Courier New"/>
-              <a:sym typeface="Courier New"/>
-            </a:endParaRPr>
-          </a:p>
-          <a:p>
-            <a:pPr indent="0" lvl="0" marL="0" rtl="0" algn="l">
-              <a:spcBef>
-                <a:spcPts val="0"/>
-              </a:spcBef>
-              <a:spcAft>
-                <a:spcPts val="0"/>
-              </a:spcAft>
-              <a:buClr>
-                <a:schemeClr val="dk1"/>
-              </a:buClr>
-              <a:buSzPts val="1100"/>
-              <a:buFont typeface="Arial"/>
-              <a:buNone/>
-            </a:pPr>
-            <a:r>
-              <a:rPr lang="ru">
-                <a:solidFill>
-                  <a:srgbClr val="A9B7C6"/>
-                </a:solidFill>
-                <a:highlight>
-                  <a:srgbClr val="2B2B2B"/>
-                </a:highlight>
-                <a:latin typeface="Courier New"/>
-                <a:ea typeface="Courier New"/>
-                <a:cs typeface="Courier New"/>
-                <a:sym typeface="Courier New"/>
-              </a:rPr>
-              <a:t>           </a:t>
-            </a:r>
-            <a:r>
-              <a:rPr lang="ru">
-                <a:solidFill>
-                  <a:srgbClr val="94558D"/>
-                </a:solidFill>
-                <a:highlight>
-                  <a:srgbClr val="2B2B2B"/>
-                </a:highlight>
-                <a:latin typeface="Courier New"/>
-                <a:ea typeface="Courier New"/>
-                <a:cs typeface="Courier New"/>
-                <a:sym typeface="Courier New"/>
-              </a:rPr>
-              <a:t>self</a:t>
-            </a:r>
-            <a:r>
-              <a:rPr lang="ru">
-                <a:solidFill>
-                  <a:srgbClr val="A9B7C6"/>
-                </a:solidFill>
-                <a:highlight>
-                  <a:srgbClr val="2B2B2B"/>
-                </a:highlight>
-                <a:latin typeface="Courier New"/>
-                <a:ea typeface="Courier New"/>
-                <a:cs typeface="Courier New"/>
-                <a:sym typeface="Courier New"/>
-              </a:rPr>
-              <a:t>.label_2.setText(f.read())</a:t>
-            </a:r>
-            <a:endParaRPr>
-              <a:solidFill>
-                <a:srgbClr val="A9B7C6"/>
-              </a:solidFill>
-              <a:highlight>
-                <a:srgbClr val="2B2B2B"/>
-              </a:highlight>
-              <a:latin typeface="Courier New"/>
-              <a:ea typeface="Courier New"/>
-              <a:cs typeface="Courier New"/>
-              <a:sym typeface="Courier New"/>
-            </a:endParaRPr>
-          </a:p>
-          <a:p>
-            <a:pPr indent="0" lvl="0" marL="0" rtl="0" algn="l">
-              <a:spcBef>
-                <a:spcPts val="0"/>
-              </a:spcBef>
-              <a:spcAft>
-                <a:spcPts val="0"/>
-              </a:spcAft>
-              <a:buClr>
-                <a:schemeClr val="dk1"/>
-              </a:buClr>
-              <a:buSzPts val="1100"/>
-              <a:buFont typeface="Arial"/>
-              <a:buNone/>
-            </a:pPr>
-            <a:r>
-              <a:rPr lang="ru">
-                <a:solidFill>
-                  <a:srgbClr val="A9B7C6"/>
-                </a:solidFill>
-                <a:highlight>
-                  <a:srgbClr val="2B2B2B"/>
-                </a:highlight>
-                <a:latin typeface="Courier New"/>
-                <a:ea typeface="Courier New"/>
-                <a:cs typeface="Courier New"/>
-                <a:sym typeface="Courier New"/>
-              </a:rPr>
-              <a:t>           </a:t>
-            </a:r>
-            <a:r>
-              <a:rPr lang="ru">
-                <a:solidFill>
-                  <a:srgbClr val="94558D"/>
-                </a:solidFill>
-                <a:highlight>
-                  <a:srgbClr val="2B2B2B"/>
-                </a:highlight>
-                <a:latin typeface="Courier New"/>
-                <a:ea typeface="Courier New"/>
-                <a:cs typeface="Courier New"/>
-                <a:sym typeface="Courier New"/>
-              </a:rPr>
-              <a:t>self</a:t>
-            </a:r>
-            <a:r>
-              <a:rPr lang="ru">
-                <a:solidFill>
-                  <a:srgbClr val="A9B7C6"/>
-                </a:solidFill>
-                <a:highlight>
-                  <a:srgbClr val="2B2B2B"/>
-                </a:highlight>
-                <a:latin typeface="Courier New"/>
-                <a:ea typeface="Courier New"/>
-                <a:cs typeface="Courier New"/>
-                <a:sym typeface="Courier New"/>
-              </a:rPr>
-              <a:t>.label_2.adjustSize()</a:t>
-            </a:r>
-            <a:endParaRPr>
-              <a:solidFill>
-                <a:srgbClr val="A9B7C6"/>
-              </a:solidFill>
-              <a:highlight>
-                <a:srgbClr val="2B2B2B"/>
-              </a:highlight>
-              <a:latin typeface="Courier New"/>
-              <a:ea typeface="Courier New"/>
-              <a:cs typeface="Courier New"/>
-              <a:sym typeface="Courier New"/>
-            </a:endParaRPr>
-          </a:p>
-          <a:p>
-            <a:pPr indent="0" lvl="0" marL="0" rtl="0" algn="l">
-              <a:spcBef>
-                <a:spcPts val="0"/>
-              </a:spcBef>
-              <a:spcAft>
-                <a:spcPts val="0"/>
-              </a:spcAft>
-              <a:buClr>
-                <a:schemeClr val="dk1"/>
-              </a:buClr>
-              <a:buSzPts val="1100"/>
-              <a:buFont typeface="Arial"/>
-              <a:buNone/>
-            </a:pPr>
-            <a:r>
-              <a:rPr lang="ru">
-                <a:solidFill>
-                  <a:srgbClr val="A9B7C6"/>
-                </a:solidFill>
-                <a:highlight>
-                  <a:srgbClr val="2B2B2B"/>
-                </a:highlight>
-                <a:latin typeface="Courier New"/>
-                <a:ea typeface="Courier New"/>
-                <a:cs typeface="Courier New"/>
-                <a:sym typeface="Courier New"/>
-              </a:rPr>
-              <a:t>           f.close()</a:t>
-            </a:r>
-            <a:endParaRPr>
-              <a:solidFill>
-                <a:srgbClr val="A9B7C6"/>
-              </a:solidFill>
-              <a:highlight>
-                <a:srgbClr val="2B2B2B"/>
-              </a:highlight>
-              <a:latin typeface="Courier New"/>
-              <a:ea typeface="Courier New"/>
-              <a:cs typeface="Courier New"/>
-              <a:sym typeface="Courier New"/>
-            </a:endParaRPr>
-          </a:p>
-          <a:p>
-            <a:pPr indent="0" lvl="0" marL="0" rtl="0" algn="l">
-              <a:spcBef>
-                <a:spcPts val="0"/>
-              </a:spcBef>
-              <a:spcAft>
-                <a:spcPts val="0"/>
-              </a:spcAft>
-              <a:buClr>
-                <a:schemeClr val="dk1"/>
-              </a:buClr>
-              <a:buSzPts val="1100"/>
-              <a:buFont typeface="Arial"/>
-              <a:buNone/>
-            </a:pPr>
-            <a:r>
-              <a:rPr lang="ru">
-                <a:solidFill>
-                  <a:srgbClr val="A9B7C6"/>
-                </a:solidFill>
-                <a:highlight>
-                  <a:srgbClr val="2B2B2B"/>
-                </a:highlight>
-                <a:latin typeface="Courier New"/>
-                <a:ea typeface="Courier New"/>
-                <a:cs typeface="Courier New"/>
-                <a:sym typeface="Courier New"/>
-              </a:rPr>
-              <a:t>       </a:t>
-            </a:r>
-            <a:r>
-              <a:rPr lang="ru">
-                <a:solidFill>
-                  <a:srgbClr val="94558D"/>
-                </a:solidFill>
-                <a:highlight>
-                  <a:srgbClr val="2B2B2B"/>
-                </a:highlight>
-                <a:latin typeface="Courier New"/>
-                <a:ea typeface="Courier New"/>
-                <a:cs typeface="Courier New"/>
-                <a:sym typeface="Courier New"/>
-              </a:rPr>
-              <a:t>self</a:t>
-            </a:r>
-            <a:r>
-              <a:rPr lang="ru">
-                <a:solidFill>
-                  <a:srgbClr val="A9B7C6"/>
-                </a:solidFill>
-                <a:highlight>
-                  <a:srgbClr val="2B2B2B"/>
-                </a:highlight>
-                <a:latin typeface="Courier New"/>
-                <a:ea typeface="Courier New"/>
-                <a:cs typeface="Courier New"/>
-                <a:sym typeface="Courier New"/>
-              </a:rPr>
-              <a:t>.sizeLabel.setText(human_read_format(os.path.getsize(text)))</a:t>
-            </a:r>
-            <a:endParaRPr>
-              <a:solidFill>
-                <a:srgbClr val="A9B7C6"/>
-              </a:solidFill>
-              <a:highlight>
-                <a:srgbClr val="2B2B2B"/>
-              </a:highlight>
-              <a:latin typeface="Courier New"/>
-              <a:ea typeface="Courier New"/>
-              <a:cs typeface="Courier New"/>
-              <a:sym typeface="Courier New"/>
-            </a:endParaRPr>
-          </a:p>
-          <a:p>
-            <a:pPr indent="0" lvl="0" marL="0" rtl="0" algn="l">
-              <a:spcBef>
-                <a:spcPts val="0"/>
-              </a:spcBef>
-              <a:spcAft>
-                <a:spcPts val="0"/>
-              </a:spcAft>
-              <a:buClr>
-                <a:schemeClr val="dk1"/>
-              </a:buClr>
-              <a:buSzPts val="1100"/>
-              <a:buFont typeface="Arial"/>
-              <a:buNone/>
-            </a:pPr>
-            <a:r>
-              <a:rPr lang="ru">
-                <a:solidFill>
-                  <a:srgbClr val="A9B7C6"/>
-                </a:solidFill>
-                <a:highlight>
-                  <a:srgbClr val="2B2B2B"/>
-                </a:highlight>
-                <a:latin typeface="Courier New"/>
-                <a:ea typeface="Courier New"/>
-                <a:cs typeface="Courier New"/>
-                <a:sym typeface="Courier New"/>
-              </a:rPr>
-              <a:t>   </a:t>
-            </a:r>
-            <a:r>
-              <a:rPr lang="ru">
-                <a:solidFill>
-                  <a:srgbClr val="CC7832"/>
-                </a:solidFill>
-                <a:highlight>
-                  <a:srgbClr val="2B2B2B"/>
-                </a:highlight>
-                <a:latin typeface="Courier New"/>
-                <a:ea typeface="Courier New"/>
-                <a:cs typeface="Courier New"/>
-                <a:sym typeface="Courier New"/>
-              </a:rPr>
-              <a:t>else</a:t>
-            </a:r>
-            <a:r>
-              <a:rPr lang="ru">
-                <a:solidFill>
-                  <a:srgbClr val="A9B7C6"/>
-                </a:solidFill>
-                <a:highlight>
-                  <a:srgbClr val="2B2B2B"/>
-                </a:highlight>
-                <a:latin typeface="Courier New"/>
-                <a:ea typeface="Courier New"/>
-                <a:cs typeface="Courier New"/>
-                <a:sym typeface="Courier New"/>
-              </a:rPr>
-              <a:t>:</a:t>
-            </a:r>
-            <a:endParaRPr>
-              <a:solidFill>
-                <a:srgbClr val="A9B7C6"/>
-              </a:solidFill>
-              <a:highlight>
-                <a:srgbClr val="2B2B2B"/>
-              </a:highlight>
-              <a:latin typeface="Courier New"/>
-              <a:ea typeface="Courier New"/>
-              <a:cs typeface="Courier New"/>
-              <a:sym typeface="Courier New"/>
-            </a:endParaRPr>
-          </a:p>
-          <a:p>
-            <a:pPr indent="0" lvl="0" marL="0" rtl="0" algn="l">
-              <a:spcBef>
-                <a:spcPts val="0"/>
-              </a:spcBef>
-              <a:spcAft>
-                <a:spcPts val="0"/>
-              </a:spcAft>
-              <a:buNone/>
-            </a:pPr>
-            <a:r>
-              <a:rPr lang="ru">
-                <a:solidFill>
-                  <a:srgbClr val="A9B7C6"/>
-                </a:solidFill>
-                <a:highlight>
-                  <a:srgbClr val="2B2B2B"/>
-                </a:highlight>
-                <a:latin typeface="Courier New"/>
-                <a:ea typeface="Courier New"/>
-                <a:cs typeface="Courier New"/>
-                <a:sym typeface="Courier New"/>
-              </a:rPr>
-              <a:t>       </a:t>
-            </a:r>
-            <a:r>
-              <a:rPr lang="ru">
-                <a:solidFill>
-                  <a:srgbClr val="94558D"/>
-                </a:solidFill>
-                <a:highlight>
-                  <a:srgbClr val="2B2B2B"/>
-                </a:highlight>
-                <a:latin typeface="Courier New"/>
-                <a:ea typeface="Courier New"/>
-                <a:cs typeface="Courier New"/>
-                <a:sym typeface="Courier New"/>
-              </a:rPr>
-              <a:t>self</a:t>
-            </a:r>
-            <a:r>
-              <a:rPr lang="ru">
-                <a:solidFill>
-                  <a:srgbClr val="A9B7C6"/>
-                </a:solidFill>
-                <a:highlight>
-                  <a:srgbClr val="2B2B2B"/>
-                </a:highlight>
-                <a:latin typeface="Courier New"/>
-                <a:ea typeface="Courier New"/>
-                <a:cs typeface="Courier New"/>
-                <a:sym typeface="Courier New"/>
-              </a:rPr>
-              <a:t>.label_2.setText(</a:t>
-            </a:r>
-            <a:r>
-              <a:rPr lang="ru">
-                <a:solidFill>
-                  <a:srgbClr val="6A8759"/>
-                </a:solidFill>
-                <a:highlight>
-                  <a:srgbClr val="2B2B2B"/>
-                </a:highlight>
-                <a:latin typeface="Courier New"/>
-                <a:ea typeface="Courier New"/>
-                <a:cs typeface="Courier New"/>
-                <a:sym typeface="Courier New"/>
-              </a:rPr>
-              <a:t>'Такого файла не существует. Попробуйте другой.'</a:t>
-            </a:r>
-            <a:r>
-              <a:rPr lang="ru">
-                <a:solidFill>
-                  <a:srgbClr val="A9B7C6"/>
-                </a:solidFill>
-                <a:highlight>
-                  <a:srgbClr val="2B2B2B"/>
-                </a:highlight>
-                <a:latin typeface="Courier New"/>
-                <a:ea typeface="Courier New"/>
-                <a:cs typeface="Courier New"/>
-                <a:sym typeface="Courier New"/>
-              </a:rPr>
-              <a:t>)			</a:t>
-            </a:r>
-            <a:endParaRPr>
-              <a:solidFill>
-                <a:srgbClr val="A9B7C6"/>
-              </a:solidFill>
-              <a:highlight>
-                <a:srgbClr val="2B2B2B"/>
-              </a:highlight>
-              <a:latin typeface="Courier New"/>
-              <a:ea typeface="Courier New"/>
-              <a:cs typeface="Courier New"/>
-              <a:sym typeface="Courier New"/>
-            </a:endParaRPr>
-          </a:p>
-          <a:p>
-            <a:pPr indent="0" lvl="0" marL="2286000" rtl="0" algn="l">
-              <a:spcBef>
-                <a:spcPts val="0"/>
-              </a:spcBef>
-              <a:spcAft>
-                <a:spcPts val="0"/>
-              </a:spcAft>
-              <a:buNone/>
-            </a:pPr>
-            <a:r>
-              <a:rPr lang="ru" sz="1800"/>
-              <a:t>Функция открытия файла</a:t>
-            </a:r>
-            <a:endParaRPr sz="1800"/>
-          </a:p>
-          <a:p>
-            <a:pPr indent="0" lvl="0" marL="0" rtl="0" algn="l">
-              <a:spcBef>
-                <a:spcPts val="0"/>
-              </a:spcBef>
-              <a:spcAft>
-                <a:spcPts val="0"/>
-              </a:spcAft>
-              <a:buClr>
-                <a:schemeClr val="dk1"/>
-              </a:buClr>
-              <a:buSzPts val="1100"/>
-              <a:buFont typeface="Arial"/>
-              <a:buNone/>
-            </a:pPr>
-            <a:r>
-              <a:t/>
-            </a:r>
-            <a:endParaRPr>
-              <a:solidFill>
-                <a:srgbClr val="A9B7C6"/>
-              </a:solidFill>
-              <a:highlight>
-                <a:srgbClr val="2B2B2B"/>
-              </a:highlight>
-              <a:latin typeface="Courier New"/>
-              <a:ea typeface="Courier New"/>
-              <a:cs typeface="Courier New"/>
-              <a:sym typeface="Courier New"/>
-            </a:endParaRPr>
-          </a:p>
-          <a:p>
-            <a:pPr indent="0" lvl="0" marL="0" rtl="0" algn="l">
-              <a:spcBef>
-                <a:spcPts val="0"/>
-              </a:spcBef>
-              <a:spcAft>
-                <a:spcPts val="0"/>
-              </a:spcAft>
-              <a:buNone/>
-            </a:pPr>
-            <a:r>
-              <a:t/>
+              <a:rPr lang="ru"/>
+              <a:t>Открыть</a:t>
             </a:r>
             <a:endParaRPr/>
           </a:p>
@@ -9102,7 +7321,7 @@
   <p:cSld>
     <p:spTree>
       <p:nvGrpSpPr>
-        <p:cNvPr id="76" name="Shape 76"/>
+        <p:cNvPr id="79" name="Shape 79"/>
         <p:cNvGrpSpPr/>
         <p:nvPr/>
       </p:nvGrpSpPr>
@@ -9116,756 +7335,13 @@
       </p:grpSpPr>
       <p:sp>
         <p:nvSpPr>
-          <p:cNvPr id="77" name="Google Shape;77;p17"/>
+          <p:cNvPr id="80" name="Google Shape;80;p17"/>
           <p:cNvSpPr txBox="1"/>
           <p:nvPr/>
         </p:nvSpPr>
         <p:spPr>
           <a:xfrm>
-            <a:off x="218700" y="259700"/>
-            <a:ext cx="8870700" cy="3266700"/>
-          </a:xfrm>
-          <a:prstGeom prst="rect">
-            <a:avLst/>
-          </a:prstGeom>
-          <a:noFill/>
-          <a:ln>
-            <a:noFill/>
-          </a:ln>
-        </p:spPr>
-        <p:txBody>
-          <a:bodyPr anchorCtr="0" anchor="t" bIns="91425" lIns="91425" spcFirstLastPara="1" rIns="91425" wrap="square" tIns="91425">
-            <a:noAutofit/>
-          </a:bodyPr>
-          <a:lstStyle/>
-          <a:p>
-            <a:pPr indent="0" lvl="0" marL="0" rtl="0" algn="l">
-              <a:spcBef>
-                <a:spcPts val="0"/>
-              </a:spcBef>
-              <a:spcAft>
-                <a:spcPts val="0"/>
-              </a:spcAft>
-              <a:buClr>
-                <a:schemeClr val="dk1"/>
-              </a:buClr>
-              <a:buSzPts val="1100"/>
-              <a:buFont typeface="Arial"/>
-              <a:buNone/>
-            </a:pPr>
-            <a:r>
-              <a:rPr lang="ru" sz="1800">
-                <a:solidFill>
-                  <a:srgbClr val="CC7832"/>
-                </a:solidFill>
-                <a:highlight>
-                  <a:srgbClr val="2B2B2B"/>
-                </a:highlight>
-                <a:latin typeface="Courier New"/>
-                <a:ea typeface="Courier New"/>
-                <a:cs typeface="Courier New"/>
-                <a:sym typeface="Courier New"/>
-              </a:rPr>
-              <a:t>def </a:t>
-            </a:r>
-            <a:r>
-              <a:rPr lang="ru" sz="1800">
-                <a:solidFill>
-                  <a:srgbClr val="FFC66D"/>
-                </a:solidFill>
-                <a:highlight>
-                  <a:srgbClr val="2B2B2B"/>
-                </a:highlight>
-                <a:latin typeface="Courier New"/>
-                <a:ea typeface="Courier New"/>
-                <a:cs typeface="Courier New"/>
-                <a:sym typeface="Courier New"/>
-              </a:rPr>
-              <a:t>delete</a:t>
-            </a:r>
-            <a:r>
-              <a:rPr lang="ru" sz="1800">
-                <a:solidFill>
-                  <a:srgbClr val="A9B7C6"/>
-                </a:solidFill>
-                <a:highlight>
-                  <a:srgbClr val="2B2B2B"/>
-                </a:highlight>
-                <a:latin typeface="Courier New"/>
-                <a:ea typeface="Courier New"/>
-                <a:cs typeface="Courier New"/>
-                <a:sym typeface="Courier New"/>
-              </a:rPr>
-              <a:t>(</a:t>
-            </a:r>
-            <a:r>
-              <a:rPr lang="ru" sz="1800">
-                <a:solidFill>
-                  <a:srgbClr val="94558D"/>
-                </a:solidFill>
-                <a:highlight>
-                  <a:srgbClr val="2B2B2B"/>
-                </a:highlight>
-                <a:latin typeface="Courier New"/>
-                <a:ea typeface="Courier New"/>
-                <a:cs typeface="Courier New"/>
-                <a:sym typeface="Courier New"/>
-              </a:rPr>
-              <a:t>self</a:t>
-            </a:r>
-            <a:r>
-              <a:rPr lang="ru" sz="1800">
-                <a:solidFill>
-                  <a:srgbClr val="A9B7C6"/>
-                </a:solidFill>
-                <a:highlight>
-                  <a:srgbClr val="2B2B2B"/>
-                </a:highlight>
-                <a:latin typeface="Courier New"/>
-                <a:ea typeface="Courier New"/>
-                <a:cs typeface="Courier New"/>
-                <a:sym typeface="Courier New"/>
-              </a:rPr>
-              <a:t>):</a:t>
-            </a:r>
-            <a:endParaRPr sz="1800">
-              <a:solidFill>
-                <a:srgbClr val="A9B7C6"/>
-              </a:solidFill>
-              <a:highlight>
-                <a:srgbClr val="2B2B2B"/>
-              </a:highlight>
-              <a:latin typeface="Courier New"/>
-              <a:ea typeface="Courier New"/>
-              <a:cs typeface="Courier New"/>
-              <a:sym typeface="Courier New"/>
-            </a:endParaRPr>
-          </a:p>
-          <a:p>
-            <a:pPr indent="0" lvl="0" marL="0" rtl="0" algn="l">
-              <a:spcBef>
-                <a:spcPts val="0"/>
-              </a:spcBef>
-              <a:spcAft>
-                <a:spcPts val="0"/>
-              </a:spcAft>
-              <a:buClr>
-                <a:schemeClr val="dk1"/>
-              </a:buClr>
-              <a:buSzPts val="1100"/>
-              <a:buFont typeface="Arial"/>
-              <a:buNone/>
-            </a:pPr>
-            <a:r>
-              <a:rPr lang="ru" sz="1800">
-                <a:solidFill>
-                  <a:srgbClr val="A9B7C6"/>
-                </a:solidFill>
-                <a:highlight>
-                  <a:srgbClr val="2B2B2B"/>
-                </a:highlight>
-                <a:latin typeface="Courier New"/>
-                <a:ea typeface="Courier New"/>
-                <a:cs typeface="Courier New"/>
-                <a:sym typeface="Courier New"/>
-              </a:rPr>
-              <a:t>   reply = QMessageBox.question(</a:t>
-            </a:r>
-            <a:r>
-              <a:rPr lang="ru" sz="1800">
-                <a:solidFill>
-                  <a:srgbClr val="94558D"/>
-                </a:solidFill>
-                <a:highlight>
-                  <a:srgbClr val="2B2B2B"/>
-                </a:highlight>
-                <a:latin typeface="Courier New"/>
-                <a:ea typeface="Courier New"/>
-                <a:cs typeface="Courier New"/>
-                <a:sym typeface="Courier New"/>
-              </a:rPr>
-              <a:t>self</a:t>
-            </a:r>
-            <a:r>
-              <a:rPr lang="ru" sz="1800">
-                <a:solidFill>
-                  <a:srgbClr val="CC7832"/>
-                </a:solidFill>
-                <a:highlight>
-                  <a:srgbClr val="2B2B2B"/>
-                </a:highlight>
-                <a:latin typeface="Courier New"/>
-                <a:ea typeface="Courier New"/>
-                <a:cs typeface="Courier New"/>
-                <a:sym typeface="Courier New"/>
-              </a:rPr>
-              <a:t>, </a:t>
-            </a:r>
-            <a:r>
-              <a:rPr lang="ru" sz="1800">
-                <a:solidFill>
-                  <a:srgbClr val="6A8759"/>
-                </a:solidFill>
-                <a:highlight>
-                  <a:srgbClr val="2B2B2B"/>
-                </a:highlight>
-                <a:latin typeface="Courier New"/>
-                <a:ea typeface="Courier New"/>
-                <a:cs typeface="Courier New"/>
-                <a:sym typeface="Courier New"/>
-              </a:rPr>
-              <a:t>'Удаление файла'</a:t>
-            </a:r>
-            <a:r>
-              <a:rPr lang="ru" sz="1800">
-                <a:solidFill>
-                  <a:srgbClr val="CC7832"/>
-                </a:solidFill>
-                <a:highlight>
-                  <a:srgbClr val="2B2B2B"/>
-                </a:highlight>
-                <a:latin typeface="Courier New"/>
-                <a:ea typeface="Courier New"/>
-                <a:cs typeface="Courier New"/>
-                <a:sym typeface="Courier New"/>
-              </a:rPr>
-              <a:t>, </a:t>
-            </a:r>
-            <a:r>
-              <a:rPr lang="ru" sz="1800">
-                <a:solidFill>
-                  <a:srgbClr val="6A8759"/>
-                </a:solidFill>
-                <a:highlight>
-                  <a:srgbClr val="2B2B2B"/>
-                </a:highlight>
-                <a:latin typeface="Courier New"/>
-                <a:ea typeface="Courier New"/>
-                <a:cs typeface="Courier New"/>
-                <a:sym typeface="Courier New"/>
-              </a:rPr>
-              <a:t>"Вы уверены, что хотите удалить файл?"</a:t>
-            </a:r>
-            <a:r>
-              <a:rPr lang="ru" sz="1800">
-                <a:solidFill>
-                  <a:srgbClr val="CC7832"/>
-                </a:solidFill>
-                <a:highlight>
-                  <a:srgbClr val="2B2B2B"/>
-                </a:highlight>
-                <a:latin typeface="Courier New"/>
-                <a:ea typeface="Courier New"/>
-                <a:cs typeface="Courier New"/>
-                <a:sym typeface="Courier New"/>
-              </a:rPr>
-              <a:t>,</a:t>
-            </a:r>
-            <a:endParaRPr sz="1800">
-              <a:solidFill>
-                <a:srgbClr val="CC7832"/>
-              </a:solidFill>
-              <a:highlight>
-                <a:srgbClr val="2B2B2B"/>
-              </a:highlight>
-              <a:latin typeface="Courier New"/>
-              <a:ea typeface="Courier New"/>
-              <a:cs typeface="Courier New"/>
-              <a:sym typeface="Courier New"/>
-            </a:endParaRPr>
-          </a:p>
-          <a:p>
-            <a:pPr indent="0" lvl="0" marL="0" rtl="0" algn="l">
-              <a:spcBef>
-                <a:spcPts val="0"/>
-              </a:spcBef>
-              <a:spcAft>
-                <a:spcPts val="0"/>
-              </a:spcAft>
-              <a:buClr>
-                <a:schemeClr val="dk1"/>
-              </a:buClr>
-              <a:buSzPts val="1100"/>
-              <a:buFont typeface="Arial"/>
-              <a:buNone/>
-            </a:pPr>
-            <a:r>
-              <a:rPr lang="ru" sz="1800">
-                <a:solidFill>
-                  <a:srgbClr val="CC7832"/>
-                </a:solidFill>
-                <a:highlight>
-                  <a:srgbClr val="2B2B2B"/>
-                </a:highlight>
-                <a:latin typeface="Courier New"/>
-                <a:ea typeface="Courier New"/>
-                <a:cs typeface="Courier New"/>
-                <a:sym typeface="Courier New"/>
-              </a:rPr>
-              <a:t>                       </a:t>
-            </a:r>
-            <a:r>
-              <a:rPr lang="ru" sz="1800">
-                <a:solidFill>
-                  <a:srgbClr val="A9B7C6"/>
-                </a:solidFill>
-                <a:highlight>
-                  <a:srgbClr val="2B2B2B"/>
-                </a:highlight>
-                <a:latin typeface="Courier New"/>
-                <a:ea typeface="Courier New"/>
-                <a:cs typeface="Courier New"/>
-                <a:sym typeface="Courier New"/>
-              </a:rPr>
-              <a:t>QMessageBox.Yes | QMessageBox.Cancel</a:t>
-            </a:r>
-            <a:r>
-              <a:rPr lang="ru" sz="1800">
-                <a:solidFill>
-                  <a:srgbClr val="CC7832"/>
-                </a:solidFill>
-                <a:highlight>
-                  <a:srgbClr val="2B2B2B"/>
-                </a:highlight>
-                <a:latin typeface="Courier New"/>
-                <a:ea typeface="Courier New"/>
-                <a:cs typeface="Courier New"/>
-                <a:sym typeface="Courier New"/>
-              </a:rPr>
-              <a:t>, </a:t>
-            </a:r>
-            <a:r>
-              <a:rPr lang="ru" sz="1800">
-                <a:solidFill>
-                  <a:srgbClr val="A9B7C6"/>
-                </a:solidFill>
-                <a:highlight>
-                  <a:srgbClr val="2B2B2B"/>
-                </a:highlight>
-                <a:latin typeface="Courier New"/>
-                <a:ea typeface="Courier New"/>
-                <a:cs typeface="Courier New"/>
-                <a:sym typeface="Courier New"/>
-              </a:rPr>
-              <a:t>QMessageBox.Cancel)</a:t>
-            </a:r>
-            <a:endParaRPr sz="1800">
-              <a:solidFill>
-                <a:srgbClr val="A9B7C6"/>
-              </a:solidFill>
-              <a:highlight>
-                <a:srgbClr val="2B2B2B"/>
-              </a:highlight>
-              <a:latin typeface="Courier New"/>
-              <a:ea typeface="Courier New"/>
-              <a:cs typeface="Courier New"/>
-              <a:sym typeface="Courier New"/>
-            </a:endParaRPr>
-          </a:p>
-          <a:p>
-            <a:pPr indent="0" lvl="0" marL="0" rtl="0" algn="l">
-              <a:spcBef>
-                <a:spcPts val="0"/>
-              </a:spcBef>
-              <a:spcAft>
-                <a:spcPts val="0"/>
-              </a:spcAft>
-              <a:buClr>
-                <a:schemeClr val="dk1"/>
-              </a:buClr>
-              <a:buSzPts val="1100"/>
-              <a:buFont typeface="Arial"/>
-              <a:buNone/>
-            </a:pPr>
-            <a:r>
-              <a:rPr lang="ru" sz="1800">
-                <a:solidFill>
-                  <a:srgbClr val="A9B7C6"/>
-                </a:solidFill>
-                <a:highlight>
-                  <a:srgbClr val="2B2B2B"/>
-                </a:highlight>
-                <a:latin typeface="Courier New"/>
-                <a:ea typeface="Courier New"/>
-                <a:cs typeface="Courier New"/>
-                <a:sym typeface="Courier New"/>
-              </a:rPr>
-              <a:t>   </a:t>
-            </a:r>
-            <a:r>
-              <a:rPr lang="ru" sz="1800">
-                <a:solidFill>
-                  <a:srgbClr val="CC7832"/>
-                </a:solidFill>
-                <a:highlight>
-                  <a:srgbClr val="2B2B2B"/>
-                </a:highlight>
-                <a:latin typeface="Courier New"/>
-                <a:ea typeface="Courier New"/>
-                <a:cs typeface="Courier New"/>
-                <a:sym typeface="Courier New"/>
-              </a:rPr>
-              <a:t>if </a:t>
-            </a:r>
-            <a:r>
-              <a:rPr lang="ru" sz="1800">
-                <a:solidFill>
-                  <a:srgbClr val="A9B7C6"/>
-                </a:solidFill>
-                <a:highlight>
-                  <a:srgbClr val="2B2B2B"/>
-                </a:highlight>
-                <a:latin typeface="Courier New"/>
-                <a:ea typeface="Courier New"/>
-                <a:cs typeface="Courier New"/>
-                <a:sym typeface="Courier New"/>
-              </a:rPr>
-              <a:t>reply == QMessageBox.Yes:</a:t>
-            </a:r>
-            <a:endParaRPr sz="1800">
-              <a:solidFill>
-                <a:srgbClr val="A9B7C6"/>
-              </a:solidFill>
-              <a:highlight>
-                <a:srgbClr val="2B2B2B"/>
-              </a:highlight>
-              <a:latin typeface="Courier New"/>
-              <a:ea typeface="Courier New"/>
-              <a:cs typeface="Courier New"/>
-              <a:sym typeface="Courier New"/>
-            </a:endParaRPr>
-          </a:p>
-          <a:p>
-            <a:pPr indent="0" lvl="0" marL="0" rtl="0" algn="l">
-              <a:spcBef>
-                <a:spcPts val="0"/>
-              </a:spcBef>
-              <a:spcAft>
-                <a:spcPts val="0"/>
-              </a:spcAft>
-              <a:buClr>
-                <a:schemeClr val="dk1"/>
-              </a:buClr>
-              <a:buSzPts val="1100"/>
-              <a:buFont typeface="Arial"/>
-              <a:buNone/>
-            </a:pPr>
-            <a:r>
-              <a:rPr lang="ru" sz="1800">
-                <a:solidFill>
-                  <a:srgbClr val="A9B7C6"/>
-                </a:solidFill>
-                <a:highlight>
-                  <a:srgbClr val="2B2B2B"/>
-                </a:highlight>
-                <a:latin typeface="Courier New"/>
-                <a:ea typeface="Courier New"/>
-                <a:cs typeface="Courier New"/>
-                <a:sym typeface="Courier New"/>
-              </a:rPr>
-              <a:t>       text = </a:t>
-            </a:r>
-            <a:r>
-              <a:rPr lang="ru" sz="1800">
-                <a:solidFill>
-                  <a:srgbClr val="94558D"/>
-                </a:solidFill>
-                <a:highlight>
-                  <a:srgbClr val="2B2B2B"/>
-                </a:highlight>
-                <a:latin typeface="Courier New"/>
-                <a:ea typeface="Courier New"/>
-                <a:cs typeface="Courier New"/>
-                <a:sym typeface="Courier New"/>
-              </a:rPr>
-              <a:t>self</a:t>
-            </a:r>
-            <a:r>
-              <a:rPr lang="ru" sz="1800">
-                <a:solidFill>
-                  <a:srgbClr val="A9B7C6"/>
-                </a:solidFill>
-                <a:highlight>
-                  <a:srgbClr val="2B2B2B"/>
-                </a:highlight>
-                <a:latin typeface="Courier New"/>
-                <a:ea typeface="Courier New"/>
-                <a:cs typeface="Courier New"/>
-                <a:sym typeface="Courier New"/>
-              </a:rPr>
-              <a:t>.lineEdit.text()</a:t>
-            </a:r>
-            <a:endParaRPr sz="1800">
-              <a:solidFill>
-                <a:srgbClr val="A9B7C6"/>
-              </a:solidFill>
-              <a:highlight>
-                <a:srgbClr val="2B2B2B"/>
-              </a:highlight>
-              <a:latin typeface="Courier New"/>
-              <a:ea typeface="Courier New"/>
-              <a:cs typeface="Courier New"/>
-              <a:sym typeface="Courier New"/>
-            </a:endParaRPr>
-          </a:p>
-          <a:p>
-            <a:pPr indent="0" lvl="0" marL="0" rtl="0" algn="l">
-              <a:spcBef>
-                <a:spcPts val="0"/>
-              </a:spcBef>
-              <a:spcAft>
-                <a:spcPts val="0"/>
-              </a:spcAft>
-              <a:buClr>
-                <a:schemeClr val="dk1"/>
-              </a:buClr>
-              <a:buSzPts val="1100"/>
-              <a:buFont typeface="Arial"/>
-              <a:buNone/>
-            </a:pPr>
-            <a:r>
-              <a:rPr lang="ru" sz="1800">
-                <a:solidFill>
-                  <a:srgbClr val="A9B7C6"/>
-                </a:solidFill>
-                <a:highlight>
-                  <a:srgbClr val="2B2B2B"/>
-                </a:highlight>
-                <a:latin typeface="Courier New"/>
-                <a:ea typeface="Courier New"/>
-                <a:cs typeface="Courier New"/>
-                <a:sym typeface="Courier New"/>
-              </a:rPr>
-              <a:t>       </a:t>
-            </a:r>
-            <a:r>
-              <a:rPr lang="ru" sz="1800">
-                <a:solidFill>
-                  <a:srgbClr val="CC7832"/>
-                </a:solidFill>
-                <a:highlight>
-                  <a:srgbClr val="2B2B2B"/>
-                </a:highlight>
-                <a:latin typeface="Courier New"/>
-                <a:ea typeface="Courier New"/>
-                <a:cs typeface="Courier New"/>
-                <a:sym typeface="Courier New"/>
-              </a:rPr>
-              <a:t>if </a:t>
-            </a:r>
-            <a:r>
-              <a:rPr lang="ru" sz="1800">
-                <a:solidFill>
-                  <a:srgbClr val="A9B7C6"/>
-                </a:solidFill>
-                <a:highlight>
-                  <a:srgbClr val="2B2B2B"/>
-                </a:highlight>
-                <a:latin typeface="Courier New"/>
-                <a:ea typeface="Courier New"/>
-                <a:cs typeface="Courier New"/>
-                <a:sym typeface="Courier New"/>
-              </a:rPr>
-              <a:t>os.path.isdir(text):</a:t>
-            </a:r>
-            <a:endParaRPr sz="1800">
-              <a:solidFill>
-                <a:srgbClr val="A9B7C6"/>
-              </a:solidFill>
-              <a:highlight>
-                <a:srgbClr val="2B2B2B"/>
-              </a:highlight>
-              <a:latin typeface="Courier New"/>
-              <a:ea typeface="Courier New"/>
-              <a:cs typeface="Courier New"/>
-              <a:sym typeface="Courier New"/>
-            </a:endParaRPr>
-          </a:p>
-          <a:p>
-            <a:pPr indent="0" lvl="0" marL="0" rtl="0" algn="l">
-              <a:spcBef>
-                <a:spcPts val="0"/>
-              </a:spcBef>
-              <a:spcAft>
-                <a:spcPts val="0"/>
-              </a:spcAft>
-              <a:buClr>
-                <a:schemeClr val="dk1"/>
-              </a:buClr>
-              <a:buSzPts val="1100"/>
-              <a:buFont typeface="Arial"/>
-              <a:buNone/>
-            </a:pPr>
-            <a:r>
-              <a:rPr lang="ru" sz="1800">
-                <a:solidFill>
-                  <a:srgbClr val="A9B7C6"/>
-                </a:solidFill>
-                <a:highlight>
-                  <a:srgbClr val="2B2B2B"/>
-                </a:highlight>
-                <a:latin typeface="Courier New"/>
-                <a:ea typeface="Courier New"/>
-                <a:cs typeface="Courier New"/>
-                <a:sym typeface="Courier New"/>
-              </a:rPr>
-              <a:t>           shutil.rmtree(text)</a:t>
-            </a:r>
-            <a:endParaRPr sz="1800">
-              <a:solidFill>
-                <a:srgbClr val="A9B7C6"/>
-              </a:solidFill>
-              <a:highlight>
-                <a:srgbClr val="2B2B2B"/>
-              </a:highlight>
-              <a:latin typeface="Courier New"/>
-              <a:ea typeface="Courier New"/>
-              <a:cs typeface="Courier New"/>
-              <a:sym typeface="Courier New"/>
-            </a:endParaRPr>
-          </a:p>
-          <a:p>
-            <a:pPr indent="0" lvl="0" marL="0" rtl="0" algn="l">
-              <a:spcBef>
-                <a:spcPts val="0"/>
-              </a:spcBef>
-              <a:spcAft>
-                <a:spcPts val="0"/>
-              </a:spcAft>
-              <a:buClr>
-                <a:schemeClr val="dk1"/>
-              </a:buClr>
-              <a:buSzPts val="1100"/>
-              <a:buFont typeface="Arial"/>
-              <a:buNone/>
-            </a:pPr>
-            <a:r>
-              <a:rPr lang="ru" sz="1800">
-                <a:solidFill>
-                  <a:srgbClr val="A9B7C6"/>
-                </a:solidFill>
-                <a:highlight>
-                  <a:srgbClr val="2B2B2B"/>
-                </a:highlight>
-                <a:latin typeface="Courier New"/>
-                <a:ea typeface="Courier New"/>
-                <a:cs typeface="Courier New"/>
-                <a:sym typeface="Courier New"/>
-              </a:rPr>
-              <a:t>       </a:t>
-            </a:r>
-            <a:r>
-              <a:rPr lang="ru" sz="1800">
-                <a:solidFill>
-                  <a:srgbClr val="CC7832"/>
-                </a:solidFill>
-                <a:highlight>
-                  <a:srgbClr val="2B2B2B"/>
-                </a:highlight>
-                <a:latin typeface="Courier New"/>
-                <a:ea typeface="Courier New"/>
-                <a:cs typeface="Courier New"/>
-                <a:sym typeface="Courier New"/>
-              </a:rPr>
-              <a:t>elif </a:t>
-            </a:r>
-            <a:r>
-              <a:rPr lang="ru" sz="1800">
-                <a:solidFill>
-                  <a:srgbClr val="A9B7C6"/>
-                </a:solidFill>
-                <a:highlight>
-                  <a:srgbClr val="2B2B2B"/>
-                </a:highlight>
-                <a:latin typeface="Courier New"/>
-                <a:ea typeface="Courier New"/>
-                <a:cs typeface="Courier New"/>
-                <a:sym typeface="Courier New"/>
-              </a:rPr>
-              <a:t>os.path.isfile(text):</a:t>
-            </a:r>
-            <a:endParaRPr sz="1800">
-              <a:solidFill>
-                <a:srgbClr val="A9B7C6"/>
-              </a:solidFill>
-              <a:highlight>
-                <a:srgbClr val="2B2B2B"/>
-              </a:highlight>
-              <a:latin typeface="Courier New"/>
-              <a:ea typeface="Courier New"/>
-              <a:cs typeface="Courier New"/>
-              <a:sym typeface="Courier New"/>
-            </a:endParaRPr>
-          </a:p>
-          <a:p>
-            <a:pPr indent="0" lvl="0" marL="0" rtl="0" algn="l">
-              <a:spcBef>
-                <a:spcPts val="0"/>
-              </a:spcBef>
-              <a:spcAft>
-                <a:spcPts val="0"/>
-              </a:spcAft>
-              <a:buClr>
-                <a:schemeClr val="dk1"/>
-              </a:buClr>
-              <a:buSzPts val="1100"/>
-              <a:buFont typeface="Arial"/>
-              <a:buNone/>
-            </a:pPr>
-            <a:r>
-              <a:rPr lang="ru" sz="1800">
-                <a:solidFill>
-                  <a:srgbClr val="A9B7C6"/>
-                </a:solidFill>
-                <a:highlight>
-                  <a:srgbClr val="2B2B2B"/>
-                </a:highlight>
-                <a:latin typeface="Courier New"/>
-                <a:ea typeface="Courier New"/>
-                <a:cs typeface="Courier New"/>
-                <a:sym typeface="Courier New"/>
-              </a:rPr>
-              <a:t>           os.remove(text)</a:t>
-            </a:r>
-            <a:endParaRPr sz="1800">
-              <a:solidFill>
-                <a:srgbClr val="A9B7C6"/>
-              </a:solidFill>
-              <a:highlight>
-                <a:srgbClr val="2B2B2B"/>
-              </a:highlight>
-              <a:latin typeface="Courier New"/>
-              <a:ea typeface="Courier New"/>
-              <a:cs typeface="Courier New"/>
-              <a:sym typeface="Courier New"/>
-            </a:endParaRPr>
-          </a:p>
-          <a:p>
-            <a:pPr indent="0" lvl="0" marL="0" rtl="0" algn="l">
-              <a:spcBef>
-                <a:spcPts val="0"/>
-              </a:spcBef>
-              <a:spcAft>
-                <a:spcPts val="0"/>
-              </a:spcAft>
-              <a:buNone/>
-            </a:pPr>
-            <a:r>
-              <a:t/>
-            </a:r>
-            <a:endParaRPr/>
-          </a:p>
-        </p:txBody>
-      </p:sp>
-      <p:sp>
-        <p:nvSpPr>
-          <p:cNvPr id="78" name="Google Shape;78;p17"/>
-          <p:cNvSpPr txBox="1"/>
-          <p:nvPr/>
-        </p:nvSpPr>
-        <p:spPr>
-          <a:xfrm>
-            <a:off x="3093800" y="3789850"/>
+            <a:off x="3932000" y="4399450"/>
             <a:ext cx="5070900" cy="683400"/>
           </a:xfrm>
           <a:prstGeom prst="rect">
@@ -9893,9 +7369,104 @@
             </a:pPr>
             <a:r>
               <a:rPr lang="ru" sz="1800"/>
-              <a:t>Функция удаления файла</a:t>
+              <a:t>Удалить</a:t>
             </a:r>
             <a:endParaRPr sz="1800"/>
+          </a:p>
+        </p:txBody>
+      </p:sp>
+      <p:pic>
+        <p:nvPicPr>
+          <p:cNvPr id="81" name="Google Shape;81;p17"/>
+          <p:cNvPicPr preferRelativeResize="0"/>
+          <p:nvPr/>
+        </p:nvPicPr>
+        <p:blipFill rotWithShape="1">
+          <a:blip r:embed="rId3">
+            <a:alphaModFix/>
+          </a:blip>
+          <a:srcRect b="24976" l="20038" r="20056" t="18568"/>
+          <a:stretch/>
+        </p:blipFill>
+        <p:spPr>
+          <a:xfrm>
+            <a:off x="1800500" y="143750"/>
+            <a:ext cx="5307325" cy="4001101"/>
+          </a:xfrm>
+          <a:prstGeom prst="rect">
+            <a:avLst/>
+          </a:prstGeom>
+          <a:noFill/>
+          <a:ln>
+            <a:noFill/>
+          </a:ln>
+        </p:spPr>
+      </p:pic>
+      <p:cxnSp>
+        <p:nvCxnSpPr>
+          <p:cNvPr id="82" name="Google Shape;82;p17"/>
+          <p:cNvCxnSpPr/>
+          <p:nvPr/>
+        </p:nvCxnSpPr>
+        <p:spPr>
+          <a:xfrm flipH="1" rot="10800000">
+            <a:off x="1414025" y="2271925"/>
+            <a:ext cx="2262300" cy="829500"/>
+          </a:xfrm>
+          <a:prstGeom prst="straightConnector1">
+            <a:avLst/>
+          </a:prstGeom>
+          <a:noFill/>
+          <a:ln cap="flat" cmpd="sng" w="9525">
+            <a:solidFill>
+              <a:schemeClr val="dk2"/>
+            </a:solidFill>
+            <a:prstDash val="solid"/>
+            <a:round/>
+            <a:headEnd len="med" w="med" type="none"/>
+            <a:tailEnd len="med" w="med" type="triangle"/>
+          </a:ln>
+        </p:spPr>
+      </p:cxnSp>
+      <p:sp>
+        <p:nvSpPr>
+          <p:cNvPr id="83" name="Google Shape;83;p17"/>
+          <p:cNvSpPr txBox="1"/>
+          <p:nvPr/>
+        </p:nvSpPr>
+        <p:spPr>
+          <a:xfrm>
+            <a:off x="426575" y="2941950"/>
+            <a:ext cx="1310400" cy="829500"/>
+          </a:xfrm>
+          <a:prstGeom prst="rect">
+            <a:avLst/>
+          </a:prstGeom>
+          <a:noFill/>
+          <a:ln>
+            <a:noFill/>
+          </a:ln>
+        </p:spPr>
+        <p:txBody>
+          <a:bodyPr anchorCtr="0" anchor="t" bIns="91425" lIns="91425" spcFirstLastPara="1" rIns="91425" wrap="square" tIns="91425">
+            <a:noAutofit/>
+          </a:bodyPr>
+          <a:lstStyle/>
+          <a:p>
+            <a:pPr indent="0" lvl="0" marL="0" rtl="0" algn="l">
+              <a:spcBef>
+                <a:spcPts val="0"/>
+              </a:spcBef>
+              <a:spcAft>
+                <a:spcPts val="0"/>
+              </a:spcAft>
+              <a:buNone/>
+            </a:pPr>
+            <a:r>
+              <a:rPr lang="ru"/>
+              <a:t>Уточнение</a:t>
+            </a:r>
+            <a:endParaRPr/>
           </a:p>
         </p:txBody>
       </p:sp>
@@ -9912,7 +7483,7 @@
   <p:cSld>
     <p:spTree>
       <p:nvGrpSpPr>
-        <p:cNvPr id="82" name="Shape 82"/>
+        <p:cNvPr id="87" name="Shape 87"/>
         <p:cNvGrpSpPr/>
         <p:nvPr/>
       </p:nvGrpSpPr>
@@ -9926,14 +7497,14 @@
       </p:grpSpPr>
       <p:sp>
         <p:nvSpPr>
-          <p:cNvPr id="83" name="Google Shape;83;p18"/>
+          <p:cNvPr id="88" name="Google Shape;88;p18"/>
           <p:cNvSpPr txBox="1"/>
           <p:nvPr/>
         </p:nvSpPr>
         <p:spPr>
           <a:xfrm>
-            <a:off x="191350" y="300700"/>
-            <a:ext cx="8638200" cy="3854400"/>
+            <a:off x="3703400" y="4323250"/>
+            <a:ext cx="1478100" cy="456300"/>
           </a:xfrm>
           <a:prstGeom prst="rect">
             <a:avLst/>
@@ -9956,101 +7527,93 @@
               <a:spcAft>
                 <a:spcPts val="0"/>
               </a:spcAft>
-              <a:buClr>
-                <a:schemeClr val="dk1"/>
-              </a:buClr>
-              <a:buSzPts val="1100"/>
-              <a:buFont typeface="Arial"/>
               <a:buNone/>
             </a:pPr>
             <a:r>
-              <a:rPr lang="ru" sz="1800">
-                <a:solidFill>
-                  <a:srgbClr val="CC7832"/>
-                </a:solidFill>
-                <a:highlight>
-                  <a:srgbClr val="2B2B2B"/>
-                </a:highlight>
-                <a:latin typeface="Courier New"/>
-                <a:ea typeface="Courier New"/>
-                <a:cs typeface="Courier New"/>
-                <a:sym typeface="Courier New"/>
-              </a:rPr>
-              <a:t>def </a:t>
+              <a:rPr lang="ru" sz="1800"/>
+              <a:t>Копировать</a:t>
             </a:r>
-            <a:r>
-              <a:rPr lang="ru" sz="1800">
-                <a:solidFill>
-                  <a:srgbClr val="FFC66D"/>
-                </a:solidFill>
-                <a:highlight>
-                  <a:srgbClr val="2B2B2B"/>
-                </a:highlight>
-                <a:latin typeface="Courier New"/>
-                <a:ea typeface="Courier New"/>
-                <a:cs typeface="Courier New"/>
-                <a:sym typeface="Courier New"/>
-              </a:rPr>
-              <a:t>copy</a:t>
-            </a:r>
-            <a:r>
-              <a:rPr lang="ru" sz="1800">
-                <a:solidFill>
-                  <a:srgbClr val="A9B7C6"/>
-                </a:solidFill>
-                <a:highlight>
-                  <a:srgbClr val="2B2B2B"/>
-                </a:highlight>
-                <a:latin typeface="Courier New"/>
-                <a:ea typeface="Courier New"/>
-                <a:cs typeface="Courier New"/>
-                <a:sym typeface="Courier New"/>
-              </a:rPr>
-              <a:t>(</a:t>
-            </a:r>
-            <a:r>
-              <a:rPr lang="ru" sz="1800">
-                <a:solidFill>
-                  <a:srgbClr val="94558D"/>
-                </a:solidFill>
-                <a:highlight>
-                  <a:srgbClr val="2B2B2B"/>
-                </a:highlight>
-                <a:latin typeface="Courier New"/>
-                <a:ea typeface="Courier New"/>
-                <a:cs typeface="Courier New"/>
-                <a:sym typeface="Courier New"/>
-              </a:rPr>
-              <a:t>self</a:t>
-            </a:r>
-            <a:r>
-              <a:rPr lang="ru" sz="1800">
-                <a:solidFill>
-                  <a:srgbClr val="A9B7C6"/>
-                </a:solidFill>
-                <a:highlight>
-                  <a:srgbClr val="2B2B2B"/>
-                </a:highlight>
-                <a:latin typeface="Courier New"/>
-                <a:ea typeface="Courier New"/>
-                <a:cs typeface="Courier New"/>
-                <a:sym typeface="Courier New"/>
-              </a:rPr>
-              <a:t>):</a:t>
-            </a:r>
-            <a:endParaRPr sz="1800">
-              <a:solidFill>
-                <a:srgbClr val="A9B7C6"/>
-              </a:solidFill>
-              <a:highlight>
-                <a:srgbClr val="2B2B2B"/>
-              </a:highlight>
-              <a:latin typeface="Courier New"/>
-              <a:ea typeface="Courier New"/>
-              <a:cs typeface="Courier New"/>
-              <a:sym typeface="Courier New"/>
-            </a:endParaRPr>
+            <a:endParaRPr sz="1800"/>
           </a:p>
+        </p:txBody>
+      </p:sp>
+      <p:pic>
+        <p:nvPicPr>
+          <p:cNvPr id="89" name="Google Shape;89;p18"/>
+          <p:cNvPicPr preferRelativeResize="0"/>
+          <p:nvPr/>
+        </p:nvPicPr>
+        <p:blipFill rotWithShape="1">
+          <a:blip r:embed="rId3">
+            <a:alphaModFix/>
+          </a:blip>
+          <a:srcRect b="24902" l="19867" r="19819" t="18488"/>
+          <a:stretch/>
+        </p:blipFill>
+        <p:spPr>
+          <a:xfrm>
+            <a:off x="1587625" y="182900"/>
+            <a:ext cx="5406125" cy="4059149"/>
+          </a:xfrm>
+          <a:prstGeom prst="rect">
+            <a:avLst/>
+          </a:prstGeom>
+          <a:noFill/>
+          <a:ln>
+            <a:noFill/>
+          </a:ln>
+        </p:spPr>
+      </p:pic>
+      <p:cxnSp>
+        <p:nvCxnSpPr>
+          <p:cNvPr id="90" name="Google Shape;90;p18"/>
+          <p:cNvCxnSpPr/>
+          <p:nvPr/>
+        </p:nvCxnSpPr>
+        <p:spPr>
+          <a:xfrm flipH="1" rot="10800000">
+            <a:off x="1461150" y="2262425"/>
+            <a:ext cx="2215200" cy="490200"/>
+          </a:xfrm>
+          <a:prstGeom prst="straightConnector1">
+            <a:avLst/>
+          </a:prstGeom>
+          <a:noFill/>
+          <a:ln cap="flat" cmpd="sng" w="9525">
+            <a:solidFill>
+              <a:schemeClr val="dk2"/>
+            </a:solidFill>
+            <a:prstDash val="solid"/>
+            <a:round/>
+            <a:headEnd len="med" w="med" type="none"/>
+            <a:tailEnd len="med" w="med" type="triangle"/>
+          </a:ln>
+        </p:spPr>
+      </p:cxnSp>
+      <p:sp>
+        <p:nvSpPr>
+          <p:cNvPr id="91" name="Google Shape;91;p18"/>
+          <p:cNvSpPr txBox="1"/>
+          <p:nvPr/>
+        </p:nvSpPr>
+        <p:spPr>
+          <a:xfrm>
+            <a:off x="263950" y="2686650"/>
+            <a:ext cx="1323600" cy="905100"/>
+          </a:xfrm>
+          <a:prstGeom prst="rect">
+            <a:avLst/>
+          </a:prstGeom>
+          <a:noFill/>
+          <a:ln>
+            <a:noFill/>
+          </a:ln>
+        </p:spPr>
+        <p:txBody>
+          <a:bodyPr anchorCtr="0" anchor="t" bIns="91425" lIns="91425" spcFirstLastPara="1" rIns="91425" wrap="square" tIns="91425">
+            <a:noAutofit/>
+          </a:bodyPr>
+          <a:lstStyle/>
           <a:p>
             <a:pPr indent="0" lvl="0" marL="0" rtl="0" algn="l">
               <a:spcBef>
@@ -10062,896 +7625,47 @@
               <a:buNone/>
             </a:pPr>
             <a:r>
-              <a:rPr lang="ru" sz="1800">
-                <a:solidFill>
-                  <a:srgbClr val="A9B7C6"/>
-                </a:solidFill>
-                <a:highlight>
-                  <a:srgbClr val="2B2B2B"/>
-                </a:highlight>
-                <a:latin typeface="Courier New"/>
-                <a:ea typeface="Courier New"/>
-                <a:cs typeface="Courier New"/>
-                <a:sym typeface="Courier New"/>
-              </a:rPr>
-              <a:t>   text = </a:t>
-            </a:r>
-            <a:r>
-              <a:rPr lang="ru" sz="1800">
-                <a:solidFill>
-                  <a:srgbClr val="94558D"/>
-                </a:solidFill>
-                <a:highlight>
-                  <a:srgbClr val="2B2B2B"/>
-                </a:highlight>
-                <a:latin typeface="Courier New"/>
-                <a:ea typeface="Courier New"/>
-                <a:cs typeface="Courier New"/>
-                <a:sym typeface="Courier New"/>
-              </a:rPr>
-              <a:t>self</a:t>
-            </a:r>
-            <a:r>
-              <a:rPr lang="ru" sz="1800">
-                <a:solidFill>
-                  <a:srgbClr val="A9B7C6"/>
-                </a:solidFill>
-                <a:highlight>
-                  <a:srgbClr val="2B2B2B"/>
-                </a:highlight>
-                <a:latin typeface="Courier New"/>
-                <a:ea typeface="Courier New"/>
-                <a:cs typeface="Courier New"/>
-                <a:sym typeface="Courier New"/>
-              </a:rPr>
-              <a:t>.lineEdit.text()</a:t>
-            </a:r>
-            <a:endParaRPr sz="1800">
-              <a:solidFill>
-                <a:srgbClr val="A9B7C6"/>
-              </a:solidFill>
-              <a:highlight>
-                <a:srgbClr val="2B2B2B"/>
-              </a:highlight>
-              <a:latin typeface="Courier New"/>
-              <a:ea typeface="Courier New"/>
-              <a:cs typeface="Courier New"/>
-              <a:sym typeface="Courier New"/>
-            </a:endParaRPr>
-          </a:p>
-          <a:p>
-            <a:pPr indent="0" lvl="0" marL="0" rtl="0" algn="l">
-              <a:spcBef>
-                <a:spcPts val="0"/>
-              </a:spcBef>
-              <a:spcAft>
-                <a:spcPts val="0"/>
-              </a:spcAft>
-              <a:buClr>
-                <a:schemeClr val="dk1"/>
-              </a:buClr>
-              <a:buSzPts val="1100"/>
-              <a:buFont typeface="Arial"/>
-              <a:buNone/>
-            </a:pPr>
-            <a:r>
-              <a:rPr lang="ru" sz="1800">
-                <a:solidFill>
-                  <a:srgbClr val="A9B7C6"/>
-                </a:solidFill>
-                <a:highlight>
-                  <a:srgbClr val="2B2B2B"/>
-                </a:highlight>
-                <a:latin typeface="Courier New"/>
-                <a:ea typeface="Courier New"/>
-                <a:cs typeface="Courier New"/>
-                <a:sym typeface="Courier New"/>
-              </a:rPr>
-              <a:t>   </a:t>
-            </a:r>
-            <a:r>
-              <a:rPr lang="ru" sz="1800">
-                <a:solidFill>
-                  <a:srgbClr val="CC7832"/>
-                </a:solidFill>
-                <a:highlight>
-                  <a:srgbClr val="2B2B2B"/>
-                </a:highlight>
-                <a:latin typeface="Courier New"/>
-                <a:ea typeface="Courier New"/>
-                <a:cs typeface="Courier New"/>
-                <a:sym typeface="Courier New"/>
-              </a:rPr>
-              <a:t>try</a:t>
-            </a:r>
-            <a:r>
-              <a:rPr lang="ru" sz="1800">
-                <a:solidFill>
-                  <a:srgbClr val="A9B7C6"/>
-                </a:solidFill>
-                <a:highlight>
-                  <a:srgbClr val="2B2B2B"/>
-                </a:highlight>
-                <a:latin typeface="Courier New"/>
-                <a:ea typeface="Courier New"/>
-                <a:cs typeface="Courier New"/>
-                <a:sym typeface="Courier New"/>
-              </a:rPr>
-              <a:t>:</a:t>
-            </a:r>
-            <a:endParaRPr sz="1800">
-              <a:solidFill>
-                <a:srgbClr val="A9B7C6"/>
-              </a:solidFill>
-              <a:highlight>
-                <a:srgbClr val="2B2B2B"/>
-              </a:highlight>
-              <a:latin typeface="Courier New"/>
-              <a:ea typeface="Courier New"/>
-              <a:cs typeface="Courier New"/>
-              <a:sym typeface="Courier New"/>
-            </a:endParaRPr>
-          </a:p>
-          <a:p>
-            <a:pPr indent="0" lvl="0" marL="0" rtl="0" algn="l">
-              <a:spcBef>
-                <a:spcPts val="0"/>
-              </a:spcBef>
-              <a:spcAft>
-                <a:spcPts val="0"/>
-              </a:spcAft>
-              <a:buClr>
-                <a:schemeClr val="dk1"/>
-              </a:buClr>
-              <a:buSzPts val="1100"/>
-              <a:buFont typeface="Arial"/>
-              <a:buNone/>
-            </a:pPr>
-            <a:r>
-              <a:rPr lang="ru" sz="1800">
-                <a:solidFill>
-                  <a:srgbClr val="A9B7C6"/>
-                </a:solidFill>
-                <a:highlight>
-                  <a:srgbClr val="2B2B2B"/>
-                </a:highlight>
-                <a:latin typeface="Courier New"/>
-                <a:ea typeface="Courier New"/>
-                <a:cs typeface="Courier New"/>
-                <a:sym typeface="Courier New"/>
-              </a:rPr>
-              <a:t>       i</a:t>
-            </a:r>
-            <a:r>
-              <a:rPr lang="ru" sz="1800">
-                <a:solidFill>
-                  <a:srgbClr val="CC7832"/>
-                </a:solidFill>
-                <a:highlight>
-                  <a:srgbClr val="2B2B2B"/>
-                </a:highlight>
-                <a:latin typeface="Courier New"/>
-                <a:ea typeface="Courier New"/>
-                <a:cs typeface="Courier New"/>
-                <a:sym typeface="Courier New"/>
-              </a:rPr>
-              <a:t>, </a:t>
-            </a:r>
-            <a:r>
-              <a:rPr lang="ru" sz="1800">
-                <a:solidFill>
-                  <a:srgbClr val="A9B7C6"/>
-                </a:solidFill>
-                <a:highlight>
-                  <a:srgbClr val="2B2B2B"/>
-                </a:highlight>
-                <a:latin typeface="Courier New"/>
-                <a:ea typeface="Courier New"/>
-                <a:cs typeface="Courier New"/>
-                <a:sym typeface="Courier New"/>
-              </a:rPr>
-              <a:t>okBtnPressed = QInputDialog.getText(</a:t>
-            </a:r>
-            <a:endParaRPr sz="1800">
-              <a:solidFill>
-                <a:srgbClr val="A9B7C6"/>
-              </a:solidFill>
-              <a:highlight>
-                <a:srgbClr val="2B2B2B"/>
-              </a:highlight>
-              <a:latin typeface="Courier New"/>
-              <a:ea typeface="Courier New"/>
-              <a:cs typeface="Courier New"/>
-              <a:sym typeface="Courier New"/>
-            </a:endParaRPr>
-          </a:p>
-          <a:p>
-            <a:pPr indent="0" lvl="0" marL="0" rtl="0" algn="l">
-              <a:spcBef>
-                <a:spcPts val="0"/>
-              </a:spcBef>
-              <a:spcAft>
-                <a:spcPts val="0"/>
-              </a:spcAft>
-              <a:buClr>
-                <a:schemeClr val="dk1"/>
-              </a:buClr>
-              <a:buSzPts val="1100"/>
-              <a:buFont typeface="Arial"/>
-              <a:buNone/>
-            </a:pPr>
-            <a:r>
-              <a:rPr lang="ru" sz="1800">
-                <a:solidFill>
-                  <a:srgbClr val="A9B7C6"/>
-                </a:solidFill>
-                <a:highlight>
-                  <a:srgbClr val="2B2B2B"/>
-                </a:highlight>
-                <a:latin typeface="Courier New"/>
-                <a:ea typeface="Courier New"/>
-                <a:cs typeface="Courier New"/>
-                <a:sym typeface="Courier New"/>
-              </a:rPr>
-              <a:t>           </a:t>
-            </a:r>
-            <a:r>
-              <a:rPr lang="ru" sz="1800">
-                <a:solidFill>
-                  <a:srgbClr val="94558D"/>
-                </a:solidFill>
-                <a:highlight>
-                  <a:srgbClr val="2B2B2B"/>
-                </a:highlight>
-                <a:latin typeface="Courier New"/>
-                <a:ea typeface="Courier New"/>
-                <a:cs typeface="Courier New"/>
-                <a:sym typeface="Courier New"/>
-              </a:rPr>
-              <a:t>self</a:t>
-            </a:r>
-            <a:r>
-              <a:rPr lang="ru" sz="1800">
-                <a:solidFill>
-                  <a:srgbClr val="CC7832"/>
-                </a:solidFill>
-                <a:highlight>
-                  <a:srgbClr val="2B2B2B"/>
-                </a:highlight>
-                <a:latin typeface="Courier New"/>
-                <a:ea typeface="Courier New"/>
-                <a:cs typeface="Courier New"/>
-                <a:sym typeface="Courier New"/>
-              </a:rPr>
-              <a:t>, </a:t>
-            </a:r>
-            <a:r>
-              <a:rPr lang="ru" sz="1800">
-                <a:solidFill>
-                  <a:srgbClr val="6A8759"/>
-                </a:solidFill>
-                <a:highlight>
-                  <a:srgbClr val="2B2B2B"/>
-                </a:highlight>
-                <a:latin typeface="Courier New"/>
-                <a:ea typeface="Courier New"/>
-                <a:cs typeface="Courier New"/>
-                <a:sym typeface="Courier New"/>
-              </a:rPr>
-              <a:t>"Введите место"</a:t>
-            </a:r>
-            <a:r>
-              <a:rPr lang="ru" sz="1800">
-                <a:solidFill>
-                  <a:srgbClr val="CC7832"/>
-                </a:solidFill>
-                <a:highlight>
-                  <a:srgbClr val="2B2B2B"/>
-                </a:highlight>
-                <a:latin typeface="Courier New"/>
-                <a:ea typeface="Courier New"/>
-                <a:cs typeface="Courier New"/>
-                <a:sym typeface="Courier New"/>
-              </a:rPr>
-              <a:t>, </a:t>
-            </a:r>
-            <a:r>
-              <a:rPr lang="ru" sz="1800">
-                <a:solidFill>
-                  <a:srgbClr val="6A8759"/>
-                </a:solidFill>
-                <a:highlight>
-                  <a:srgbClr val="2B2B2B"/>
-                </a:highlight>
-                <a:latin typeface="Courier New"/>
-                <a:ea typeface="Courier New"/>
-                <a:cs typeface="Courier New"/>
-                <a:sym typeface="Courier New"/>
-              </a:rPr>
-              <a:t>"Куда хотите скопировать?"</a:t>
-            </a:r>
-            <a:endParaRPr sz="1800">
-              <a:solidFill>
-                <a:srgbClr val="6A8759"/>
-              </a:solidFill>
-              <a:highlight>
-                <a:srgbClr val="2B2B2B"/>
-              </a:highlight>
-              <a:latin typeface="Courier New"/>
-              <a:ea typeface="Courier New"/>
-              <a:cs typeface="Courier New"/>
-              <a:sym typeface="Courier New"/>
-            </a:endParaRPr>
-          </a:p>
-          <a:p>
-            <a:pPr indent="0" lvl="0" marL="0" rtl="0" algn="l">
-              <a:spcBef>
-                <a:spcPts val="0"/>
-              </a:spcBef>
-              <a:spcAft>
-                <a:spcPts val="0"/>
-              </a:spcAft>
-              <a:buClr>
-                <a:schemeClr val="dk1"/>
-              </a:buClr>
-              <a:buSzPts val="1100"/>
-              <a:buFont typeface="Arial"/>
-              <a:buNone/>
-            </a:pPr>
-            <a:r>
-              <a:rPr lang="ru" sz="1800">
-                <a:solidFill>
-                  <a:srgbClr val="6A8759"/>
-                </a:solidFill>
-                <a:highlight>
-                  <a:srgbClr val="2B2B2B"/>
-                </a:highlight>
-                <a:latin typeface="Courier New"/>
-                <a:ea typeface="Courier New"/>
-                <a:cs typeface="Courier New"/>
-                <a:sym typeface="Courier New"/>
-              </a:rPr>
-              <a:t>       </a:t>
-            </a:r>
-            <a:r>
-              <a:rPr lang="ru" sz="1800">
-                <a:solidFill>
-                  <a:srgbClr val="A9B7C6"/>
-                </a:solidFill>
-                <a:highlight>
-                  <a:srgbClr val="2B2B2B"/>
-                </a:highlight>
-                <a:latin typeface="Courier New"/>
-                <a:ea typeface="Courier New"/>
-                <a:cs typeface="Courier New"/>
-                <a:sym typeface="Courier New"/>
-              </a:rPr>
-              <a:t>)</a:t>
-            </a:r>
-            <a:endParaRPr sz="1800">
-              <a:solidFill>
-                <a:srgbClr val="A9B7C6"/>
-              </a:solidFill>
-              <a:highlight>
-                <a:srgbClr val="2B2B2B"/>
-              </a:highlight>
-              <a:latin typeface="Courier New"/>
-              <a:ea typeface="Courier New"/>
-              <a:cs typeface="Courier New"/>
-              <a:sym typeface="Courier New"/>
-            </a:endParaRPr>
-          </a:p>
-          <a:p>
-            <a:pPr indent="0" lvl="0" marL="0" rtl="0" algn="l">
-              <a:spcBef>
-                <a:spcPts val="0"/>
-              </a:spcBef>
-              <a:spcAft>
-                <a:spcPts val="0"/>
-              </a:spcAft>
-              <a:buClr>
-                <a:schemeClr val="dk1"/>
-              </a:buClr>
-              <a:buSzPts val="1100"/>
-              <a:buFont typeface="Arial"/>
-              <a:buNone/>
-            </a:pPr>
-            <a:r>
-              <a:rPr lang="ru" sz="1800">
-                <a:solidFill>
-                  <a:srgbClr val="A9B7C6"/>
-                </a:solidFill>
-                <a:highlight>
-                  <a:srgbClr val="2B2B2B"/>
-                </a:highlight>
-                <a:latin typeface="Courier New"/>
-                <a:ea typeface="Courier New"/>
-                <a:cs typeface="Courier New"/>
-                <a:sym typeface="Courier New"/>
-              </a:rPr>
-              <a:t>       </a:t>
-            </a:r>
-            <a:r>
-              <a:rPr lang="ru" sz="1800">
-                <a:solidFill>
-                  <a:srgbClr val="CC7832"/>
-                </a:solidFill>
-                <a:highlight>
-                  <a:srgbClr val="2B2B2B"/>
-                </a:highlight>
-                <a:latin typeface="Courier New"/>
-                <a:ea typeface="Courier New"/>
-                <a:cs typeface="Courier New"/>
-                <a:sym typeface="Courier New"/>
-              </a:rPr>
-              <a:t>if </a:t>
-            </a:r>
-            <a:r>
-              <a:rPr lang="ru" sz="1800">
-                <a:solidFill>
-                  <a:srgbClr val="A9B7C6"/>
-                </a:solidFill>
-                <a:highlight>
-                  <a:srgbClr val="2B2B2B"/>
-                </a:highlight>
-                <a:latin typeface="Courier New"/>
-                <a:ea typeface="Courier New"/>
-                <a:cs typeface="Courier New"/>
-                <a:sym typeface="Courier New"/>
-              </a:rPr>
-              <a:t>okBtnPressed:</a:t>
-            </a:r>
-            <a:endParaRPr sz="1800">
-              <a:solidFill>
-                <a:srgbClr val="A9B7C6"/>
-              </a:solidFill>
-              <a:highlight>
-                <a:srgbClr val="2B2B2B"/>
-              </a:highlight>
-              <a:latin typeface="Courier New"/>
-              <a:ea typeface="Courier New"/>
-              <a:cs typeface="Courier New"/>
-              <a:sym typeface="Courier New"/>
-            </a:endParaRPr>
-          </a:p>
-          <a:p>
-            <a:pPr indent="0" lvl="0" marL="0" rtl="0" algn="l">
-              <a:spcBef>
-                <a:spcPts val="0"/>
-              </a:spcBef>
-              <a:spcAft>
-                <a:spcPts val="0"/>
-              </a:spcAft>
-              <a:buClr>
-                <a:schemeClr val="dk1"/>
-              </a:buClr>
-              <a:buSzPts val="1100"/>
-              <a:buFont typeface="Arial"/>
-              <a:buNone/>
-            </a:pPr>
-            <a:r>
-              <a:rPr lang="ru" sz="1800">
-                <a:solidFill>
-                  <a:srgbClr val="A9B7C6"/>
-                </a:solidFill>
-                <a:highlight>
-                  <a:srgbClr val="2B2B2B"/>
-                </a:highlight>
-                <a:latin typeface="Courier New"/>
-                <a:ea typeface="Courier New"/>
-                <a:cs typeface="Courier New"/>
-                <a:sym typeface="Courier New"/>
-              </a:rPr>
-              <a:t>           shutil.copy2(text</a:t>
-            </a:r>
-            <a:r>
-              <a:rPr lang="ru" sz="1800">
-                <a:solidFill>
-                  <a:srgbClr val="CC7832"/>
-                </a:solidFill>
-                <a:highlight>
-                  <a:srgbClr val="2B2B2B"/>
-                </a:highlight>
-                <a:latin typeface="Courier New"/>
-                <a:ea typeface="Courier New"/>
-                <a:cs typeface="Courier New"/>
-                <a:sym typeface="Courier New"/>
-              </a:rPr>
-              <a:t>, </a:t>
-            </a:r>
-            <a:r>
-              <a:rPr lang="ru" sz="1800">
-                <a:solidFill>
-                  <a:srgbClr val="A9B7C6"/>
-                </a:solidFill>
-                <a:highlight>
-                  <a:srgbClr val="2B2B2B"/>
-                </a:highlight>
-                <a:latin typeface="Courier New"/>
-                <a:ea typeface="Courier New"/>
-                <a:cs typeface="Courier New"/>
-                <a:sym typeface="Courier New"/>
-              </a:rPr>
-              <a:t>i)</a:t>
-            </a:r>
-            <a:endParaRPr sz="1800">
-              <a:solidFill>
-                <a:srgbClr val="A9B7C6"/>
-              </a:solidFill>
-              <a:highlight>
-                <a:srgbClr val="2B2B2B"/>
-              </a:highlight>
-              <a:latin typeface="Courier New"/>
-              <a:ea typeface="Courier New"/>
-              <a:cs typeface="Courier New"/>
-              <a:sym typeface="Courier New"/>
-            </a:endParaRPr>
-          </a:p>
-          <a:p>
-            <a:pPr indent="0" lvl="0" marL="0" rtl="0" algn="l">
-              <a:spcBef>
-                <a:spcPts val="0"/>
-              </a:spcBef>
-              <a:spcAft>
-                <a:spcPts val="0"/>
-              </a:spcAft>
-              <a:buClr>
-                <a:schemeClr val="dk1"/>
-              </a:buClr>
-              <a:buSzPts val="1100"/>
-              <a:buFont typeface="Arial"/>
-              <a:buNone/>
-            </a:pPr>
-            <a:r>
-              <a:rPr lang="ru" sz="1800">
-                <a:solidFill>
-                  <a:srgbClr val="A9B7C6"/>
-                </a:solidFill>
-                <a:highlight>
-                  <a:srgbClr val="2B2B2B"/>
-                </a:highlight>
-                <a:latin typeface="Courier New"/>
-                <a:ea typeface="Courier New"/>
-                <a:cs typeface="Courier New"/>
-                <a:sym typeface="Courier New"/>
-              </a:rPr>
-              <a:t>   </a:t>
-            </a:r>
-            <a:r>
-              <a:rPr lang="ru" sz="1800">
-                <a:solidFill>
-                  <a:srgbClr val="CC7832"/>
-                </a:solidFill>
-                <a:highlight>
-                  <a:srgbClr val="2B2B2B"/>
-                </a:highlight>
-                <a:latin typeface="Courier New"/>
-                <a:ea typeface="Courier New"/>
-                <a:cs typeface="Courier New"/>
-                <a:sym typeface="Courier New"/>
-              </a:rPr>
-              <a:t>except </a:t>
-            </a:r>
-            <a:r>
-              <a:rPr lang="ru" sz="1800">
-                <a:solidFill>
-                  <a:srgbClr val="8888C6"/>
-                </a:solidFill>
-                <a:highlight>
-                  <a:srgbClr val="2B2B2B"/>
-                </a:highlight>
-                <a:latin typeface="Courier New"/>
-                <a:ea typeface="Courier New"/>
-                <a:cs typeface="Courier New"/>
-                <a:sym typeface="Courier New"/>
-              </a:rPr>
-              <a:t>Exception</a:t>
-            </a:r>
-            <a:r>
-              <a:rPr lang="ru" sz="1800">
-                <a:solidFill>
-                  <a:srgbClr val="A9B7C6"/>
-                </a:solidFill>
-                <a:highlight>
-                  <a:srgbClr val="2B2B2B"/>
-                </a:highlight>
-                <a:latin typeface="Courier New"/>
-                <a:ea typeface="Courier New"/>
-                <a:cs typeface="Courier New"/>
-                <a:sym typeface="Courier New"/>
-              </a:rPr>
-              <a:t>:</a:t>
-            </a:r>
-            <a:endParaRPr sz="1800">
-              <a:solidFill>
-                <a:srgbClr val="A9B7C6"/>
-              </a:solidFill>
-              <a:highlight>
-                <a:srgbClr val="2B2B2B"/>
-              </a:highlight>
-              <a:latin typeface="Courier New"/>
-              <a:ea typeface="Courier New"/>
-              <a:cs typeface="Courier New"/>
-              <a:sym typeface="Courier New"/>
-            </a:endParaRPr>
-          </a:p>
-          <a:p>
-            <a:pPr indent="0" lvl="0" marL="0" rtl="0" algn="l">
-              <a:spcBef>
-                <a:spcPts val="0"/>
-              </a:spcBef>
-              <a:spcAft>
-                <a:spcPts val="0"/>
-              </a:spcAft>
-              <a:buClr>
-                <a:schemeClr val="dk1"/>
-              </a:buClr>
-              <a:buSzPts val="1100"/>
-              <a:buFont typeface="Arial"/>
-              <a:buNone/>
-            </a:pPr>
-            <a:r>
-              <a:rPr lang="ru" sz="1800">
-                <a:solidFill>
-                  <a:srgbClr val="A9B7C6"/>
-                </a:solidFill>
-                <a:highlight>
-                  <a:srgbClr val="2B2B2B"/>
-                </a:highlight>
-                <a:latin typeface="Courier New"/>
-                <a:ea typeface="Courier New"/>
-                <a:cs typeface="Courier New"/>
-                <a:sym typeface="Courier New"/>
-              </a:rPr>
-              <a:t>       </a:t>
-            </a:r>
-            <a:r>
-              <a:rPr lang="ru" sz="1800">
-                <a:solidFill>
-                  <a:srgbClr val="808080"/>
-                </a:solidFill>
-                <a:highlight>
-                  <a:srgbClr val="2B2B2B"/>
-                </a:highlight>
-                <a:latin typeface="Courier New"/>
-                <a:ea typeface="Courier New"/>
-                <a:cs typeface="Courier New"/>
-                <a:sym typeface="Courier New"/>
-              </a:rPr>
-              <a:t>reply </a:t>
-            </a:r>
-            <a:r>
-              <a:rPr lang="ru" sz="1800">
-                <a:solidFill>
-                  <a:srgbClr val="A9B7C6"/>
-                </a:solidFill>
-                <a:highlight>
-                  <a:srgbClr val="2B2B2B"/>
-                </a:highlight>
-                <a:latin typeface="Courier New"/>
-                <a:ea typeface="Courier New"/>
-                <a:cs typeface="Courier New"/>
-                <a:sym typeface="Courier New"/>
-              </a:rPr>
-              <a:t>= QMessageBox.question(</a:t>
-            </a:r>
-            <a:r>
-              <a:rPr lang="ru" sz="1800">
-                <a:solidFill>
-                  <a:srgbClr val="94558D"/>
-                </a:solidFill>
-                <a:highlight>
-                  <a:srgbClr val="2B2B2B"/>
-                </a:highlight>
-                <a:latin typeface="Courier New"/>
-                <a:ea typeface="Courier New"/>
-                <a:cs typeface="Courier New"/>
-                <a:sym typeface="Courier New"/>
-              </a:rPr>
-              <a:t>self</a:t>
-            </a:r>
-            <a:r>
-              <a:rPr lang="ru" sz="1800">
-                <a:solidFill>
-                  <a:srgbClr val="CC7832"/>
-                </a:solidFill>
-                <a:highlight>
-                  <a:srgbClr val="2B2B2B"/>
-                </a:highlight>
-                <a:latin typeface="Courier New"/>
-                <a:ea typeface="Courier New"/>
-                <a:cs typeface="Courier New"/>
-                <a:sym typeface="Courier New"/>
-              </a:rPr>
-              <a:t>, </a:t>
-            </a:r>
-            <a:r>
-              <a:rPr lang="ru" sz="1800">
-                <a:solidFill>
-                  <a:srgbClr val="6A8759"/>
-                </a:solidFill>
-                <a:highlight>
-                  <a:srgbClr val="2B2B2B"/>
-                </a:highlight>
-                <a:latin typeface="Courier New"/>
-                <a:ea typeface="Courier New"/>
-                <a:cs typeface="Courier New"/>
-                <a:sym typeface="Courier New"/>
-              </a:rPr>
-              <a:t>'Ошибка'</a:t>
-            </a:r>
-            <a:r>
-              <a:rPr lang="ru" sz="1800">
-                <a:solidFill>
-                  <a:srgbClr val="CC7832"/>
-                </a:solidFill>
-                <a:highlight>
-                  <a:srgbClr val="2B2B2B"/>
-                </a:highlight>
-                <a:latin typeface="Courier New"/>
-                <a:ea typeface="Courier New"/>
-                <a:cs typeface="Courier New"/>
-                <a:sym typeface="Courier New"/>
-              </a:rPr>
-              <a:t>, </a:t>
-            </a:r>
-            <a:r>
-              <a:rPr lang="ru" sz="1800">
-                <a:solidFill>
-                  <a:srgbClr val="6A8759"/>
-                </a:solidFill>
-                <a:highlight>
-                  <a:srgbClr val="2B2B2B"/>
-                </a:highlight>
-                <a:latin typeface="Courier New"/>
-                <a:ea typeface="Courier New"/>
-                <a:cs typeface="Courier New"/>
-                <a:sym typeface="Courier New"/>
-              </a:rPr>
-              <a:t>"Неправильно указан путь"</a:t>
-            </a:r>
-            <a:r>
-              <a:rPr lang="ru" sz="1800">
-                <a:solidFill>
-                  <a:srgbClr val="CC7832"/>
-                </a:solidFill>
-                <a:highlight>
-                  <a:srgbClr val="2B2B2B"/>
-                </a:highlight>
-                <a:latin typeface="Courier New"/>
-                <a:ea typeface="Courier New"/>
-                <a:cs typeface="Courier New"/>
-                <a:sym typeface="Courier New"/>
-              </a:rPr>
-              <a:t>,</a:t>
-            </a:r>
-            <a:endParaRPr sz="1800">
-              <a:solidFill>
-                <a:srgbClr val="CC7832"/>
-              </a:solidFill>
-              <a:highlight>
-                <a:srgbClr val="2B2B2B"/>
-              </a:highlight>
-              <a:latin typeface="Courier New"/>
-              <a:ea typeface="Courier New"/>
-              <a:cs typeface="Courier New"/>
-              <a:sym typeface="Courier New"/>
-            </a:endParaRPr>
-          </a:p>
-          <a:p>
-            <a:pPr indent="0" lvl="0" marL="0" rtl="0" algn="l">
-              <a:spcBef>
-                <a:spcPts val="0"/>
-              </a:spcBef>
-              <a:spcAft>
-                <a:spcPts val="0"/>
-              </a:spcAft>
-              <a:buClr>
-                <a:schemeClr val="dk1"/>
-              </a:buClr>
-              <a:buSzPts val="1100"/>
-              <a:buFont typeface="Arial"/>
-              <a:buNone/>
-            </a:pPr>
-            <a:r>
-              <a:rPr lang="ru" sz="1800">
-                <a:solidFill>
-                  <a:srgbClr val="CC7832"/>
-                </a:solidFill>
-                <a:highlight>
-                  <a:srgbClr val="2B2B2B"/>
-                </a:highlight>
-                <a:latin typeface="Courier New"/>
-                <a:ea typeface="Courier New"/>
-                <a:cs typeface="Courier New"/>
-                <a:sym typeface="Courier New"/>
-              </a:rPr>
-              <a:t>                                    </a:t>
-            </a:r>
-            <a:r>
-              <a:rPr lang="ru" sz="1800">
-                <a:solidFill>
-                  <a:srgbClr val="A9B7C6"/>
-                </a:solidFill>
-                <a:highlight>
-                  <a:srgbClr val="2B2B2B"/>
-                </a:highlight>
-                <a:latin typeface="Courier New"/>
-                <a:ea typeface="Courier New"/>
-                <a:cs typeface="Courier New"/>
-                <a:sym typeface="Courier New"/>
-              </a:rPr>
-              <a:t>QMessageBox.Ok</a:t>
-            </a:r>
-            <a:r>
-              <a:rPr lang="ru" sz="1800">
-                <a:solidFill>
-                  <a:srgbClr val="CC7832"/>
-                </a:solidFill>
-                <a:highlight>
-                  <a:srgbClr val="2B2B2B"/>
-                </a:highlight>
-                <a:latin typeface="Courier New"/>
-                <a:ea typeface="Courier New"/>
-                <a:cs typeface="Courier New"/>
-                <a:sym typeface="Courier New"/>
-              </a:rPr>
-              <a:t>, </a:t>
-            </a:r>
-            <a:r>
-              <a:rPr lang="ru" sz="1800">
-                <a:solidFill>
-                  <a:srgbClr val="A9B7C6"/>
-                </a:solidFill>
-                <a:highlight>
-                  <a:srgbClr val="2B2B2B"/>
-                </a:highlight>
-                <a:latin typeface="Courier New"/>
-                <a:ea typeface="Courier New"/>
-                <a:cs typeface="Courier New"/>
-                <a:sym typeface="Courier New"/>
-              </a:rPr>
-              <a:t>QMessageBox.Ok)</a:t>
-            </a:r>
-            <a:endParaRPr sz="1800">
-              <a:solidFill>
-                <a:srgbClr val="A9B7C6"/>
-              </a:solidFill>
-              <a:highlight>
-                <a:srgbClr val="2B2B2B"/>
-              </a:highlight>
-              <a:latin typeface="Courier New"/>
-              <a:ea typeface="Courier New"/>
-              <a:cs typeface="Courier New"/>
-              <a:sym typeface="Courier New"/>
-            </a:endParaRPr>
-          </a:p>
-          <a:p>
-            <a:pPr indent="0" lvl="0" marL="0" rtl="0" algn="l">
-              <a:spcBef>
-                <a:spcPts val="0"/>
-              </a:spcBef>
-              <a:spcAft>
-                <a:spcPts val="0"/>
-              </a:spcAft>
-              <a:buNone/>
-            </a:pPr>
-            <a:r>
-              <a:t/>
+              <a:rPr lang="ru"/>
+              <a:t>Место, куда скопировали содержимое</a:t>
             </a:r>
             <a:endParaRPr/>
           </a:p>
         </p:txBody>
       </p:sp>
+    </p:spTree>
+  </p:cSld>
+  <p:clrMapOvr>
+    <a:masterClrMapping/>
+  </p:clrMapOvr>
+</p:sld>
+</file>
+
+<file path=ppt/slides/slide7.xml><?xml version="1.0" encoding="utf-8"?>
+<p:sld xmlns:a="http://schemas.openxmlformats.org/drawingml/2006/main" xmlns:r="http://schemas.openxmlformats.org/officeDocument/2006/relationships" xmlns:mc="http://schemas.openxmlformats.org/markup-compatibility/2006" xmlns:mv="urn:schemas-microsoft-com:mac:vml" xmlns:p="http://schemas.openxmlformats.org/presentationml/2006/main" xmlns:c="http://schemas.openxmlformats.org/drawingml/2006/chart" xmlns:dgm="http://schemas.openxmlformats.org/drawingml/2006/diagram" xmlns:o="urn:schemas-microsoft-com:office:office" xmlns:v="urn:schemas-microsoft-com:vml" xmlns:pvml="urn:schemas-microsoft-com:office:powerpoint" xmlns:com="http://schemas.openxmlformats.org/drawingml/2006/compatibility" xmlns:p14="http://schemas.microsoft.com/office/powerpoint/2010/main" xmlns:p15="http://schemas.microsoft.com/office/powerpoint/2012/main">
+  <p:cSld>
+    <p:spTree>
+      <p:nvGrpSpPr>
+        <p:cNvPr id="95" name="Shape 95"/>
+        <p:cNvGrpSpPr/>
+        <p:nvPr/>
+      </p:nvGrpSpPr>
+      <p:grpSpPr>
+        <a:xfrm>
+          <a:off x="0" y="0"/>
+          <a:ext cx="0" cy="0"/>
+          <a:chOff x="0" y="0"/>
+          <a:chExt cx="0" cy="0"/>
+        </a:xfrm>
+      </p:grpSpPr>
       <p:sp>
         <p:nvSpPr>
-          <p:cNvPr id="84" name="Google Shape;84;p18"/>
+          <p:cNvPr id="96" name="Google Shape;96;p19"/>
           <p:cNvSpPr txBox="1"/>
           <p:nvPr/>
         </p:nvSpPr>
         <p:spPr>
           <a:xfrm>
-            <a:off x="3093800" y="4018450"/>
+            <a:off x="3382100" y="4248975"/>
             <a:ext cx="5070900" cy="683400"/>
           </a:xfrm>
           <a:prstGeom prst="rect">
@@ -10979,47 +7693,75 @@
             </a:pPr>
             <a:r>
               <a:rPr lang="ru" sz="1800"/>
-              <a:t>Функция копирования файла</a:t>
+              <a:t>Переименовать</a:t>
             </a:r>
             <a:endParaRPr sz="1800"/>
           </a:p>
         </p:txBody>
       </p:sp>
-    </p:spTree>
-  </p:cSld>
-  <p:clrMapOvr>
-    <a:masterClrMapping/>
-  </p:clrMapOvr>
-</p:sld>
-</file>
-
-<file path=ppt/slides/slide7.xml><?xml version="1.0" encoding="utf-8"?>
-<p:sld xmlns:a="http://schemas.openxmlformats.org/drawingml/2006/main" xmlns:r="http://schemas.openxmlformats.org/officeDocument/2006/relationships" xmlns:mc="http://schemas.openxmlformats.org/markup-compatibility/2006" xmlns:mv="urn:schemas-microsoft-com:mac:vml" xmlns:p="http://schemas.openxmlformats.org/presentationml/2006/main" xmlns:c="http://schemas.openxmlformats.org/drawingml/2006/chart" xmlns:dgm="http://schemas.openxmlformats.org/drawingml/2006/diagram" xmlns:o="urn:schemas-microsoft-com:office:office" xmlns:v="urn:schemas-microsoft-com:vml" xmlns:pvml="urn:schemas-microsoft-com:office:powerpoint" xmlns:com="http://schemas.openxmlformats.org/drawingml/2006/compatibility" xmlns:p14="http://schemas.microsoft.com/office/powerpoint/2010/main" xmlns:p15="http://schemas.microsoft.com/office/powerpoint/2012/main">
-  <p:cSld>
-    <p:spTree>
-      <p:nvGrpSpPr>
-        <p:cNvPr id="88" name="Shape 88"/>
-        <p:cNvGrpSpPr/>
-        <p:nvPr/>
-      </p:nvGrpSpPr>
-      <p:grpSpPr>
-        <a:xfrm>
-          <a:off x="0" y="0"/>
-          <a:ext cx="0" cy="0"/>
-          <a:chOff x="0" y="0"/>
-          <a:chExt cx="0" cy="0"/>
-        </a:xfrm>
-      </p:grpSpPr>
+      <p:pic>
+        <p:nvPicPr>
+          <p:cNvPr id="97" name="Google Shape;97;p19"/>
+          <p:cNvPicPr preferRelativeResize="0"/>
+          <p:nvPr/>
+        </p:nvPicPr>
+        <p:blipFill rotWithShape="1">
+          <a:blip r:embed="rId3">
+            <a:alphaModFix/>
+          </a:blip>
+          <a:srcRect b="24582" l="19813" r="19704" t="18644"/>
+          <a:stretch/>
+        </p:blipFill>
+        <p:spPr>
+          <a:xfrm>
+            <a:off x="1717750" y="186875"/>
+            <a:ext cx="5307574" cy="3985900"/>
+          </a:xfrm>
+          <a:prstGeom prst="rect">
+            <a:avLst/>
+          </a:prstGeom>
+          <a:noFill/>
+          <a:ln>
+            <a:noFill/>
+          </a:ln>
+        </p:spPr>
+      </p:pic>
+      <p:cxnSp>
+        <p:nvCxnSpPr>
+          <p:cNvPr id="98" name="Google Shape;98;p19"/>
+          <p:cNvCxnSpPr/>
+          <p:nvPr/>
+        </p:nvCxnSpPr>
+        <p:spPr>
+          <a:xfrm flipH="1" rot="10800000">
+            <a:off x="1489425" y="2253075"/>
+            <a:ext cx="2281200" cy="518400"/>
+          </a:xfrm>
+          <a:prstGeom prst="straightConnector1">
+            <a:avLst/>
+          </a:prstGeom>
+          <a:noFill/>
+          <a:ln cap="flat" cmpd="sng" w="9525">
+            <a:solidFill>
+              <a:schemeClr val="dk2"/>
+            </a:solidFill>
+            <a:prstDash val="solid"/>
+            <a:round/>
+            <a:headEnd len="med" w="med" type="none"/>
+            <a:tailEnd len="med" w="med" type="triangle"/>
+          </a:ln>
+        </p:spPr>
+      </p:cxnSp>
       <p:sp>
         <p:nvSpPr>
-          <p:cNvPr id="89" name="Google Shape;89;p19"/>
+          <p:cNvPr id="99" name="Google Shape;99;p19"/>
           <p:cNvSpPr txBox="1"/>
           <p:nvPr/>
         </p:nvSpPr>
         <p:spPr>
           <a:xfrm>
-            <a:off x="191350" y="300700"/>
-            <a:ext cx="8638200" cy="3854400"/>
+            <a:off x="254525" y="2573525"/>
+            <a:ext cx="1187700" cy="848400"/>
           </a:xfrm>
           <a:prstGeom prst="rect">
             <a:avLst/>
@@ -11045,976 +7787,75 @@
               <a:buNone/>
             </a:pPr>
             <a:r>
-              <a:rPr lang="ru" sz="1800">
-                <a:solidFill>
-                  <a:srgbClr val="CC7832"/>
-                </a:solidFill>
-                <a:highlight>
-                  <a:srgbClr val="2B2B2B"/>
-                </a:highlight>
-                <a:latin typeface="Courier New"/>
-                <a:ea typeface="Courier New"/>
-                <a:cs typeface="Courier New"/>
-                <a:sym typeface="Courier New"/>
-              </a:rPr>
-              <a:t>def </a:t>
-            </a:r>
-            <a:r>
-              <a:rPr lang="ru" sz="1800">
-                <a:solidFill>
-                  <a:srgbClr val="FFC66D"/>
-                </a:solidFill>
-                <a:highlight>
-                  <a:srgbClr val="2B2B2B"/>
-                </a:highlight>
-                <a:latin typeface="Courier New"/>
-                <a:ea typeface="Courier New"/>
-                <a:cs typeface="Courier New"/>
-                <a:sym typeface="Courier New"/>
-              </a:rPr>
-              <a:t>rename</a:t>
-            </a:r>
-            <a:r>
-              <a:rPr lang="ru" sz="1800">
-                <a:solidFill>
-                  <a:srgbClr val="A9B7C6"/>
-                </a:solidFill>
-                <a:highlight>
-                  <a:srgbClr val="2B2B2B"/>
-                </a:highlight>
-                <a:latin typeface="Courier New"/>
-                <a:ea typeface="Courier New"/>
-                <a:cs typeface="Courier New"/>
-                <a:sym typeface="Courier New"/>
-              </a:rPr>
-              <a:t>(</a:t>
-            </a:r>
-            <a:r>
-              <a:rPr lang="ru" sz="1800">
-                <a:solidFill>
-                  <a:srgbClr val="94558D"/>
-                </a:solidFill>
-                <a:highlight>
-                  <a:srgbClr val="2B2B2B"/>
-                </a:highlight>
-                <a:latin typeface="Courier New"/>
-                <a:ea typeface="Courier New"/>
-                <a:cs typeface="Courier New"/>
-                <a:sym typeface="Courier New"/>
-              </a:rPr>
-              <a:t>self</a:t>
-            </a:r>
-            <a:r>
-              <a:rPr lang="ru" sz="1800">
-                <a:solidFill>
-                  <a:srgbClr val="A9B7C6"/>
-                </a:solidFill>
-                <a:highlight>
-                  <a:srgbClr val="2B2B2B"/>
-                </a:highlight>
-                <a:latin typeface="Courier New"/>
-                <a:ea typeface="Courier New"/>
-                <a:cs typeface="Courier New"/>
-                <a:sym typeface="Courier New"/>
-              </a:rPr>
-              <a:t>):</a:t>
-            </a:r>
-            <a:endParaRPr sz="1800">
-              <a:solidFill>
-                <a:srgbClr val="A9B7C6"/>
-              </a:solidFill>
-              <a:highlight>
-                <a:srgbClr val="2B2B2B"/>
-              </a:highlight>
-              <a:latin typeface="Courier New"/>
-              <a:ea typeface="Courier New"/>
-              <a:cs typeface="Courier New"/>
-              <a:sym typeface="Courier New"/>
-            </a:endParaRPr>
-          </a:p>
-          <a:p>
-            <a:pPr indent="0" lvl="0" marL="0" rtl="0" algn="l">
-              <a:spcBef>
-                <a:spcPts val="0"/>
-              </a:spcBef>
-              <a:spcAft>
-                <a:spcPts val="0"/>
-              </a:spcAft>
-              <a:buNone/>
-            </a:pPr>
-            <a:r>
-              <a:rPr lang="ru" sz="1800">
-                <a:solidFill>
-                  <a:srgbClr val="A9B7C6"/>
-                </a:solidFill>
-                <a:highlight>
-                  <a:srgbClr val="2B2B2B"/>
-                </a:highlight>
-                <a:latin typeface="Courier New"/>
-                <a:ea typeface="Courier New"/>
-                <a:cs typeface="Courier New"/>
-                <a:sym typeface="Courier New"/>
-              </a:rPr>
-              <a:t>   text = </a:t>
-            </a:r>
-            <a:r>
-              <a:rPr lang="ru" sz="1800">
-                <a:solidFill>
-                  <a:srgbClr val="94558D"/>
-                </a:solidFill>
-                <a:highlight>
-                  <a:srgbClr val="2B2B2B"/>
-                </a:highlight>
-                <a:latin typeface="Courier New"/>
-                <a:ea typeface="Courier New"/>
-                <a:cs typeface="Courier New"/>
-                <a:sym typeface="Courier New"/>
-              </a:rPr>
-              <a:t>self</a:t>
-            </a:r>
-            <a:r>
-              <a:rPr lang="ru" sz="1800">
-                <a:solidFill>
-                  <a:srgbClr val="A9B7C6"/>
-                </a:solidFill>
-                <a:highlight>
-                  <a:srgbClr val="2B2B2B"/>
-                </a:highlight>
-                <a:latin typeface="Courier New"/>
-                <a:ea typeface="Courier New"/>
-                <a:cs typeface="Courier New"/>
-                <a:sym typeface="Courier New"/>
-              </a:rPr>
-              <a:t>.lineEdit.text()</a:t>
-            </a:r>
-            <a:endParaRPr sz="1800">
-              <a:solidFill>
-                <a:srgbClr val="A9B7C6"/>
-              </a:solidFill>
-              <a:highlight>
-                <a:srgbClr val="2B2B2B"/>
-              </a:highlight>
-              <a:latin typeface="Courier New"/>
-              <a:ea typeface="Courier New"/>
-              <a:cs typeface="Courier New"/>
-              <a:sym typeface="Courier New"/>
-            </a:endParaRPr>
-          </a:p>
-          <a:p>
-            <a:pPr indent="0" lvl="0" marL="0" rtl="0" algn="l">
-              <a:spcBef>
-                <a:spcPts val="0"/>
-              </a:spcBef>
-              <a:spcAft>
-                <a:spcPts val="0"/>
-              </a:spcAft>
-              <a:buNone/>
-            </a:pPr>
-            <a:r>
-              <a:rPr lang="ru" sz="1800">
-                <a:solidFill>
-                  <a:srgbClr val="A9B7C6"/>
-                </a:solidFill>
-                <a:highlight>
-                  <a:srgbClr val="2B2B2B"/>
-                </a:highlight>
-                <a:latin typeface="Courier New"/>
-                <a:ea typeface="Courier New"/>
-                <a:cs typeface="Courier New"/>
-                <a:sym typeface="Courier New"/>
-              </a:rPr>
-              <a:t>   </a:t>
-            </a:r>
-            <a:r>
-              <a:rPr lang="ru" sz="1800">
-                <a:solidFill>
-                  <a:srgbClr val="CC7832"/>
-                </a:solidFill>
-                <a:highlight>
-                  <a:srgbClr val="2B2B2B"/>
-                </a:highlight>
-                <a:latin typeface="Courier New"/>
-                <a:ea typeface="Courier New"/>
-                <a:cs typeface="Courier New"/>
-                <a:sym typeface="Courier New"/>
-              </a:rPr>
-              <a:t>try</a:t>
-            </a:r>
-            <a:r>
-              <a:rPr lang="ru" sz="1800">
-                <a:solidFill>
-                  <a:srgbClr val="A9B7C6"/>
-                </a:solidFill>
-                <a:highlight>
-                  <a:srgbClr val="2B2B2B"/>
-                </a:highlight>
-                <a:latin typeface="Courier New"/>
-                <a:ea typeface="Courier New"/>
-                <a:cs typeface="Courier New"/>
-                <a:sym typeface="Courier New"/>
-              </a:rPr>
-              <a:t>:</a:t>
-            </a:r>
-            <a:endParaRPr sz="1800">
-              <a:solidFill>
-                <a:srgbClr val="A9B7C6"/>
-              </a:solidFill>
-              <a:highlight>
-                <a:srgbClr val="2B2B2B"/>
-              </a:highlight>
-              <a:latin typeface="Courier New"/>
-              <a:ea typeface="Courier New"/>
-              <a:cs typeface="Courier New"/>
-              <a:sym typeface="Courier New"/>
-            </a:endParaRPr>
-          </a:p>
-          <a:p>
-            <a:pPr indent="0" lvl="0" marL="0" rtl="0" algn="l">
-              <a:spcBef>
-                <a:spcPts val="0"/>
-              </a:spcBef>
-              <a:spcAft>
-                <a:spcPts val="0"/>
-              </a:spcAft>
-              <a:buNone/>
-            </a:pPr>
-            <a:r>
-              <a:rPr lang="ru" sz="1800">
-                <a:solidFill>
-                  <a:srgbClr val="A9B7C6"/>
-                </a:solidFill>
-                <a:highlight>
-                  <a:srgbClr val="2B2B2B"/>
-                </a:highlight>
-                <a:latin typeface="Courier New"/>
-                <a:ea typeface="Courier New"/>
-                <a:cs typeface="Courier New"/>
-                <a:sym typeface="Courier New"/>
-              </a:rPr>
-              <a:t>       i</a:t>
-            </a:r>
-            <a:r>
-              <a:rPr lang="ru" sz="1800">
-                <a:solidFill>
-                  <a:srgbClr val="CC7832"/>
-                </a:solidFill>
-                <a:highlight>
-                  <a:srgbClr val="2B2B2B"/>
-                </a:highlight>
-                <a:latin typeface="Courier New"/>
-                <a:ea typeface="Courier New"/>
-                <a:cs typeface="Courier New"/>
-                <a:sym typeface="Courier New"/>
-              </a:rPr>
-              <a:t>, </a:t>
-            </a:r>
-            <a:r>
-              <a:rPr lang="ru" sz="1800">
-                <a:solidFill>
-                  <a:srgbClr val="A9B7C6"/>
-                </a:solidFill>
-                <a:highlight>
-                  <a:srgbClr val="2B2B2B"/>
-                </a:highlight>
-                <a:latin typeface="Courier New"/>
-                <a:ea typeface="Courier New"/>
-                <a:cs typeface="Courier New"/>
-                <a:sym typeface="Courier New"/>
-              </a:rPr>
-              <a:t>okBtnPressed = QInputDialog.getText(</a:t>
-            </a:r>
-            <a:endParaRPr sz="1800">
-              <a:solidFill>
-                <a:srgbClr val="A9B7C6"/>
-              </a:solidFill>
-              <a:highlight>
-                <a:srgbClr val="2B2B2B"/>
-              </a:highlight>
-              <a:latin typeface="Courier New"/>
-              <a:ea typeface="Courier New"/>
-              <a:cs typeface="Courier New"/>
-              <a:sym typeface="Courier New"/>
-            </a:endParaRPr>
-          </a:p>
-          <a:p>
-            <a:pPr indent="0" lvl="0" marL="0" rtl="0" algn="l">
-              <a:spcBef>
-                <a:spcPts val="0"/>
-              </a:spcBef>
-              <a:spcAft>
-                <a:spcPts val="0"/>
-              </a:spcAft>
-              <a:buNone/>
-            </a:pPr>
-            <a:r>
-              <a:rPr lang="ru" sz="1800">
-                <a:solidFill>
-                  <a:srgbClr val="A9B7C6"/>
-                </a:solidFill>
-                <a:highlight>
-                  <a:srgbClr val="2B2B2B"/>
-                </a:highlight>
-                <a:latin typeface="Courier New"/>
-                <a:ea typeface="Courier New"/>
-                <a:cs typeface="Courier New"/>
-                <a:sym typeface="Courier New"/>
-              </a:rPr>
-              <a:t>           </a:t>
-            </a:r>
-            <a:r>
-              <a:rPr lang="ru" sz="1800">
-                <a:solidFill>
-                  <a:srgbClr val="94558D"/>
-                </a:solidFill>
-                <a:highlight>
-                  <a:srgbClr val="2B2B2B"/>
-                </a:highlight>
-                <a:latin typeface="Courier New"/>
-                <a:ea typeface="Courier New"/>
-                <a:cs typeface="Courier New"/>
-                <a:sym typeface="Courier New"/>
-              </a:rPr>
-              <a:t>self</a:t>
-            </a:r>
-            <a:r>
-              <a:rPr lang="ru" sz="1800">
-                <a:solidFill>
-                  <a:srgbClr val="CC7832"/>
-                </a:solidFill>
-                <a:highlight>
-                  <a:srgbClr val="2B2B2B"/>
-                </a:highlight>
-                <a:latin typeface="Courier New"/>
-                <a:ea typeface="Courier New"/>
-                <a:cs typeface="Courier New"/>
-                <a:sym typeface="Courier New"/>
-              </a:rPr>
-              <a:t>, </a:t>
-            </a:r>
-            <a:r>
-              <a:rPr lang="ru" sz="1800">
-                <a:solidFill>
-                  <a:srgbClr val="6A8759"/>
-                </a:solidFill>
-                <a:highlight>
-                  <a:srgbClr val="2B2B2B"/>
-                </a:highlight>
-                <a:latin typeface="Courier New"/>
-                <a:ea typeface="Courier New"/>
-                <a:cs typeface="Courier New"/>
-                <a:sym typeface="Courier New"/>
-              </a:rPr>
-              <a:t>"Введите имя"</a:t>
-            </a:r>
-            <a:r>
-              <a:rPr lang="ru" sz="1800">
-                <a:solidFill>
-                  <a:srgbClr val="CC7832"/>
-                </a:solidFill>
-                <a:highlight>
-                  <a:srgbClr val="2B2B2B"/>
-                </a:highlight>
-                <a:latin typeface="Courier New"/>
-                <a:ea typeface="Courier New"/>
-                <a:cs typeface="Courier New"/>
-                <a:sym typeface="Courier New"/>
-              </a:rPr>
-              <a:t>, </a:t>
-            </a:r>
-            <a:r>
-              <a:rPr lang="ru" sz="1800">
-                <a:solidFill>
-                  <a:srgbClr val="6A8759"/>
-                </a:solidFill>
-                <a:highlight>
-                  <a:srgbClr val="2B2B2B"/>
-                </a:highlight>
-                <a:latin typeface="Courier New"/>
-                <a:ea typeface="Courier New"/>
-                <a:cs typeface="Courier New"/>
-                <a:sym typeface="Courier New"/>
-              </a:rPr>
-              <a:t>"Как переименовать файл?"</a:t>
-            </a:r>
-            <a:endParaRPr sz="1800">
-              <a:solidFill>
-                <a:srgbClr val="6A8759"/>
-              </a:solidFill>
-              <a:highlight>
-                <a:srgbClr val="2B2B2B"/>
-              </a:highlight>
-              <a:latin typeface="Courier New"/>
-              <a:ea typeface="Courier New"/>
-              <a:cs typeface="Courier New"/>
-              <a:sym typeface="Courier New"/>
-            </a:endParaRPr>
-          </a:p>
-          <a:p>
-            <a:pPr indent="0" lvl="0" marL="0" rtl="0" algn="l">
-              <a:spcBef>
-                <a:spcPts val="0"/>
-              </a:spcBef>
-              <a:spcAft>
-                <a:spcPts val="0"/>
-              </a:spcAft>
-              <a:buNone/>
-            </a:pPr>
-            <a:r>
-              <a:rPr lang="ru" sz="1800">
-                <a:solidFill>
-                  <a:srgbClr val="6A8759"/>
-                </a:solidFill>
-                <a:highlight>
-                  <a:srgbClr val="2B2B2B"/>
-                </a:highlight>
-                <a:latin typeface="Courier New"/>
-                <a:ea typeface="Courier New"/>
-                <a:cs typeface="Courier New"/>
-                <a:sym typeface="Courier New"/>
-              </a:rPr>
-              <a:t>       </a:t>
-            </a:r>
-            <a:r>
-              <a:rPr lang="ru" sz="1800">
-                <a:solidFill>
-                  <a:srgbClr val="A9B7C6"/>
-                </a:solidFill>
-                <a:highlight>
-                  <a:srgbClr val="2B2B2B"/>
-                </a:highlight>
-                <a:latin typeface="Courier New"/>
-                <a:ea typeface="Courier New"/>
-                <a:cs typeface="Courier New"/>
-                <a:sym typeface="Courier New"/>
-              </a:rPr>
-              <a:t>)</a:t>
-            </a:r>
-            <a:endParaRPr sz="1800">
-              <a:solidFill>
-                <a:srgbClr val="A9B7C6"/>
-              </a:solidFill>
-              <a:highlight>
-                <a:srgbClr val="2B2B2B"/>
-              </a:highlight>
-              <a:latin typeface="Courier New"/>
-              <a:ea typeface="Courier New"/>
-              <a:cs typeface="Courier New"/>
-              <a:sym typeface="Courier New"/>
-            </a:endParaRPr>
-          </a:p>
-          <a:p>
-            <a:pPr indent="0" lvl="0" marL="0" rtl="0" algn="l">
-              <a:spcBef>
-                <a:spcPts val="0"/>
-              </a:spcBef>
-              <a:spcAft>
-                <a:spcPts val="0"/>
-              </a:spcAft>
-              <a:buNone/>
-            </a:pPr>
-            <a:r>
-              <a:rPr lang="ru" sz="1800">
-                <a:solidFill>
-                  <a:srgbClr val="A9B7C6"/>
-                </a:solidFill>
-                <a:highlight>
-                  <a:srgbClr val="2B2B2B"/>
-                </a:highlight>
-                <a:latin typeface="Courier New"/>
-                <a:ea typeface="Courier New"/>
-                <a:cs typeface="Courier New"/>
-                <a:sym typeface="Courier New"/>
-              </a:rPr>
-              <a:t>       </a:t>
-            </a:r>
-            <a:r>
-              <a:rPr lang="ru" sz="1800">
-                <a:solidFill>
-                  <a:srgbClr val="CC7832"/>
-                </a:solidFill>
-                <a:highlight>
-                  <a:srgbClr val="2B2B2B"/>
-                </a:highlight>
-                <a:latin typeface="Courier New"/>
-                <a:ea typeface="Courier New"/>
-                <a:cs typeface="Courier New"/>
-                <a:sym typeface="Courier New"/>
-              </a:rPr>
-              <a:t>if </a:t>
-            </a:r>
-            <a:r>
-              <a:rPr lang="ru" sz="1800">
-                <a:solidFill>
-                  <a:srgbClr val="A9B7C6"/>
-                </a:solidFill>
-                <a:highlight>
-                  <a:srgbClr val="2B2B2B"/>
-                </a:highlight>
-                <a:latin typeface="Courier New"/>
-                <a:ea typeface="Courier New"/>
-                <a:cs typeface="Courier New"/>
-                <a:sym typeface="Courier New"/>
-              </a:rPr>
-              <a:t>okBtnPressed:</a:t>
-            </a:r>
-            <a:endParaRPr sz="1800">
-              <a:solidFill>
-                <a:srgbClr val="A9B7C6"/>
-              </a:solidFill>
-              <a:highlight>
-                <a:srgbClr val="2B2B2B"/>
-              </a:highlight>
-              <a:latin typeface="Courier New"/>
-              <a:ea typeface="Courier New"/>
-              <a:cs typeface="Courier New"/>
-              <a:sym typeface="Courier New"/>
-            </a:endParaRPr>
-          </a:p>
-          <a:p>
-            <a:pPr indent="0" lvl="0" marL="0" rtl="0" algn="l">
-              <a:spcBef>
-                <a:spcPts val="0"/>
-              </a:spcBef>
-              <a:spcAft>
-                <a:spcPts val="0"/>
-              </a:spcAft>
-              <a:buNone/>
-            </a:pPr>
-            <a:r>
-              <a:rPr lang="ru" sz="1800">
-                <a:solidFill>
-                  <a:srgbClr val="A9B7C6"/>
-                </a:solidFill>
-                <a:highlight>
-                  <a:srgbClr val="2B2B2B"/>
-                </a:highlight>
-                <a:latin typeface="Courier New"/>
-                <a:ea typeface="Courier New"/>
-                <a:cs typeface="Courier New"/>
-                <a:sym typeface="Courier New"/>
-              </a:rPr>
-              <a:t>           os.rename(text</a:t>
-            </a:r>
-            <a:r>
-              <a:rPr lang="ru" sz="1800">
-                <a:solidFill>
-                  <a:srgbClr val="CC7832"/>
-                </a:solidFill>
-                <a:highlight>
-                  <a:srgbClr val="2B2B2B"/>
-                </a:highlight>
-                <a:latin typeface="Courier New"/>
-                <a:ea typeface="Courier New"/>
-                <a:cs typeface="Courier New"/>
-                <a:sym typeface="Courier New"/>
-              </a:rPr>
-              <a:t>, </a:t>
-            </a:r>
-            <a:r>
-              <a:rPr lang="ru" sz="1800">
-                <a:solidFill>
-                  <a:srgbClr val="A9B7C6"/>
-                </a:solidFill>
-                <a:highlight>
-                  <a:srgbClr val="2B2B2B"/>
-                </a:highlight>
-                <a:latin typeface="Courier New"/>
-                <a:ea typeface="Courier New"/>
-                <a:cs typeface="Courier New"/>
-                <a:sym typeface="Courier New"/>
-              </a:rPr>
-              <a:t>i)</a:t>
-            </a:r>
-            <a:endParaRPr sz="1800">
-              <a:solidFill>
-                <a:srgbClr val="A9B7C6"/>
-              </a:solidFill>
-              <a:highlight>
-                <a:srgbClr val="2B2B2B"/>
-              </a:highlight>
-              <a:latin typeface="Courier New"/>
-              <a:ea typeface="Courier New"/>
-              <a:cs typeface="Courier New"/>
-              <a:sym typeface="Courier New"/>
-            </a:endParaRPr>
-          </a:p>
-          <a:p>
-            <a:pPr indent="0" lvl="0" marL="0" rtl="0" algn="l">
-              <a:spcBef>
-                <a:spcPts val="0"/>
-              </a:spcBef>
-              <a:spcAft>
-                <a:spcPts val="0"/>
-              </a:spcAft>
-              <a:buNone/>
-            </a:pPr>
-            <a:r>
-              <a:rPr lang="ru" sz="1800">
-                <a:solidFill>
-                  <a:srgbClr val="A9B7C6"/>
-                </a:solidFill>
-                <a:highlight>
-                  <a:srgbClr val="2B2B2B"/>
-                </a:highlight>
-                <a:latin typeface="Courier New"/>
-                <a:ea typeface="Courier New"/>
-                <a:cs typeface="Courier New"/>
-                <a:sym typeface="Courier New"/>
-              </a:rPr>
-              <a:t>   </a:t>
-            </a:r>
-            <a:r>
-              <a:rPr lang="ru" sz="1800">
-                <a:solidFill>
-                  <a:srgbClr val="CC7832"/>
-                </a:solidFill>
-                <a:highlight>
-                  <a:srgbClr val="2B2B2B"/>
-                </a:highlight>
-                <a:latin typeface="Courier New"/>
-                <a:ea typeface="Courier New"/>
-                <a:cs typeface="Courier New"/>
-                <a:sym typeface="Courier New"/>
-              </a:rPr>
-              <a:t>except </a:t>
-            </a:r>
-            <a:r>
-              <a:rPr lang="ru" sz="1800">
-                <a:solidFill>
-                  <a:srgbClr val="8888C6"/>
-                </a:solidFill>
-                <a:highlight>
-                  <a:srgbClr val="2B2B2B"/>
-                </a:highlight>
-                <a:latin typeface="Courier New"/>
-                <a:ea typeface="Courier New"/>
-                <a:cs typeface="Courier New"/>
-                <a:sym typeface="Courier New"/>
-              </a:rPr>
-              <a:t>Exception</a:t>
-            </a:r>
-            <a:r>
-              <a:rPr lang="ru" sz="1800">
-                <a:solidFill>
-                  <a:srgbClr val="A9B7C6"/>
-                </a:solidFill>
-                <a:highlight>
-                  <a:srgbClr val="2B2B2B"/>
-                </a:highlight>
-                <a:latin typeface="Courier New"/>
-                <a:ea typeface="Courier New"/>
-                <a:cs typeface="Courier New"/>
-                <a:sym typeface="Courier New"/>
-              </a:rPr>
-              <a:t>:</a:t>
-            </a:r>
-            <a:endParaRPr sz="1800">
-              <a:solidFill>
-                <a:srgbClr val="A9B7C6"/>
-              </a:solidFill>
-              <a:highlight>
-                <a:srgbClr val="2B2B2B"/>
-              </a:highlight>
-              <a:latin typeface="Courier New"/>
-              <a:ea typeface="Courier New"/>
-              <a:cs typeface="Courier New"/>
-              <a:sym typeface="Courier New"/>
-            </a:endParaRPr>
-          </a:p>
-          <a:p>
-            <a:pPr indent="0" lvl="0" marL="0" rtl="0" algn="l">
-              <a:spcBef>
-                <a:spcPts val="0"/>
-              </a:spcBef>
-              <a:spcAft>
-                <a:spcPts val="0"/>
-              </a:spcAft>
-              <a:buNone/>
-            </a:pPr>
-            <a:r>
-              <a:rPr lang="ru" sz="1800">
-                <a:solidFill>
-                  <a:srgbClr val="A9B7C6"/>
-                </a:solidFill>
-                <a:highlight>
-                  <a:srgbClr val="2B2B2B"/>
-                </a:highlight>
-                <a:latin typeface="Courier New"/>
-                <a:ea typeface="Courier New"/>
-                <a:cs typeface="Courier New"/>
-                <a:sym typeface="Courier New"/>
-              </a:rPr>
-              <a:t>       </a:t>
-            </a:r>
-            <a:r>
-              <a:rPr lang="ru" sz="1800">
-                <a:solidFill>
-                  <a:srgbClr val="808080"/>
-                </a:solidFill>
-                <a:highlight>
-                  <a:srgbClr val="2B2B2B"/>
-                </a:highlight>
-                <a:latin typeface="Courier New"/>
-                <a:ea typeface="Courier New"/>
-                <a:cs typeface="Courier New"/>
-                <a:sym typeface="Courier New"/>
-              </a:rPr>
-              <a:t>reply </a:t>
-            </a:r>
-            <a:r>
-              <a:rPr lang="ru" sz="1800">
-                <a:solidFill>
-                  <a:srgbClr val="A9B7C6"/>
-                </a:solidFill>
-                <a:highlight>
-                  <a:srgbClr val="2B2B2B"/>
-                </a:highlight>
-                <a:latin typeface="Courier New"/>
-                <a:ea typeface="Courier New"/>
-                <a:cs typeface="Courier New"/>
-                <a:sym typeface="Courier New"/>
-              </a:rPr>
-              <a:t>= QMessageBox.question(</a:t>
-            </a:r>
-            <a:r>
-              <a:rPr lang="ru" sz="1800">
-                <a:solidFill>
-                  <a:srgbClr val="94558D"/>
-                </a:solidFill>
-                <a:highlight>
-                  <a:srgbClr val="2B2B2B"/>
-                </a:highlight>
-                <a:latin typeface="Courier New"/>
-                <a:ea typeface="Courier New"/>
-                <a:cs typeface="Courier New"/>
-                <a:sym typeface="Courier New"/>
-              </a:rPr>
-              <a:t>self</a:t>
-            </a:r>
-            <a:r>
-              <a:rPr lang="ru" sz="1800">
-                <a:solidFill>
-                  <a:srgbClr val="CC7832"/>
-                </a:solidFill>
-                <a:highlight>
-                  <a:srgbClr val="2B2B2B"/>
-                </a:highlight>
-                <a:latin typeface="Courier New"/>
-                <a:ea typeface="Courier New"/>
-                <a:cs typeface="Courier New"/>
-                <a:sym typeface="Courier New"/>
-              </a:rPr>
-              <a:t>, </a:t>
-            </a:r>
-            <a:r>
-              <a:rPr lang="ru" sz="1800">
-                <a:solidFill>
-                  <a:srgbClr val="6A8759"/>
-                </a:solidFill>
-                <a:highlight>
-                  <a:srgbClr val="2B2B2B"/>
-                </a:highlight>
-                <a:latin typeface="Courier New"/>
-                <a:ea typeface="Courier New"/>
-                <a:cs typeface="Courier New"/>
-                <a:sym typeface="Courier New"/>
-              </a:rPr>
-              <a:t>'Ошибка'</a:t>
-            </a:r>
-            <a:r>
-              <a:rPr lang="ru" sz="1800">
-                <a:solidFill>
-                  <a:srgbClr val="CC7832"/>
-                </a:solidFill>
-                <a:highlight>
-                  <a:srgbClr val="2B2B2B"/>
-                </a:highlight>
-                <a:latin typeface="Courier New"/>
-                <a:ea typeface="Courier New"/>
-                <a:cs typeface="Courier New"/>
-                <a:sym typeface="Courier New"/>
-              </a:rPr>
-              <a:t>, </a:t>
-            </a:r>
-            <a:r>
-              <a:rPr lang="ru" sz="1800">
-                <a:solidFill>
-                  <a:srgbClr val="6A8759"/>
-                </a:solidFill>
-                <a:highlight>
-                  <a:srgbClr val="2B2B2B"/>
-                </a:highlight>
-                <a:latin typeface="Courier New"/>
-                <a:ea typeface="Courier New"/>
-                <a:cs typeface="Courier New"/>
-                <a:sym typeface="Courier New"/>
-              </a:rPr>
-              <a:t>"Невозможное имя файла"</a:t>
-            </a:r>
-            <a:r>
-              <a:rPr lang="ru" sz="1800">
-                <a:solidFill>
-                  <a:srgbClr val="CC7832"/>
-                </a:solidFill>
-                <a:highlight>
-                  <a:srgbClr val="2B2B2B"/>
-                </a:highlight>
-                <a:latin typeface="Courier New"/>
-                <a:ea typeface="Courier New"/>
-                <a:cs typeface="Courier New"/>
-                <a:sym typeface="Courier New"/>
-              </a:rPr>
-              <a:t>,</a:t>
-            </a:r>
-            <a:endParaRPr sz="1800">
-              <a:solidFill>
-                <a:srgbClr val="CC7832"/>
-              </a:solidFill>
-              <a:highlight>
-                <a:srgbClr val="2B2B2B"/>
-              </a:highlight>
-              <a:latin typeface="Courier New"/>
-              <a:ea typeface="Courier New"/>
-              <a:cs typeface="Courier New"/>
-              <a:sym typeface="Courier New"/>
-            </a:endParaRPr>
-          </a:p>
-          <a:p>
-            <a:pPr indent="0" lvl="0" marL="0" rtl="0" algn="l">
-              <a:spcBef>
-                <a:spcPts val="0"/>
-              </a:spcBef>
-              <a:spcAft>
-                <a:spcPts val="0"/>
-              </a:spcAft>
-              <a:buNone/>
-            </a:pPr>
-            <a:r>
-              <a:rPr lang="ru" sz="1800">
-                <a:solidFill>
-                  <a:srgbClr val="CC7832"/>
-                </a:solidFill>
-                <a:highlight>
-                  <a:srgbClr val="2B2B2B"/>
-                </a:highlight>
-                <a:latin typeface="Courier New"/>
-                <a:ea typeface="Courier New"/>
-                <a:cs typeface="Courier New"/>
-                <a:sym typeface="Courier New"/>
-              </a:rPr>
-              <a:t>                                    </a:t>
-            </a:r>
-            <a:r>
-              <a:rPr lang="ru" sz="1800">
-                <a:solidFill>
-                  <a:srgbClr val="A9B7C6"/>
-                </a:solidFill>
-                <a:highlight>
-                  <a:srgbClr val="2B2B2B"/>
-                </a:highlight>
-                <a:latin typeface="Courier New"/>
-                <a:ea typeface="Courier New"/>
-                <a:cs typeface="Courier New"/>
-                <a:sym typeface="Courier New"/>
-              </a:rPr>
-              <a:t>QMessageBox.Ok</a:t>
-            </a:r>
-            <a:r>
-              <a:rPr lang="ru" sz="1800">
-                <a:solidFill>
-                  <a:srgbClr val="CC7832"/>
-                </a:solidFill>
-                <a:highlight>
-                  <a:srgbClr val="2B2B2B"/>
-                </a:highlight>
-                <a:latin typeface="Courier New"/>
-                <a:ea typeface="Courier New"/>
-                <a:cs typeface="Courier New"/>
-                <a:sym typeface="Courier New"/>
-              </a:rPr>
-              <a:t>, </a:t>
-            </a:r>
-            <a:r>
-              <a:rPr lang="ru" sz="1800">
-                <a:solidFill>
-                  <a:srgbClr val="A9B7C6"/>
-                </a:solidFill>
-                <a:highlight>
-                  <a:srgbClr val="2B2B2B"/>
-                </a:highlight>
-                <a:latin typeface="Courier New"/>
-                <a:ea typeface="Courier New"/>
-                <a:cs typeface="Courier New"/>
-                <a:sym typeface="Courier New"/>
-              </a:rPr>
-              <a:t>QMessageBox.Ok)</a:t>
-            </a:r>
-            <a:endParaRPr sz="1800">
-              <a:solidFill>
-                <a:srgbClr val="A9B7C6"/>
-              </a:solidFill>
-              <a:highlight>
-                <a:srgbClr val="2B2B2B"/>
-              </a:highlight>
-              <a:latin typeface="Courier New"/>
-              <a:ea typeface="Courier New"/>
-              <a:cs typeface="Courier New"/>
-              <a:sym typeface="Courier New"/>
-            </a:endParaRPr>
-          </a:p>
-          <a:p>
-            <a:pPr indent="0" lvl="0" marL="0" rtl="0" algn="l">
-              <a:spcBef>
-                <a:spcPts val="0"/>
-              </a:spcBef>
-              <a:spcAft>
-                <a:spcPts val="0"/>
-              </a:spcAft>
-              <a:buNone/>
-            </a:pPr>
-            <a:r>
-              <a:t/>
-            </a:r>
-            <a:endParaRPr sz="1800">
-              <a:solidFill>
-                <a:srgbClr val="CC7832"/>
-              </a:solidFill>
-              <a:highlight>
-                <a:srgbClr val="2B2B2B"/>
-              </a:highlight>
-              <a:latin typeface="Courier New"/>
-              <a:ea typeface="Courier New"/>
-              <a:cs typeface="Courier New"/>
-              <a:sym typeface="Courier New"/>
-            </a:endParaRPr>
-          </a:p>
-          <a:p>
-            <a:pPr indent="0" lvl="0" marL="0" rtl="0" algn="l">
-              <a:spcBef>
-                <a:spcPts val="0"/>
-              </a:spcBef>
-              <a:spcAft>
-                <a:spcPts val="0"/>
-              </a:spcAft>
-              <a:buNone/>
-            </a:pPr>
-            <a:r>
-              <a:t/>
+              <a:rPr lang="ru"/>
+              <a:t>Новое имя файла</a:t>
             </a:r>
             <a:endParaRPr/>
           </a:p>
         </p:txBody>
       </p:sp>
+    </p:spTree>
+  </p:cSld>
+  <p:clrMapOvr>
+    <a:masterClrMapping/>
+  </p:clrMapOvr>
+</p:sld>
+</file>
+
+<file path=ppt/slides/slide8.xml><?xml version="1.0" encoding="utf-8"?>
+<p:sld xmlns:a="http://schemas.openxmlformats.org/drawingml/2006/main" xmlns:r="http://schemas.openxmlformats.org/officeDocument/2006/relationships" xmlns:mc="http://schemas.openxmlformats.org/markup-compatibility/2006" xmlns:mv="urn:schemas-microsoft-com:mac:vml" xmlns:p="http://schemas.openxmlformats.org/presentationml/2006/main" xmlns:c="http://schemas.openxmlformats.org/drawingml/2006/chart" xmlns:dgm="http://schemas.openxmlformats.org/drawingml/2006/diagram" xmlns:o="urn:schemas-microsoft-com:office:office" xmlns:v="urn:schemas-microsoft-com:vml" xmlns:pvml="urn:schemas-microsoft-com:office:powerpoint" xmlns:com="http://schemas.openxmlformats.org/drawingml/2006/compatibility" xmlns:p14="http://schemas.microsoft.com/office/powerpoint/2010/main" xmlns:p15="http://schemas.microsoft.com/office/powerpoint/2012/main">
+  <p:cSld>
+    <p:spTree>
+      <p:nvGrpSpPr>
+        <p:cNvPr id="103" name="Shape 103"/>
+        <p:cNvGrpSpPr/>
+        <p:nvPr/>
+      </p:nvGrpSpPr>
+      <p:grpSpPr>
+        <a:xfrm>
+          <a:off x="0" y="0"/>
+          <a:ext cx="0" cy="0"/>
+          <a:chOff x="0" y="0"/>
+          <a:chExt cx="0" cy="0"/>
+        </a:xfrm>
+      </p:grpSpPr>
+      <p:pic>
+        <p:nvPicPr>
+          <p:cNvPr id="104" name="Google Shape;104;p20"/>
+          <p:cNvPicPr preferRelativeResize="0"/>
+          <p:nvPr/>
+        </p:nvPicPr>
+        <p:blipFill rotWithShape="1">
+          <a:blip r:embed="rId3">
+            <a:alphaModFix/>
+          </a:blip>
+          <a:srcRect b="24440" l="19922" r="19759" t="18282"/>
+          <a:stretch/>
+        </p:blipFill>
+        <p:spPr>
+          <a:xfrm>
+            <a:off x="1704675" y="168900"/>
+            <a:ext cx="5261325" cy="3996951"/>
+          </a:xfrm>
+          <a:prstGeom prst="rect">
+            <a:avLst/>
+          </a:prstGeom>
+          <a:noFill/>
+          <a:ln>
+            <a:noFill/>
+          </a:ln>
+        </p:spPr>
+      </p:pic>
       <p:sp>
         <p:nvSpPr>
-          <p:cNvPr id="90" name="Google Shape;90;p19"/>
+          <p:cNvPr id="105" name="Google Shape;105;p20"/>
           <p:cNvSpPr txBox="1"/>
           <p:nvPr/>
         </p:nvSpPr>
         <p:spPr>
           <a:xfrm>
-            <a:off x="2484200" y="4018450"/>
-            <a:ext cx="5070900" cy="683400"/>
+            <a:off x="3703400" y="4323250"/>
+            <a:ext cx="1478100" cy="456300"/>
           </a:xfrm>
           <a:prstGeom prst="rect">
             <a:avLst/>
@@ -12041,1080 +7882,7 @@
             </a:pPr>
             <a:r>
               <a:rPr lang="ru" sz="1800"/>
-              <a:t>Функция </a:t>
-            </a:r>
-            <a:r>
-              <a:rPr lang="ru" sz="1800"/>
-              <a:t>переименования</a:t>
-            </a:r>
-            <a:r>
-              <a:rPr lang="ru" sz="1800"/>
-              <a:t> файла</a:t>
-            </a:r>
-            <a:endParaRPr sz="1800"/>
-          </a:p>
-        </p:txBody>
-      </p:sp>
-    </p:spTree>
-  </p:cSld>
-  <p:clrMapOvr>
-    <a:masterClrMapping/>
-  </p:clrMapOvr>
-</p:sld>
-</file>
-
-<file path=ppt/slides/slide8.xml><?xml version="1.0" encoding="utf-8"?>
-<p:sld xmlns:a="http://schemas.openxmlformats.org/drawingml/2006/main" xmlns:r="http://schemas.openxmlformats.org/officeDocument/2006/relationships" xmlns:mc="http://schemas.openxmlformats.org/markup-compatibility/2006" xmlns:mv="urn:schemas-microsoft-com:mac:vml" xmlns:p="http://schemas.openxmlformats.org/presentationml/2006/main" xmlns:c="http://schemas.openxmlformats.org/drawingml/2006/chart" xmlns:dgm="http://schemas.openxmlformats.org/drawingml/2006/diagram" xmlns:o="urn:schemas-microsoft-com:office:office" xmlns:v="urn:schemas-microsoft-com:vml" xmlns:pvml="urn:schemas-microsoft-com:office:powerpoint" xmlns:com="http://schemas.openxmlformats.org/drawingml/2006/compatibility" xmlns:p14="http://schemas.microsoft.com/office/powerpoint/2010/main" xmlns:p15="http://schemas.microsoft.com/office/powerpoint/2012/main">
-  <p:cSld>
-    <p:spTree>
-      <p:nvGrpSpPr>
-        <p:cNvPr id="94" name="Shape 94"/>
-        <p:cNvGrpSpPr/>
-        <p:nvPr/>
-      </p:nvGrpSpPr>
-      <p:grpSpPr>
-        <a:xfrm>
-          <a:off x="0" y="0"/>
-          <a:ext cx="0" cy="0"/>
-          <a:chOff x="0" y="0"/>
-          <a:chExt cx="0" cy="0"/>
-        </a:xfrm>
-      </p:grpSpPr>
-      <p:sp>
-        <p:nvSpPr>
-          <p:cNvPr id="95" name="Google Shape;95;p20"/>
-          <p:cNvSpPr txBox="1"/>
-          <p:nvPr/>
-        </p:nvSpPr>
-        <p:spPr>
-          <a:xfrm>
-            <a:off x="456175" y="250450"/>
-            <a:ext cx="4756500" cy="1448700"/>
-          </a:xfrm>
-          <a:prstGeom prst="rect">
-            <a:avLst/>
-          </a:prstGeom>
-          <a:noFill/>
-          <a:ln>
-            <a:noFill/>
-          </a:ln>
-        </p:spPr>
-        <p:txBody>
-          <a:bodyPr anchorCtr="0" anchor="t" bIns="91425" lIns="91425" spcFirstLastPara="1" rIns="91425" wrap="square" tIns="91425">
-            <a:noAutofit/>
-          </a:bodyPr>
-          <a:lstStyle/>
-          <a:p>
-            <a:pPr indent="0" lvl="0" marL="0" rtl="0" algn="l">
-              <a:spcBef>
-                <a:spcPts val="0"/>
-              </a:spcBef>
-              <a:spcAft>
-                <a:spcPts val="0"/>
-              </a:spcAft>
-              <a:buClr>
-                <a:schemeClr val="dk1"/>
-              </a:buClr>
-              <a:buSzPts val="1100"/>
-              <a:buFont typeface="Arial"/>
-              <a:buNone/>
-            </a:pPr>
-            <a:r>
-              <a:rPr lang="ru" sz="1800">
-                <a:solidFill>
-                  <a:srgbClr val="CC7832"/>
-                </a:solidFill>
-                <a:highlight>
-                  <a:srgbClr val="2B2B2B"/>
-                </a:highlight>
-                <a:latin typeface="Courier New"/>
-                <a:ea typeface="Courier New"/>
-                <a:cs typeface="Courier New"/>
-                <a:sym typeface="Courier New"/>
-              </a:rPr>
-              <a:t>def </a:t>
-            </a:r>
-            <a:r>
-              <a:rPr lang="ru" sz="1800">
-                <a:solidFill>
-                  <a:srgbClr val="FFC66D"/>
-                </a:solidFill>
-                <a:highlight>
-                  <a:srgbClr val="2B2B2B"/>
-                </a:highlight>
-                <a:latin typeface="Courier New"/>
-                <a:ea typeface="Courier New"/>
-                <a:cs typeface="Courier New"/>
-                <a:sym typeface="Courier New"/>
-              </a:rPr>
-              <a:t>clean</a:t>
-            </a:r>
-            <a:r>
-              <a:rPr lang="ru" sz="1800">
-                <a:solidFill>
-                  <a:srgbClr val="A9B7C6"/>
-                </a:solidFill>
-                <a:highlight>
-                  <a:srgbClr val="2B2B2B"/>
-                </a:highlight>
-                <a:latin typeface="Courier New"/>
-                <a:ea typeface="Courier New"/>
-                <a:cs typeface="Courier New"/>
-                <a:sym typeface="Courier New"/>
-              </a:rPr>
-              <a:t>(</a:t>
-            </a:r>
-            <a:r>
-              <a:rPr lang="ru" sz="1800">
-                <a:solidFill>
-                  <a:srgbClr val="94558D"/>
-                </a:solidFill>
-                <a:highlight>
-                  <a:srgbClr val="2B2B2B"/>
-                </a:highlight>
-                <a:latin typeface="Courier New"/>
-                <a:ea typeface="Courier New"/>
-                <a:cs typeface="Courier New"/>
-                <a:sym typeface="Courier New"/>
-              </a:rPr>
-              <a:t>self</a:t>
-            </a:r>
-            <a:r>
-              <a:rPr lang="ru" sz="1800">
-                <a:solidFill>
-                  <a:srgbClr val="A9B7C6"/>
-                </a:solidFill>
-                <a:highlight>
-                  <a:srgbClr val="2B2B2B"/>
-                </a:highlight>
-                <a:latin typeface="Courier New"/>
-                <a:ea typeface="Courier New"/>
-                <a:cs typeface="Courier New"/>
-                <a:sym typeface="Courier New"/>
-              </a:rPr>
-              <a:t>):</a:t>
-            </a:r>
-            <a:endParaRPr sz="1800">
-              <a:solidFill>
-                <a:srgbClr val="A9B7C6"/>
-              </a:solidFill>
-              <a:highlight>
-                <a:srgbClr val="2B2B2B"/>
-              </a:highlight>
-              <a:latin typeface="Courier New"/>
-              <a:ea typeface="Courier New"/>
-              <a:cs typeface="Courier New"/>
-              <a:sym typeface="Courier New"/>
-            </a:endParaRPr>
-          </a:p>
-          <a:p>
-            <a:pPr indent="0" lvl="0" marL="0" rtl="0" algn="l">
-              <a:spcBef>
-                <a:spcPts val="0"/>
-              </a:spcBef>
-              <a:spcAft>
-                <a:spcPts val="0"/>
-              </a:spcAft>
-              <a:buClr>
-                <a:schemeClr val="dk1"/>
-              </a:buClr>
-              <a:buSzPts val="1100"/>
-              <a:buFont typeface="Arial"/>
-              <a:buNone/>
-            </a:pPr>
-            <a:r>
-              <a:rPr lang="ru" sz="1800">
-                <a:solidFill>
-                  <a:srgbClr val="A9B7C6"/>
-                </a:solidFill>
-                <a:highlight>
-                  <a:srgbClr val="2B2B2B"/>
-                </a:highlight>
-                <a:latin typeface="Courier New"/>
-                <a:ea typeface="Courier New"/>
-                <a:cs typeface="Courier New"/>
-                <a:sym typeface="Courier New"/>
-              </a:rPr>
-              <a:t>   </a:t>
-            </a:r>
-            <a:r>
-              <a:rPr lang="ru" sz="1800">
-                <a:solidFill>
-                  <a:srgbClr val="94558D"/>
-                </a:solidFill>
-                <a:highlight>
-                  <a:srgbClr val="2B2B2B"/>
-                </a:highlight>
-                <a:latin typeface="Courier New"/>
-                <a:ea typeface="Courier New"/>
-                <a:cs typeface="Courier New"/>
-                <a:sym typeface="Courier New"/>
-              </a:rPr>
-              <a:t>self</a:t>
-            </a:r>
-            <a:r>
-              <a:rPr lang="ru" sz="1800">
-                <a:solidFill>
-                  <a:srgbClr val="A9B7C6"/>
-                </a:solidFill>
-                <a:highlight>
-                  <a:srgbClr val="2B2B2B"/>
-                </a:highlight>
-                <a:latin typeface="Courier New"/>
-                <a:ea typeface="Courier New"/>
-                <a:cs typeface="Courier New"/>
-                <a:sym typeface="Courier New"/>
-              </a:rPr>
-              <a:t>.label_2.setText(</a:t>
-            </a:r>
-            <a:r>
-              <a:rPr lang="ru" sz="1800">
-                <a:solidFill>
-                  <a:srgbClr val="6A8759"/>
-                </a:solidFill>
-                <a:highlight>
-                  <a:srgbClr val="2B2B2B"/>
-                </a:highlight>
-                <a:latin typeface="Courier New"/>
-                <a:ea typeface="Courier New"/>
-                <a:cs typeface="Courier New"/>
-                <a:sym typeface="Courier New"/>
-              </a:rPr>
-              <a:t>''</a:t>
-            </a:r>
-            <a:r>
-              <a:rPr lang="ru" sz="1800">
-                <a:solidFill>
-                  <a:srgbClr val="A9B7C6"/>
-                </a:solidFill>
-                <a:highlight>
-                  <a:srgbClr val="2B2B2B"/>
-                </a:highlight>
-                <a:latin typeface="Courier New"/>
-                <a:ea typeface="Courier New"/>
-                <a:cs typeface="Courier New"/>
-                <a:sym typeface="Courier New"/>
-              </a:rPr>
-              <a:t>)</a:t>
-            </a:r>
-            <a:endParaRPr sz="1800">
-              <a:solidFill>
-                <a:srgbClr val="A9B7C6"/>
-              </a:solidFill>
-              <a:highlight>
-                <a:srgbClr val="2B2B2B"/>
-              </a:highlight>
-              <a:latin typeface="Courier New"/>
-              <a:ea typeface="Courier New"/>
-              <a:cs typeface="Courier New"/>
-              <a:sym typeface="Courier New"/>
-            </a:endParaRPr>
-          </a:p>
-          <a:p>
-            <a:pPr indent="0" lvl="0" marL="0" rtl="0" algn="l">
-              <a:spcBef>
-                <a:spcPts val="0"/>
-              </a:spcBef>
-              <a:spcAft>
-                <a:spcPts val="0"/>
-              </a:spcAft>
-              <a:buClr>
-                <a:schemeClr val="dk1"/>
-              </a:buClr>
-              <a:buSzPts val="1100"/>
-              <a:buFont typeface="Arial"/>
-              <a:buNone/>
-            </a:pPr>
-            <a:r>
-              <a:rPr lang="ru" sz="1800">
-                <a:solidFill>
-                  <a:srgbClr val="A9B7C6"/>
-                </a:solidFill>
-                <a:highlight>
-                  <a:srgbClr val="2B2B2B"/>
-                </a:highlight>
-                <a:latin typeface="Courier New"/>
-                <a:ea typeface="Courier New"/>
-                <a:cs typeface="Courier New"/>
-                <a:sym typeface="Courier New"/>
-              </a:rPr>
-              <a:t>   </a:t>
-            </a:r>
-            <a:r>
-              <a:rPr lang="ru" sz="1800">
-                <a:solidFill>
-                  <a:srgbClr val="94558D"/>
-                </a:solidFill>
-                <a:highlight>
-                  <a:srgbClr val="2B2B2B"/>
-                </a:highlight>
-                <a:latin typeface="Courier New"/>
-                <a:ea typeface="Courier New"/>
-                <a:cs typeface="Courier New"/>
-                <a:sym typeface="Courier New"/>
-              </a:rPr>
-              <a:t>self</a:t>
-            </a:r>
-            <a:r>
-              <a:rPr lang="ru" sz="1800">
-                <a:solidFill>
-                  <a:srgbClr val="A9B7C6"/>
-                </a:solidFill>
-                <a:highlight>
-                  <a:srgbClr val="2B2B2B"/>
-                </a:highlight>
-                <a:latin typeface="Courier New"/>
-                <a:ea typeface="Courier New"/>
-                <a:cs typeface="Courier New"/>
-                <a:sym typeface="Courier New"/>
-              </a:rPr>
-              <a:t>.lineEdit.setText(</a:t>
-            </a:r>
-            <a:r>
-              <a:rPr lang="ru" sz="1800">
-                <a:solidFill>
-                  <a:srgbClr val="6A8759"/>
-                </a:solidFill>
-                <a:highlight>
-                  <a:srgbClr val="2B2B2B"/>
-                </a:highlight>
-                <a:latin typeface="Courier New"/>
-                <a:ea typeface="Courier New"/>
-                <a:cs typeface="Courier New"/>
-                <a:sym typeface="Courier New"/>
-              </a:rPr>
-              <a:t>''</a:t>
-            </a:r>
-            <a:r>
-              <a:rPr lang="ru" sz="1800">
-                <a:solidFill>
-                  <a:srgbClr val="A9B7C6"/>
-                </a:solidFill>
-                <a:highlight>
-                  <a:srgbClr val="2B2B2B"/>
-                </a:highlight>
-                <a:latin typeface="Courier New"/>
-                <a:ea typeface="Courier New"/>
-                <a:cs typeface="Courier New"/>
-                <a:sym typeface="Courier New"/>
-              </a:rPr>
-              <a:t>)</a:t>
-            </a:r>
-            <a:endParaRPr sz="1800">
-              <a:solidFill>
-                <a:srgbClr val="A9B7C6"/>
-              </a:solidFill>
-              <a:highlight>
-                <a:srgbClr val="2B2B2B"/>
-              </a:highlight>
-              <a:latin typeface="Courier New"/>
-              <a:ea typeface="Courier New"/>
-              <a:cs typeface="Courier New"/>
-              <a:sym typeface="Courier New"/>
-            </a:endParaRPr>
-          </a:p>
-          <a:p>
-            <a:pPr indent="0" lvl="0" marL="0" rtl="0" algn="l">
-              <a:spcBef>
-                <a:spcPts val="0"/>
-              </a:spcBef>
-              <a:spcAft>
-                <a:spcPts val="0"/>
-              </a:spcAft>
-              <a:buClr>
-                <a:schemeClr val="dk1"/>
-              </a:buClr>
-              <a:buSzPts val="1100"/>
-              <a:buFont typeface="Arial"/>
-              <a:buNone/>
-            </a:pPr>
-            <a:r>
-              <a:rPr lang="ru" sz="1800">
-                <a:solidFill>
-                  <a:srgbClr val="A9B7C6"/>
-                </a:solidFill>
-                <a:highlight>
-                  <a:srgbClr val="2B2B2B"/>
-                </a:highlight>
-                <a:latin typeface="Courier New"/>
-                <a:ea typeface="Courier New"/>
-                <a:cs typeface="Courier New"/>
-                <a:sym typeface="Courier New"/>
-              </a:rPr>
-              <a:t>   </a:t>
-            </a:r>
-            <a:r>
-              <a:rPr lang="ru" sz="1800">
-                <a:solidFill>
-                  <a:srgbClr val="94558D"/>
-                </a:solidFill>
-                <a:highlight>
-                  <a:srgbClr val="2B2B2B"/>
-                </a:highlight>
-                <a:latin typeface="Courier New"/>
-                <a:ea typeface="Courier New"/>
-                <a:cs typeface="Courier New"/>
-                <a:sym typeface="Courier New"/>
-              </a:rPr>
-              <a:t>self</a:t>
-            </a:r>
-            <a:r>
-              <a:rPr lang="ru" sz="1800">
-                <a:solidFill>
-                  <a:srgbClr val="A9B7C6"/>
-                </a:solidFill>
-                <a:highlight>
-                  <a:srgbClr val="2B2B2B"/>
-                </a:highlight>
-                <a:latin typeface="Courier New"/>
-                <a:ea typeface="Courier New"/>
-                <a:cs typeface="Courier New"/>
-                <a:sym typeface="Courier New"/>
-              </a:rPr>
-              <a:t>.sizeLabel.setText(</a:t>
-            </a:r>
-            <a:r>
-              <a:rPr lang="ru" sz="1800">
-                <a:solidFill>
-                  <a:srgbClr val="6A8759"/>
-                </a:solidFill>
-                <a:highlight>
-                  <a:srgbClr val="2B2B2B"/>
-                </a:highlight>
-                <a:latin typeface="Courier New"/>
-                <a:ea typeface="Courier New"/>
-                <a:cs typeface="Courier New"/>
-                <a:sym typeface="Courier New"/>
-              </a:rPr>
-              <a:t>''</a:t>
-            </a:r>
-            <a:r>
-              <a:rPr lang="ru" sz="1800">
-                <a:solidFill>
-                  <a:srgbClr val="A9B7C6"/>
-                </a:solidFill>
-                <a:highlight>
-                  <a:srgbClr val="2B2B2B"/>
-                </a:highlight>
-                <a:latin typeface="Courier New"/>
-                <a:ea typeface="Courier New"/>
-                <a:cs typeface="Courier New"/>
-                <a:sym typeface="Courier New"/>
-              </a:rPr>
-              <a:t>)</a:t>
-            </a:r>
-            <a:endParaRPr sz="1800">
-              <a:solidFill>
-                <a:srgbClr val="A9B7C6"/>
-              </a:solidFill>
-              <a:highlight>
-                <a:srgbClr val="2B2B2B"/>
-              </a:highlight>
-              <a:latin typeface="Courier New"/>
-              <a:ea typeface="Courier New"/>
-              <a:cs typeface="Courier New"/>
-              <a:sym typeface="Courier New"/>
-            </a:endParaRPr>
-          </a:p>
-          <a:p>
-            <a:pPr indent="0" lvl="0" marL="0" rtl="0" algn="l">
-              <a:spcBef>
-                <a:spcPts val="0"/>
-              </a:spcBef>
-              <a:spcAft>
-                <a:spcPts val="0"/>
-              </a:spcAft>
-              <a:buNone/>
-            </a:pPr>
-            <a:r>
-              <a:t/>
-            </a:r>
-            <a:endParaRPr sz="1800">
-              <a:solidFill>
-                <a:srgbClr val="CC7832"/>
-              </a:solidFill>
-              <a:highlight>
-                <a:srgbClr val="2B2B2B"/>
-              </a:highlight>
-              <a:latin typeface="Courier New"/>
-              <a:ea typeface="Courier New"/>
-              <a:cs typeface="Courier New"/>
-              <a:sym typeface="Courier New"/>
-            </a:endParaRPr>
-          </a:p>
-        </p:txBody>
-      </p:sp>
-      <p:sp>
-        <p:nvSpPr>
-          <p:cNvPr id="96" name="Google Shape;96;p20"/>
-          <p:cNvSpPr txBox="1"/>
-          <p:nvPr/>
-        </p:nvSpPr>
-        <p:spPr>
-          <a:xfrm>
-            <a:off x="456175" y="1514450"/>
-            <a:ext cx="2687400" cy="683400"/>
-          </a:xfrm>
-          <a:prstGeom prst="rect">
-            <a:avLst/>
-          </a:prstGeom>
-          <a:noFill/>
-          <a:ln>
-            <a:noFill/>
-          </a:ln>
-        </p:spPr>
-        <p:txBody>
-          <a:bodyPr anchorCtr="0" anchor="t" bIns="91425" lIns="91425" spcFirstLastPara="1" rIns="91425" wrap="square" tIns="91425">
-            <a:noAutofit/>
-          </a:bodyPr>
-          <a:lstStyle/>
-          <a:p>
-            <a:pPr indent="0" lvl="0" marL="0" rtl="0" algn="l">
-              <a:spcBef>
-                <a:spcPts val="0"/>
-              </a:spcBef>
-              <a:spcAft>
-                <a:spcPts val="0"/>
-              </a:spcAft>
-              <a:buNone/>
-            </a:pPr>
-            <a:r>
-              <a:rPr lang="ru" sz="1800"/>
-              <a:t>Функция очистки окон</a:t>
-            </a:r>
-            <a:endParaRPr sz="1800"/>
-          </a:p>
-        </p:txBody>
-      </p:sp>
-      <p:sp>
-        <p:nvSpPr>
-          <p:cNvPr id="97" name="Google Shape;97;p20"/>
-          <p:cNvSpPr txBox="1"/>
-          <p:nvPr/>
-        </p:nvSpPr>
-        <p:spPr>
-          <a:xfrm>
-            <a:off x="456175" y="2274050"/>
-            <a:ext cx="7443900" cy="1448700"/>
-          </a:xfrm>
-          <a:prstGeom prst="rect">
-            <a:avLst/>
-          </a:prstGeom>
-          <a:noFill/>
-          <a:ln>
-            <a:noFill/>
-          </a:ln>
-        </p:spPr>
-        <p:txBody>
-          <a:bodyPr anchorCtr="0" anchor="t" bIns="91425" lIns="91425" spcFirstLastPara="1" rIns="91425" wrap="square" tIns="91425">
-            <a:noAutofit/>
-          </a:bodyPr>
-          <a:lstStyle/>
-          <a:p>
-            <a:pPr indent="0" lvl="0" marL="0" rtl="0" algn="l">
-              <a:spcBef>
-                <a:spcPts val="0"/>
-              </a:spcBef>
-              <a:spcAft>
-                <a:spcPts val="0"/>
-              </a:spcAft>
-              <a:buClr>
-                <a:schemeClr val="dk1"/>
-              </a:buClr>
-              <a:buSzPts val="1100"/>
-              <a:buFont typeface="Arial"/>
-              <a:buNone/>
-            </a:pPr>
-            <a:r>
-              <a:rPr lang="ru" sz="1800">
-                <a:solidFill>
-                  <a:srgbClr val="CC7832"/>
-                </a:solidFill>
-                <a:highlight>
-                  <a:srgbClr val="2B2B2B"/>
-                </a:highlight>
-                <a:latin typeface="Courier New"/>
-                <a:ea typeface="Courier New"/>
-                <a:cs typeface="Courier New"/>
-                <a:sym typeface="Courier New"/>
-              </a:rPr>
-              <a:t>def </a:t>
-            </a:r>
-            <a:r>
-              <a:rPr lang="ru" sz="1800">
-                <a:solidFill>
-                  <a:srgbClr val="FFC66D"/>
-                </a:solidFill>
-                <a:highlight>
-                  <a:srgbClr val="2B2B2B"/>
-                </a:highlight>
-                <a:latin typeface="Courier New"/>
-                <a:ea typeface="Courier New"/>
-                <a:cs typeface="Courier New"/>
-                <a:sym typeface="Courier New"/>
-              </a:rPr>
-              <a:t>exit</a:t>
-            </a:r>
-            <a:r>
-              <a:rPr lang="ru" sz="1800">
-                <a:solidFill>
-                  <a:srgbClr val="A9B7C6"/>
-                </a:solidFill>
-                <a:highlight>
-                  <a:srgbClr val="2B2B2B"/>
-                </a:highlight>
-                <a:latin typeface="Courier New"/>
-                <a:ea typeface="Courier New"/>
-                <a:cs typeface="Courier New"/>
-                <a:sym typeface="Courier New"/>
-              </a:rPr>
-              <a:t>(</a:t>
-            </a:r>
-            <a:r>
-              <a:rPr lang="ru" sz="1800">
-                <a:solidFill>
-                  <a:srgbClr val="94558D"/>
-                </a:solidFill>
-                <a:highlight>
-                  <a:srgbClr val="2B2B2B"/>
-                </a:highlight>
-                <a:latin typeface="Courier New"/>
-                <a:ea typeface="Courier New"/>
-                <a:cs typeface="Courier New"/>
-                <a:sym typeface="Courier New"/>
-              </a:rPr>
-              <a:t>self</a:t>
-            </a:r>
-            <a:r>
-              <a:rPr lang="ru" sz="1800">
-                <a:solidFill>
-                  <a:srgbClr val="A9B7C6"/>
-                </a:solidFill>
-                <a:highlight>
-                  <a:srgbClr val="2B2B2B"/>
-                </a:highlight>
-                <a:latin typeface="Courier New"/>
-                <a:ea typeface="Courier New"/>
-                <a:cs typeface="Courier New"/>
-                <a:sym typeface="Courier New"/>
-              </a:rPr>
-              <a:t>):</a:t>
-            </a:r>
-            <a:endParaRPr sz="1800">
-              <a:solidFill>
-                <a:srgbClr val="A9B7C6"/>
-              </a:solidFill>
-              <a:highlight>
-                <a:srgbClr val="2B2B2B"/>
-              </a:highlight>
-              <a:latin typeface="Courier New"/>
-              <a:ea typeface="Courier New"/>
-              <a:cs typeface="Courier New"/>
-              <a:sym typeface="Courier New"/>
-            </a:endParaRPr>
-          </a:p>
-          <a:p>
-            <a:pPr indent="0" lvl="0" marL="0" rtl="0" algn="l">
-              <a:spcBef>
-                <a:spcPts val="0"/>
-              </a:spcBef>
-              <a:spcAft>
-                <a:spcPts val="0"/>
-              </a:spcAft>
-              <a:buClr>
-                <a:schemeClr val="dk1"/>
-              </a:buClr>
-              <a:buSzPts val="1100"/>
-              <a:buFont typeface="Arial"/>
-              <a:buNone/>
-            </a:pPr>
-            <a:r>
-              <a:rPr lang="ru" sz="1800">
-                <a:solidFill>
-                  <a:srgbClr val="A9B7C6"/>
-                </a:solidFill>
-                <a:highlight>
-                  <a:srgbClr val="2B2B2B"/>
-                </a:highlight>
-                <a:latin typeface="Courier New"/>
-                <a:ea typeface="Courier New"/>
-                <a:cs typeface="Courier New"/>
-                <a:sym typeface="Courier New"/>
-              </a:rPr>
-              <a:t>   reply = QMessageBox.question(</a:t>
-            </a:r>
-            <a:r>
-              <a:rPr lang="ru" sz="1800">
-                <a:solidFill>
-                  <a:srgbClr val="94558D"/>
-                </a:solidFill>
-                <a:highlight>
-                  <a:srgbClr val="2B2B2B"/>
-                </a:highlight>
-                <a:latin typeface="Courier New"/>
-                <a:ea typeface="Courier New"/>
-                <a:cs typeface="Courier New"/>
-                <a:sym typeface="Courier New"/>
-              </a:rPr>
-              <a:t>self</a:t>
-            </a:r>
-            <a:r>
-              <a:rPr lang="ru" sz="1800">
-                <a:solidFill>
-                  <a:srgbClr val="CC7832"/>
-                </a:solidFill>
-                <a:highlight>
-                  <a:srgbClr val="2B2B2B"/>
-                </a:highlight>
-                <a:latin typeface="Courier New"/>
-                <a:ea typeface="Courier New"/>
-                <a:cs typeface="Courier New"/>
-                <a:sym typeface="Courier New"/>
-              </a:rPr>
-              <a:t>, </a:t>
-            </a:r>
-            <a:r>
-              <a:rPr lang="ru" sz="1800">
-                <a:solidFill>
-                  <a:srgbClr val="6A8759"/>
-                </a:solidFill>
-                <a:highlight>
-                  <a:srgbClr val="2B2B2B"/>
-                </a:highlight>
-                <a:latin typeface="Courier New"/>
-                <a:ea typeface="Courier New"/>
-                <a:cs typeface="Courier New"/>
-                <a:sym typeface="Courier New"/>
-              </a:rPr>
-              <a:t>'Выход'</a:t>
-            </a:r>
-            <a:r>
-              <a:rPr lang="ru" sz="1800">
-                <a:solidFill>
-                  <a:srgbClr val="CC7832"/>
-                </a:solidFill>
-                <a:highlight>
-                  <a:srgbClr val="2B2B2B"/>
-                </a:highlight>
-                <a:latin typeface="Courier New"/>
-                <a:ea typeface="Courier New"/>
-                <a:cs typeface="Courier New"/>
-                <a:sym typeface="Courier New"/>
-              </a:rPr>
-              <a:t>, </a:t>
-            </a:r>
-            <a:r>
-              <a:rPr lang="ru" sz="1800">
-                <a:solidFill>
-                  <a:srgbClr val="6A8759"/>
-                </a:solidFill>
-                <a:highlight>
-                  <a:srgbClr val="2B2B2B"/>
-                </a:highlight>
-                <a:latin typeface="Courier New"/>
-                <a:ea typeface="Courier New"/>
-                <a:cs typeface="Courier New"/>
-                <a:sym typeface="Courier New"/>
-              </a:rPr>
-              <a:t>"Вы точно хотите выйти?"</a:t>
-            </a:r>
-            <a:r>
-              <a:rPr lang="ru" sz="1800">
-                <a:solidFill>
-                  <a:srgbClr val="CC7832"/>
-                </a:solidFill>
-                <a:highlight>
-                  <a:srgbClr val="2B2B2B"/>
-                </a:highlight>
-                <a:latin typeface="Courier New"/>
-                <a:ea typeface="Courier New"/>
-                <a:cs typeface="Courier New"/>
-                <a:sym typeface="Courier New"/>
-              </a:rPr>
-              <a:t>,</a:t>
-            </a:r>
-            <a:endParaRPr sz="1800">
-              <a:solidFill>
-                <a:srgbClr val="CC7832"/>
-              </a:solidFill>
-              <a:highlight>
-                <a:srgbClr val="2B2B2B"/>
-              </a:highlight>
-              <a:latin typeface="Courier New"/>
-              <a:ea typeface="Courier New"/>
-              <a:cs typeface="Courier New"/>
-              <a:sym typeface="Courier New"/>
-            </a:endParaRPr>
-          </a:p>
-          <a:p>
-            <a:pPr indent="0" lvl="0" marL="0" rtl="0" algn="l">
-              <a:spcBef>
-                <a:spcPts val="0"/>
-              </a:spcBef>
-              <a:spcAft>
-                <a:spcPts val="0"/>
-              </a:spcAft>
-              <a:buClr>
-                <a:schemeClr val="dk1"/>
-              </a:buClr>
-              <a:buSzPts val="1100"/>
-              <a:buFont typeface="Arial"/>
-              <a:buNone/>
-            </a:pPr>
-            <a:r>
-              <a:rPr lang="ru" sz="1800">
-                <a:solidFill>
-                  <a:srgbClr val="CC7832"/>
-                </a:solidFill>
-                <a:highlight>
-                  <a:srgbClr val="2B2B2B"/>
-                </a:highlight>
-                <a:latin typeface="Courier New"/>
-                <a:ea typeface="Courier New"/>
-                <a:cs typeface="Courier New"/>
-                <a:sym typeface="Courier New"/>
-              </a:rPr>
-              <a:t>                                </a:t>
-            </a:r>
-            <a:r>
-              <a:rPr lang="ru" sz="1800">
-                <a:solidFill>
-                  <a:srgbClr val="A9B7C6"/>
-                </a:solidFill>
-                <a:highlight>
-                  <a:srgbClr val="2B2B2B"/>
-                </a:highlight>
-                <a:latin typeface="Courier New"/>
-                <a:ea typeface="Courier New"/>
-                <a:cs typeface="Courier New"/>
-                <a:sym typeface="Courier New"/>
-              </a:rPr>
-              <a:t>QMessageBox.Yes | QMessageBox.No</a:t>
-            </a:r>
-            <a:r>
-              <a:rPr lang="ru" sz="1800">
-                <a:solidFill>
-                  <a:srgbClr val="CC7832"/>
-                </a:solidFill>
-                <a:highlight>
-                  <a:srgbClr val="2B2B2B"/>
-                </a:highlight>
-                <a:latin typeface="Courier New"/>
-                <a:ea typeface="Courier New"/>
-                <a:cs typeface="Courier New"/>
-                <a:sym typeface="Courier New"/>
-              </a:rPr>
-              <a:t>, </a:t>
-            </a:r>
-            <a:r>
-              <a:rPr lang="ru" sz="1800">
-                <a:solidFill>
-                  <a:srgbClr val="A9B7C6"/>
-                </a:solidFill>
-                <a:highlight>
-                  <a:srgbClr val="2B2B2B"/>
-                </a:highlight>
-                <a:latin typeface="Courier New"/>
-                <a:ea typeface="Courier New"/>
-                <a:cs typeface="Courier New"/>
-                <a:sym typeface="Courier New"/>
-              </a:rPr>
-              <a:t>QMessageBox.No)</a:t>
-            </a:r>
-            <a:endParaRPr sz="1800">
-              <a:solidFill>
-                <a:srgbClr val="A9B7C6"/>
-              </a:solidFill>
-              <a:highlight>
-                <a:srgbClr val="2B2B2B"/>
-              </a:highlight>
-              <a:latin typeface="Courier New"/>
-              <a:ea typeface="Courier New"/>
-              <a:cs typeface="Courier New"/>
-              <a:sym typeface="Courier New"/>
-            </a:endParaRPr>
-          </a:p>
-          <a:p>
-            <a:pPr indent="0" lvl="0" marL="0" rtl="0" algn="l">
-              <a:spcBef>
-                <a:spcPts val="0"/>
-              </a:spcBef>
-              <a:spcAft>
-                <a:spcPts val="0"/>
-              </a:spcAft>
-              <a:buClr>
-                <a:schemeClr val="dk1"/>
-              </a:buClr>
-              <a:buSzPts val="1100"/>
-              <a:buFont typeface="Arial"/>
-              <a:buNone/>
-            </a:pPr>
-            <a:r>
-              <a:rPr lang="ru" sz="1800">
-                <a:solidFill>
-                  <a:srgbClr val="A9B7C6"/>
-                </a:solidFill>
-                <a:highlight>
-                  <a:srgbClr val="2B2B2B"/>
-                </a:highlight>
-                <a:latin typeface="Courier New"/>
-                <a:ea typeface="Courier New"/>
-                <a:cs typeface="Courier New"/>
-                <a:sym typeface="Courier New"/>
-              </a:rPr>
-              <a:t>   </a:t>
-            </a:r>
-            <a:r>
-              <a:rPr lang="ru" sz="1800">
-                <a:solidFill>
-                  <a:srgbClr val="CC7832"/>
-                </a:solidFill>
-                <a:highlight>
-                  <a:srgbClr val="2B2B2B"/>
-                </a:highlight>
-                <a:latin typeface="Courier New"/>
-                <a:ea typeface="Courier New"/>
-                <a:cs typeface="Courier New"/>
-                <a:sym typeface="Courier New"/>
-              </a:rPr>
-              <a:t>if </a:t>
-            </a:r>
-            <a:r>
-              <a:rPr lang="ru" sz="1800">
-                <a:solidFill>
-                  <a:srgbClr val="A9B7C6"/>
-                </a:solidFill>
-                <a:highlight>
-                  <a:srgbClr val="2B2B2B"/>
-                </a:highlight>
-                <a:latin typeface="Courier New"/>
-                <a:ea typeface="Courier New"/>
-                <a:cs typeface="Courier New"/>
-                <a:sym typeface="Courier New"/>
-              </a:rPr>
-              <a:t>reply == QMessageBox.Yes:</a:t>
-            </a:r>
-            <a:endParaRPr sz="1800">
-              <a:solidFill>
-                <a:srgbClr val="A9B7C6"/>
-              </a:solidFill>
-              <a:highlight>
-                <a:srgbClr val="2B2B2B"/>
-              </a:highlight>
-              <a:latin typeface="Courier New"/>
-              <a:ea typeface="Courier New"/>
-              <a:cs typeface="Courier New"/>
-              <a:sym typeface="Courier New"/>
-            </a:endParaRPr>
-          </a:p>
-          <a:p>
-            <a:pPr indent="0" lvl="0" marL="0" rtl="0" algn="l">
-              <a:spcBef>
-                <a:spcPts val="0"/>
-              </a:spcBef>
-              <a:spcAft>
-                <a:spcPts val="0"/>
-              </a:spcAft>
-              <a:buClr>
-                <a:schemeClr val="dk1"/>
-              </a:buClr>
-              <a:buSzPts val="1100"/>
-              <a:buFont typeface="Arial"/>
-              <a:buNone/>
-            </a:pPr>
-            <a:r>
-              <a:rPr lang="ru" sz="1800">
-                <a:solidFill>
-                  <a:srgbClr val="A9B7C6"/>
-                </a:solidFill>
-                <a:highlight>
-                  <a:srgbClr val="2B2B2B"/>
-                </a:highlight>
-                <a:latin typeface="Courier New"/>
-                <a:ea typeface="Courier New"/>
-                <a:cs typeface="Courier New"/>
-                <a:sym typeface="Courier New"/>
-              </a:rPr>
-              <a:t>       QCoreApplication.exit()</a:t>
-            </a:r>
-            <a:endParaRPr sz="1800">
-              <a:solidFill>
-                <a:srgbClr val="A9B7C6"/>
-              </a:solidFill>
-              <a:highlight>
-                <a:srgbClr val="2B2B2B"/>
-              </a:highlight>
-              <a:latin typeface="Courier New"/>
-              <a:ea typeface="Courier New"/>
-              <a:cs typeface="Courier New"/>
-              <a:sym typeface="Courier New"/>
-            </a:endParaRPr>
-          </a:p>
-          <a:p>
-            <a:pPr indent="0" lvl="0" marL="0" rtl="0" algn="l">
-              <a:spcBef>
-                <a:spcPts val="0"/>
-              </a:spcBef>
-              <a:spcAft>
-                <a:spcPts val="0"/>
-              </a:spcAft>
-              <a:buNone/>
-            </a:pPr>
-            <a:r>
-              <a:t/>
-            </a:r>
-            <a:endParaRPr sz="1800">
-              <a:solidFill>
-                <a:srgbClr val="CC7832"/>
-              </a:solidFill>
-              <a:highlight>
-                <a:srgbClr val="2B2B2B"/>
-              </a:highlight>
-              <a:latin typeface="Courier New"/>
-              <a:ea typeface="Courier New"/>
-              <a:cs typeface="Courier New"/>
-              <a:sym typeface="Courier New"/>
-            </a:endParaRPr>
-          </a:p>
-        </p:txBody>
-      </p:sp>
-      <p:sp>
-        <p:nvSpPr>
-          <p:cNvPr id="98" name="Google Shape;98;p20"/>
-          <p:cNvSpPr txBox="1"/>
-          <p:nvPr/>
-        </p:nvSpPr>
-        <p:spPr>
-          <a:xfrm>
-            <a:off x="540225" y="4353675"/>
-            <a:ext cx="5419200" cy="683400"/>
-          </a:xfrm>
-          <a:prstGeom prst="rect">
-            <a:avLst/>
-          </a:prstGeom>
-          <a:noFill/>
-          <a:ln>
-            <a:noFill/>
-          </a:ln>
-        </p:spPr>
-        <p:txBody>
-          <a:bodyPr anchorCtr="0" anchor="t" bIns="91425" lIns="91425" spcFirstLastPara="1" rIns="91425" wrap="square" tIns="91425">
-            <a:noAutofit/>
-          </a:bodyPr>
-          <a:lstStyle/>
-          <a:p>
-            <a:pPr indent="0" lvl="0" marL="0" rtl="0" algn="l">
-              <a:spcBef>
-                <a:spcPts val="0"/>
-              </a:spcBef>
-              <a:spcAft>
-                <a:spcPts val="0"/>
-              </a:spcAft>
-              <a:buNone/>
-            </a:pPr>
-            <a:r>
-              <a:rPr lang="ru" sz="1800"/>
-              <a:t>Функция выхода из приложения</a:t>
+              <a:t>Выход</a:t>
             </a:r>
             <a:endParaRPr sz="1800"/>
           </a:p>
